--- a/reference_content/Slides/rnn_lstm.pptx
+++ b/reference_content/Slides/rnn_lstm.pptx
@@ -7,14 +7,29 @@
   <p:sldIdLst>
     <p:sldId id="256" r:id="rId2"/>
     <p:sldId id="257" r:id="rId3"/>
-    <p:sldId id="259" r:id="rId4"/>
-    <p:sldId id="258" r:id="rId5"/>
-    <p:sldId id="262" r:id="rId6"/>
-    <p:sldId id="263" r:id="rId7"/>
-    <p:sldId id="264" r:id="rId8"/>
-    <p:sldId id="265" r:id="rId9"/>
-    <p:sldId id="266" r:id="rId10"/>
-    <p:sldId id="261" r:id="rId11"/>
+    <p:sldId id="267" r:id="rId4"/>
+    <p:sldId id="269" r:id="rId5"/>
+    <p:sldId id="270" r:id="rId6"/>
+    <p:sldId id="271" r:id="rId7"/>
+    <p:sldId id="268" r:id="rId8"/>
+    <p:sldId id="259" r:id="rId9"/>
+    <p:sldId id="258" r:id="rId10"/>
+    <p:sldId id="262" r:id="rId11"/>
+    <p:sldId id="263" r:id="rId12"/>
+    <p:sldId id="264" r:id="rId13"/>
+    <p:sldId id="265" r:id="rId14"/>
+    <p:sldId id="266" r:id="rId15"/>
+    <p:sldId id="278" r:id="rId16"/>
+    <p:sldId id="279" r:id="rId17"/>
+    <p:sldId id="261" r:id="rId18"/>
+    <p:sldId id="280" r:id="rId19"/>
+    <p:sldId id="272" r:id="rId20"/>
+    <p:sldId id="281" r:id="rId21"/>
+    <p:sldId id="277" r:id="rId22"/>
+    <p:sldId id="276" r:id="rId23"/>
+    <p:sldId id="273" r:id="rId24"/>
+    <p:sldId id="274" r:id="rId25"/>
+    <p:sldId id="275" r:id="rId26"/>
   </p:sldIdLst>
   <p:sldSz cx="12192000" cy="6858000"/>
   <p:notesSz cx="6858000" cy="9144000"/>
@@ -113,6 +128,11 @@
       </a:defRPr>
     </a:lvl9pPr>
   </p:defaultTextStyle>
+  <p:extLst>
+    <p:ext uri="{EFAFB233-063F-42B5-8137-9DF3F51BA10A}">
+      <p15:sldGuideLst xmlns:p15="http://schemas.microsoft.com/office/powerpoint/2012/main"/>
+    </p:ext>
+  </p:extLst>
 </p:presentation>
 </file>
 
@@ -255,7 +275,7 @@
           <a:p>
             <a:fld id="{17CC3DFC-3056-E54F-8D32-DF1A3495E674}" type="datetimeFigureOut">
               <a:rPr lang="en-US" smtClean="0"/>
-              <a:t>4/5/22</a:t>
+              <a:t>4/14/24</a:t>
             </a:fld>
             <a:endParaRPr lang="en-US"/>
           </a:p>
@@ -466,7 +486,7 @@
           <a:p>
             <a:fld id="{17CC3DFC-3056-E54F-8D32-DF1A3495E674}" type="datetimeFigureOut">
               <a:rPr lang="en-US" smtClean="0"/>
-              <a:t>4/5/22</a:t>
+              <a:t>4/14/24</a:t>
             </a:fld>
             <a:endParaRPr lang="en-US"/>
           </a:p>
@@ -681,7 +701,7 @@
           <a:p>
             <a:fld id="{17CC3DFC-3056-E54F-8D32-DF1A3495E674}" type="datetimeFigureOut">
               <a:rPr lang="en-US" smtClean="0"/>
-              <a:t>4/5/22</a:t>
+              <a:t>4/14/24</a:t>
             </a:fld>
             <a:endParaRPr lang="en-US"/>
           </a:p>
@@ -882,7 +902,7 @@
           <a:p>
             <a:fld id="{17CC3DFC-3056-E54F-8D32-DF1A3495E674}" type="datetimeFigureOut">
               <a:rPr lang="en-US" smtClean="0"/>
-              <a:t>4/5/22</a:t>
+              <a:t>4/14/24</a:t>
             </a:fld>
             <a:endParaRPr lang="en-US"/>
           </a:p>
@@ -1161,7 +1181,7 @@
           <a:p>
             <a:fld id="{17CC3DFC-3056-E54F-8D32-DF1A3495E674}" type="datetimeFigureOut">
               <a:rPr lang="en-US" smtClean="0"/>
-              <a:t>4/5/22</a:t>
+              <a:t>4/14/24</a:t>
             </a:fld>
             <a:endParaRPr lang="en-US"/>
           </a:p>
@@ -1429,7 +1449,7 @@
           <a:p>
             <a:fld id="{17CC3DFC-3056-E54F-8D32-DF1A3495E674}" type="datetimeFigureOut">
               <a:rPr lang="en-US" smtClean="0"/>
-              <a:t>4/5/22</a:t>
+              <a:t>4/14/24</a:t>
             </a:fld>
             <a:endParaRPr lang="en-US"/>
           </a:p>
@@ -1845,7 +1865,7 @@
           <a:p>
             <a:fld id="{17CC3DFC-3056-E54F-8D32-DF1A3495E674}" type="datetimeFigureOut">
               <a:rPr lang="en-US" smtClean="0"/>
-              <a:t>4/5/22</a:t>
+              <a:t>4/14/24</a:t>
             </a:fld>
             <a:endParaRPr lang="en-US"/>
           </a:p>
@@ -1994,7 +2014,7 @@
           <a:p>
             <a:fld id="{17CC3DFC-3056-E54F-8D32-DF1A3495E674}" type="datetimeFigureOut">
               <a:rPr lang="en-US" smtClean="0"/>
-              <a:t>4/5/22</a:t>
+              <a:t>4/14/24</a:t>
             </a:fld>
             <a:endParaRPr lang="en-US"/>
           </a:p>
@@ -2120,7 +2140,7 @@
           <a:p>
             <a:fld id="{17CC3DFC-3056-E54F-8D32-DF1A3495E674}" type="datetimeFigureOut">
               <a:rPr lang="en-US" smtClean="0"/>
-              <a:t>4/5/22</a:t>
+              <a:t>4/14/24</a:t>
             </a:fld>
             <a:endParaRPr lang="en-US"/>
           </a:p>
@@ -2371,7 +2391,7 @@
           <a:p>
             <a:fld id="{17CC3DFC-3056-E54F-8D32-DF1A3495E674}" type="datetimeFigureOut">
               <a:rPr lang="en-US" smtClean="0"/>
-              <a:t>4/5/22</a:t>
+              <a:t>4/14/24</a:t>
             </a:fld>
             <a:endParaRPr lang="en-US"/>
           </a:p>
@@ -2816,7 +2836,7 @@
           <a:p>
             <a:fld id="{17CC3DFC-3056-E54F-8D32-DF1A3495E674}" type="datetimeFigureOut">
               <a:rPr lang="en-US" smtClean="0"/>
-              <a:t>4/5/22</a:t>
+              <a:t>4/14/24</a:t>
             </a:fld>
             <a:endParaRPr lang="en-US"/>
           </a:p>
@@ -3143,7 +3163,7 @@
           <a:p>
             <a:fld id="{17CC3DFC-3056-E54F-8D32-DF1A3495E674}" type="datetimeFigureOut">
               <a:rPr lang="en-US" smtClean="0"/>
-              <a:t>4/5/22</a:t>
+              <a:t>4/14/24</a:t>
             </a:fld>
             <a:endParaRPr lang="en-US"/>
           </a:p>
@@ -3698,6 +3718,30 @@
 <file path=ppt/slides/slide10.xml><?xml version="1.0" encoding="utf-8"?>
 <p:sld xmlns:a="http://schemas.openxmlformats.org/drawingml/2006/main" xmlns:r="http://schemas.openxmlformats.org/officeDocument/2006/relationships" xmlns:p="http://schemas.openxmlformats.org/presentationml/2006/main">
   <p:cSld>
+    <p:bg>
+      <p:bgPr>
+        <a:gradFill rotWithShape="1">
+          <a:gsLst>
+            <a:gs pos="0">
+              <a:schemeClr val="bg2">
+                <a:tint val="94000"/>
+                <a:satMod val="80000"/>
+                <a:lumMod val="106000"/>
+              </a:schemeClr>
+            </a:gs>
+            <a:gs pos="100000">
+              <a:schemeClr val="bg2">
+                <a:shade val="80000"/>
+              </a:schemeClr>
+            </a:gs>
+          </a:gsLst>
+          <a:path path="circle">
+            <a:fillToRect l="43000" r="43000" b="100000"/>
+          </a:path>
+        </a:gradFill>
+        <a:effectLst/>
+      </p:bgPr>
+    </p:bg>
     <p:spTree>
       <p:nvGrpSpPr>
         <p:cNvPr id="1" name=""/>
@@ -3717,7 +3761,7 @@
           <p:cNvPr id="2" name="Title 1">
             <a:extLst>
               <a:ext uri="{FF2B5EF4-FFF2-40B4-BE49-F238E27FC236}">
-                <a16:creationId xmlns:a16="http://schemas.microsoft.com/office/drawing/2014/main" id="{42315EB7-5B70-6544-9207-05FB14CC584C}"/>
+                <a16:creationId xmlns:a16="http://schemas.microsoft.com/office/drawing/2014/main" id="{7774CA1C-6EBF-724B-93C9-5E0C0698533A}"/>
               </a:ext>
             </a:extLst>
           </p:cNvPr>
@@ -3728,12 +3772,22 @@
             <p:ph type="title"/>
           </p:nvPr>
         </p:nvSpPr>
-        <p:spPr/>
-        <p:txBody>
-          <a:bodyPr/>
-          <a:lstStyle/>
-          <a:p>
-            <a:endParaRPr lang="en-US"/>
+        <p:spPr>
+          <a:xfrm>
+            <a:off x="1451579" y="804519"/>
+            <a:ext cx="9603275" cy="1049235"/>
+          </a:xfrm>
+        </p:spPr>
+        <p:txBody>
+          <a:bodyPr>
+            <a:normAutofit/>
+          </a:bodyPr>
+          <a:lstStyle/>
+          <a:p>
+            <a:r>
+              <a:rPr lang="en-US" dirty="0"/>
+              <a:t>Forget Gate</a:t>
+            </a:r>
           </a:p>
         </p:txBody>
       </p:sp>
@@ -3742,7 +3796,7 @@
           <p:cNvPr id="3" name="Content Placeholder 2">
             <a:extLst>
               <a:ext uri="{FF2B5EF4-FFF2-40B4-BE49-F238E27FC236}">
-                <a16:creationId xmlns:a16="http://schemas.microsoft.com/office/drawing/2014/main" id="{FE6C7172-3AFD-B844-8099-EC85CE0F94E4}"/>
+                <a16:creationId xmlns:a16="http://schemas.microsoft.com/office/drawing/2014/main" id="{D8A4C8BD-8C07-B44A-9A03-1CA3D3379450}"/>
               </a:ext>
             </a:extLst>
           </p:cNvPr>
@@ -3753,21 +3807,44 @@
             <p:ph idx="1"/>
           </p:nvPr>
         </p:nvSpPr>
-        <p:spPr/>
-        <p:txBody>
-          <a:bodyPr/>
-          <a:lstStyle/>
-          <a:p>
-            <a:endParaRPr lang="en-US"/>
+        <p:spPr>
+          <a:xfrm>
+            <a:off x="117231" y="2015734"/>
+            <a:ext cx="4407877" cy="4037747"/>
+          </a:xfrm>
+        </p:spPr>
+        <p:txBody>
+          <a:bodyPr>
+            <a:normAutofit/>
+          </a:bodyPr>
+          <a:lstStyle/>
+          <a:p>
+            <a:r>
+              <a:rPr lang="en-CA" dirty="0"/>
+              <a:t>The forget gate decides what information should be thrown away or kept. </a:t>
+            </a:r>
+          </a:p>
+          <a:p>
+            <a:r>
+              <a:rPr lang="en-CA" dirty="0"/>
+              <a:t>Information from the previous hidden state and information from the current input is passed through the sigmoid function. </a:t>
+            </a:r>
+          </a:p>
+          <a:p>
+            <a:r>
+              <a:rPr lang="en-CA" dirty="0"/>
+              <a:t>Values come out between 0 and 1. The closer to 0 means to forget, and the closer to 1 means to keep.</a:t>
+            </a:r>
+            <a:endParaRPr lang="en-US" dirty="0"/>
           </a:p>
         </p:txBody>
       </p:sp>
       <p:pic>
         <p:nvPicPr>
-          <p:cNvPr id="1026" name="Picture 2" descr="Long Short Term Memory: Deep Dive | by Anantech.ai | FAUN Publication">
+          <p:cNvPr id="2052" name="Picture 4">
             <a:extLst>
               <a:ext uri="{FF2B5EF4-FFF2-40B4-BE49-F238E27FC236}">
-                <a16:creationId xmlns:a16="http://schemas.microsoft.com/office/drawing/2014/main" id="{5AA00350-0C4E-614B-8A9D-75501702023C}"/>
+                <a16:creationId xmlns:a16="http://schemas.microsoft.com/office/drawing/2014/main" id="{15A7B40F-4591-5443-9487-CBE07A075C31}"/>
               </a:ext>
             </a:extLst>
           </p:cNvPr>
@@ -3784,15 +3861,14 @@
               </a:ext>
             </a:extLst>
           </a:blip>
-          <a:srcRect/>
           <a:stretch>
             <a:fillRect/>
           </a:stretch>
         </p:blipFill>
         <p:spPr bwMode="auto">
           <a:xfrm>
-            <a:off x="1137146" y="-7531"/>
-            <a:ext cx="9917708" cy="6873062"/>
+            <a:off x="4486382" y="1589330"/>
+            <a:ext cx="7671721" cy="4037747"/>
           </a:xfrm>
           <a:prstGeom prst="rect">
             <a:avLst/>
@@ -3812,7 +3888,1413 @@
     </p:spTree>
     <p:extLst>
       <p:ext uri="{BB962C8B-B14F-4D97-AF65-F5344CB8AC3E}">
+        <p14:creationId xmlns:p14="http://schemas.microsoft.com/office/powerpoint/2010/main" val="2858938085"/>
+      </p:ext>
+    </p:extLst>
+  </p:cSld>
+  <p:clrMapOvr>
+    <a:masterClrMapping/>
+  </p:clrMapOvr>
+</p:sld>
+</file>
+
+<file path=ppt/slides/slide11.xml><?xml version="1.0" encoding="utf-8"?>
+<p:sld xmlns:a="http://schemas.openxmlformats.org/drawingml/2006/main" xmlns:r="http://schemas.openxmlformats.org/officeDocument/2006/relationships" xmlns:p="http://schemas.openxmlformats.org/presentationml/2006/main">
+  <p:cSld>
+    <p:bg>
+      <p:bgPr>
+        <a:gradFill rotWithShape="1">
+          <a:gsLst>
+            <a:gs pos="0">
+              <a:schemeClr val="bg2">
+                <a:tint val="94000"/>
+                <a:satMod val="80000"/>
+                <a:lumMod val="106000"/>
+              </a:schemeClr>
+            </a:gs>
+            <a:gs pos="100000">
+              <a:schemeClr val="bg2">
+                <a:shade val="80000"/>
+              </a:schemeClr>
+            </a:gs>
+          </a:gsLst>
+          <a:path path="circle">
+            <a:fillToRect l="43000" r="43000" b="100000"/>
+          </a:path>
+        </a:gradFill>
+        <a:effectLst/>
+      </p:bgPr>
+    </p:bg>
+    <p:spTree>
+      <p:nvGrpSpPr>
+        <p:cNvPr id="1" name=""/>
+        <p:cNvGrpSpPr/>
+        <p:nvPr/>
+      </p:nvGrpSpPr>
+      <p:grpSpPr>
+        <a:xfrm>
+          <a:off x="0" y="0"/>
+          <a:ext cx="0" cy="0"/>
+          <a:chOff x="0" y="0"/>
+          <a:chExt cx="0" cy="0"/>
+        </a:xfrm>
+      </p:grpSpPr>
+      <p:sp>
+        <p:nvSpPr>
+          <p:cNvPr id="2" name="Title 1">
+            <a:extLst>
+              <a:ext uri="{FF2B5EF4-FFF2-40B4-BE49-F238E27FC236}">
+                <a16:creationId xmlns:a16="http://schemas.microsoft.com/office/drawing/2014/main" id="{2E1F3B22-99AD-6C4F-9831-5CF3512BB3BB}"/>
+              </a:ext>
+            </a:extLst>
+          </p:cNvPr>
+          <p:cNvSpPr>
+            <a:spLocks noGrp="1"/>
+          </p:cNvSpPr>
+          <p:nvPr>
+            <p:ph type="title"/>
+          </p:nvPr>
+        </p:nvSpPr>
+        <p:spPr>
+          <a:xfrm>
+            <a:off x="1451579" y="804519"/>
+            <a:ext cx="9603275" cy="1049235"/>
+          </a:xfrm>
+        </p:spPr>
+        <p:txBody>
+          <a:bodyPr>
+            <a:normAutofit/>
+          </a:bodyPr>
+          <a:lstStyle/>
+          <a:p>
+            <a:r>
+              <a:rPr lang="en-US" dirty="0"/>
+              <a:t>Input Gate</a:t>
+            </a:r>
+          </a:p>
+        </p:txBody>
+      </p:sp>
+      <p:pic>
+        <p:nvPicPr>
+          <p:cNvPr id="3074" name="Picture 2">
+            <a:extLst>
+              <a:ext uri="{FF2B5EF4-FFF2-40B4-BE49-F238E27FC236}">
+                <a16:creationId xmlns:a16="http://schemas.microsoft.com/office/drawing/2014/main" id="{B379EDC6-315D-0C4F-83EF-48C2210ACD81}"/>
+              </a:ext>
+            </a:extLst>
+          </p:cNvPr>
+          <p:cNvPicPr>
+            <a:picLocks noChangeAspect="1" noChangeArrowheads="1"/>
+          </p:cNvPicPr>
+          <p:nvPr/>
+        </p:nvPicPr>
+        <p:blipFill>
+          <a:blip r:embed="rId2">
+            <a:extLst>
+              <a:ext uri="{28A0092B-C50C-407E-A947-70E740481C1C}">
+                <a14:useLocalDpi xmlns:a14="http://schemas.microsoft.com/office/drawing/2010/main" val="0"/>
+              </a:ext>
+            </a:extLst>
+          </a:blip>
+          <a:stretch>
+            <a:fillRect/>
+          </a:stretch>
+        </p:blipFill>
+        <p:spPr bwMode="auto">
+          <a:xfrm>
+            <a:off x="-52472" y="1853754"/>
+            <a:ext cx="6727591" cy="3186753"/>
+          </a:xfrm>
+          <a:prstGeom prst="rect">
+            <a:avLst/>
+          </a:prstGeom>
+          <a:noFill/>
+          <a:extLst>
+            <a:ext uri="{909E8E84-426E-40DD-AFC4-6F175D3DCCD1}">
+              <a14:hiddenFill xmlns:a14="http://schemas.microsoft.com/office/drawing/2010/main">
+                <a:solidFill>
+                  <a:srgbClr val="FFFFFF"/>
+                </a:solidFill>
+              </a14:hiddenFill>
+            </a:ext>
+          </a:extLst>
+        </p:spPr>
+      </p:pic>
+      <p:sp>
+        <p:nvSpPr>
+          <p:cNvPr id="3" name="Content Placeholder 2">
+            <a:extLst>
+              <a:ext uri="{FF2B5EF4-FFF2-40B4-BE49-F238E27FC236}">
+                <a16:creationId xmlns:a16="http://schemas.microsoft.com/office/drawing/2014/main" id="{CFE5F14A-379D-F143-9FD2-E0F41282014C}"/>
+              </a:ext>
+            </a:extLst>
+          </p:cNvPr>
+          <p:cNvSpPr>
+            <a:spLocks noGrp="1"/>
+          </p:cNvSpPr>
+          <p:nvPr>
+            <p:ph idx="1"/>
+          </p:nvPr>
+        </p:nvSpPr>
+        <p:spPr>
+          <a:xfrm>
+            <a:off x="6675119" y="2015734"/>
+            <a:ext cx="5516881" cy="4220474"/>
+          </a:xfrm>
+        </p:spPr>
+        <p:txBody>
+          <a:bodyPr>
+            <a:normAutofit fontScale="92500" lnSpcReduction="10000"/>
+          </a:bodyPr>
+          <a:lstStyle/>
+          <a:p>
+            <a:r>
+              <a:rPr lang="en-CA" dirty="0"/>
+              <a:t>To update the cell state, we have the input gate.</a:t>
+            </a:r>
+          </a:p>
+          <a:p>
+            <a:r>
+              <a:rPr lang="en-CA" dirty="0"/>
+              <a:t>We pass the previous hidden state and current input into a sigmoid function. </a:t>
+            </a:r>
+          </a:p>
+          <a:p>
+            <a:pPr lvl="1"/>
+            <a:r>
+              <a:rPr lang="en-CA" dirty="0"/>
+              <a:t>Decides which values will be updated by transforming the values to be between 0 and 1.</a:t>
+            </a:r>
+          </a:p>
+          <a:p>
+            <a:r>
+              <a:rPr lang="en-CA" dirty="0"/>
+              <a:t>Also pass the hidden state and current input into the tanh function to squish values between -1 and 1 to help regulate the network. </a:t>
+            </a:r>
+          </a:p>
+          <a:p>
+            <a:r>
+              <a:rPr lang="en-CA" dirty="0"/>
+              <a:t>Multiply the tanh output with the sigmoid output. The sigmoid output will decide which information is important to keep from the tanh output.</a:t>
+            </a:r>
+            <a:endParaRPr lang="en-US" dirty="0"/>
+          </a:p>
+        </p:txBody>
+      </p:sp>
+    </p:spTree>
+    <p:extLst>
+      <p:ext uri="{BB962C8B-B14F-4D97-AF65-F5344CB8AC3E}">
+        <p14:creationId xmlns:p14="http://schemas.microsoft.com/office/powerpoint/2010/main" val="2074351286"/>
+      </p:ext>
+    </p:extLst>
+  </p:cSld>
+  <p:clrMapOvr>
+    <a:masterClrMapping/>
+  </p:clrMapOvr>
+</p:sld>
+</file>
+
+<file path=ppt/slides/slide12.xml><?xml version="1.0" encoding="utf-8"?>
+<p:sld xmlns:a="http://schemas.openxmlformats.org/drawingml/2006/main" xmlns:r="http://schemas.openxmlformats.org/officeDocument/2006/relationships" xmlns:p="http://schemas.openxmlformats.org/presentationml/2006/main">
+  <p:cSld>
+    <p:bg>
+      <p:bgPr>
+        <a:gradFill rotWithShape="1">
+          <a:gsLst>
+            <a:gs pos="0">
+              <a:schemeClr val="bg2">
+                <a:tint val="94000"/>
+                <a:satMod val="80000"/>
+                <a:lumMod val="106000"/>
+              </a:schemeClr>
+            </a:gs>
+            <a:gs pos="100000">
+              <a:schemeClr val="bg2">
+                <a:shade val="80000"/>
+              </a:schemeClr>
+            </a:gs>
+          </a:gsLst>
+          <a:path path="circle">
+            <a:fillToRect l="43000" r="43000" b="100000"/>
+          </a:path>
+        </a:gradFill>
+        <a:effectLst/>
+      </p:bgPr>
+    </p:bg>
+    <p:spTree>
+      <p:nvGrpSpPr>
+        <p:cNvPr id="1" name=""/>
+        <p:cNvGrpSpPr/>
+        <p:nvPr/>
+      </p:nvGrpSpPr>
+      <p:grpSpPr>
+        <a:xfrm>
+          <a:off x="0" y="0"/>
+          <a:ext cx="0" cy="0"/>
+          <a:chOff x="0" y="0"/>
+          <a:chExt cx="0" cy="0"/>
+        </a:xfrm>
+      </p:grpSpPr>
+      <p:sp>
+        <p:nvSpPr>
+          <p:cNvPr id="2" name="Title 1">
+            <a:extLst>
+              <a:ext uri="{FF2B5EF4-FFF2-40B4-BE49-F238E27FC236}">
+                <a16:creationId xmlns:a16="http://schemas.microsoft.com/office/drawing/2014/main" id="{A29187E4-6EAD-3C43-9C40-A4867D0E1766}"/>
+              </a:ext>
+            </a:extLst>
+          </p:cNvPr>
+          <p:cNvSpPr>
+            <a:spLocks noGrp="1"/>
+          </p:cNvSpPr>
+          <p:nvPr>
+            <p:ph type="title"/>
+          </p:nvPr>
+        </p:nvSpPr>
+        <p:spPr>
+          <a:xfrm>
+            <a:off x="1451579" y="804519"/>
+            <a:ext cx="9603275" cy="1049235"/>
+          </a:xfrm>
+        </p:spPr>
+        <p:txBody>
+          <a:bodyPr>
+            <a:normAutofit/>
+          </a:bodyPr>
+          <a:lstStyle/>
+          <a:p>
+            <a:r>
+              <a:rPr lang="en-US" dirty="0"/>
+              <a:t>Cell State</a:t>
+            </a:r>
+          </a:p>
+        </p:txBody>
+      </p:sp>
+      <p:pic>
+        <p:nvPicPr>
+          <p:cNvPr id="4098" name="Picture 2">
+            <a:extLst>
+              <a:ext uri="{FF2B5EF4-FFF2-40B4-BE49-F238E27FC236}">
+                <a16:creationId xmlns:a16="http://schemas.microsoft.com/office/drawing/2014/main" id="{28A75F62-F7BE-A047-B162-71F63AC63638}"/>
+              </a:ext>
+            </a:extLst>
+          </p:cNvPr>
+          <p:cNvPicPr>
+            <a:picLocks noChangeAspect="1" noChangeArrowheads="1"/>
+          </p:cNvPicPr>
+          <p:nvPr/>
+        </p:nvPicPr>
+        <p:blipFill>
+          <a:blip r:embed="rId2">
+            <a:extLst>
+              <a:ext uri="{28A0092B-C50C-407E-A947-70E740481C1C}">
+                <a14:useLocalDpi xmlns:a14="http://schemas.microsoft.com/office/drawing/2010/main" val="0"/>
+              </a:ext>
+            </a:extLst>
+          </a:blip>
+          <a:stretch>
+            <a:fillRect/>
+          </a:stretch>
+        </p:blipFill>
+        <p:spPr bwMode="auto">
+          <a:xfrm>
+            <a:off x="0" y="1671672"/>
+            <a:ext cx="8940795" cy="4705681"/>
+          </a:xfrm>
+          <a:prstGeom prst="rect">
+            <a:avLst/>
+          </a:prstGeom>
+          <a:noFill/>
+          <a:extLst>
+            <a:ext uri="{909E8E84-426E-40DD-AFC4-6F175D3DCCD1}">
+              <a14:hiddenFill xmlns:a14="http://schemas.microsoft.com/office/drawing/2010/main">
+                <a:solidFill>
+                  <a:srgbClr val="FFFFFF"/>
+                </a:solidFill>
+              </a14:hiddenFill>
+            </a:ext>
+          </a:extLst>
+        </p:spPr>
+      </p:pic>
+      <p:sp>
+        <p:nvSpPr>
+          <p:cNvPr id="3" name="Content Placeholder 2">
+            <a:extLst>
+              <a:ext uri="{FF2B5EF4-FFF2-40B4-BE49-F238E27FC236}">
+                <a16:creationId xmlns:a16="http://schemas.microsoft.com/office/drawing/2014/main" id="{3AEF97F2-AA9A-014A-B011-591F3E23DA2C}"/>
+              </a:ext>
+            </a:extLst>
+          </p:cNvPr>
+          <p:cNvSpPr>
+            <a:spLocks noGrp="1"/>
+          </p:cNvSpPr>
+          <p:nvPr>
+            <p:ph idx="1"/>
+          </p:nvPr>
+        </p:nvSpPr>
+        <p:spPr>
+          <a:xfrm>
+            <a:off x="9132277" y="2015734"/>
+            <a:ext cx="2965938" cy="3450613"/>
+          </a:xfrm>
+        </p:spPr>
+        <p:txBody>
+          <a:bodyPr>
+            <a:normAutofit/>
+          </a:bodyPr>
+          <a:lstStyle/>
+          <a:p>
+            <a:r>
+              <a:rPr lang="en-US" dirty="0"/>
+              <a:t>The forget and input results are combined to generate a current state. </a:t>
+            </a:r>
+          </a:p>
+        </p:txBody>
+      </p:sp>
+    </p:spTree>
+    <p:extLst>
+      <p:ext uri="{BB962C8B-B14F-4D97-AF65-F5344CB8AC3E}">
+        <p14:creationId xmlns:p14="http://schemas.microsoft.com/office/powerpoint/2010/main" val="3014552781"/>
+      </p:ext>
+    </p:extLst>
+  </p:cSld>
+  <p:clrMapOvr>
+    <a:masterClrMapping/>
+  </p:clrMapOvr>
+</p:sld>
+</file>
+
+<file path=ppt/slides/slide13.xml><?xml version="1.0" encoding="utf-8"?>
+<p:sld xmlns:a="http://schemas.openxmlformats.org/drawingml/2006/main" xmlns:r="http://schemas.openxmlformats.org/officeDocument/2006/relationships" xmlns:p="http://schemas.openxmlformats.org/presentationml/2006/main">
+  <p:cSld>
+    <p:bg>
+      <p:bgPr>
+        <a:gradFill rotWithShape="1">
+          <a:gsLst>
+            <a:gs pos="0">
+              <a:schemeClr val="bg2">
+                <a:tint val="94000"/>
+                <a:satMod val="80000"/>
+                <a:lumMod val="106000"/>
+              </a:schemeClr>
+            </a:gs>
+            <a:gs pos="100000">
+              <a:schemeClr val="bg2">
+                <a:shade val="80000"/>
+              </a:schemeClr>
+            </a:gs>
+          </a:gsLst>
+          <a:path path="circle">
+            <a:fillToRect l="43000" r="43000" b="100000"/>
+          </a:path>
+        </a:gradFill>
+        <a:effectLst/>
+      </p:bgPr>
+    </p:bg>
+    <p:spTree>
+      <p:nvGrpSpPr>
+        <p:cNvPr id="1" name=""/>
+        <p:cNvGrpSpPr/>
+        <p:nvPr/>
+      </p:nvGrpSpPr>
+      <p:grpSpPr>
+        <a:xfrm>
+          <a:off x="0" y="0"/>
+          <a:ext cx="0" cy="0"/>
+          <a:chOff x="0" y="0"/>
+          <a:chExt cx="0" cy="0"/>
+        </a:xfrm>
+      </p:grpSpPr>
+      <p:sp>
+        <p:nvSpPr>
+          <p:cNvPr id="2" name="Title 1">
+            <a:extLst>
+              <a:ext uri="{FF2B5EF4-FFF2-40B4-BE49-F238E27FC236}">
+                <a16:creationId xmlns:a16="http://schemas.microsoft.com/office/drawing/2014/main" id="{B4DC7BC2-D536-0D49-B4FE-051A551FEFCD}"/>
+              </a:ext>
+            </a:extLst>
+          </p:cNvPr>
+          <p:cNvSpPr>
+            <a:spLocks noGrp="1"/>
+          </p:cNvSpPr>
+          <p:nvPr>
+            <p:ph type="title"/>
+          </p:nvPr>
+        </p:nvSpPr>
+        <p:spPr>
+          <a:xfrm>
+            <a:off x="1451579" y="804519"/>
+            <a:ext cx="9603275" cy="1049235"/>
+          </a:xfrm>
+        </p:spPr>
+        <p:txBody>
+          <a:bodyPr>
+            <a:normAutofit/>
+          </a:bodyPr>
+          <a:lstStyle/>
+          <a:p>
+            <a:r>
+              <a:rPr lang="en-US" dirty="0"/>
+              <a:t>Output Gate</a:t>
+            </a:r>
+          </a:p>
+        </p:txBody>
+      </p:sp>
+      <p:pic>
+        <p:nvPicPr>
+          <p:cNvPr id="5122" name="Picture 2">
+            <a:extLst>
+              <a:ext uri="{FF2B5EF4-FFF2-40B4-BE49-F238E27FC236}">
+                <a16:creationId xmlns:a16="http://schemas.microsoft.com/office/drawing/2014/main" id="{98E57864-9357-F44B-9C4D-E53505FB4D1E}"/>
+              </a:ext>
+            </a:extLst>
+          </p:cNvPr>
+          <p:cNvPicPr>
+            <a:picLocks noChangeAspect="1" noChangeArrowheads="1"/>
+          </p:cNvPicPr>
+          <p:nvPr/>
+        </p:nvPicPr>
+        <p:blipFill>
+          <a:blip r:embed="rId2">
+            <a:extLst>
+              <a:ext uri="{28A0092B-C50C-407E-A947-70E740481C1C}">
+                <a14:useLocalDpi xmlns:a14="http://schemas.microsoft.com/office/drawing/2010/main" val="0"/>
+              </a:ext>
+            </a:extLst>
+          </a:blip>
+          <a:stretch>
+            <a:fillRect/>
+          </a:stretch>
+        </p:blipFill>
+        <p:spPr bwMode="auto">
+          <a:xfrm>
+            <a:off x="-52472" y="1853754"/>
+            <a:ext cx="7767913" cy="3679537"/>
+          </a:xfrm>
+          <a:prstGeom prst="rect">
+            <a:avLst/>
+          </a:prstGeom>
+          <a:noFill/>
+          <a:extLst>
+            <a:ext uri="{909E8E84-426E-40DD-AFC4-6F175D3DCCD1}">
+              <a14:hiddenFill xmlns:a14="http://schemas.microsoft.com/office/drawing/2010/main">
+                <a:solidFill>
+                  <a:srgbClr val="FFFFFF"/>
+                </a:solidFill>
+              </a14:hiddenFill>
+            </a:ext>
+          </a:extLst>
+        </p:spPr>
+      </p:pic>
+      <p:sp>
+        <p:nvSpPr>
+          <p:cNvPr id="3" name="Content Placeholder 2">
+            <a:extLst>
+              <a:ext uri="{FF2B5EF4-FFF2-40B4-BE49-F238E27FC236}">
+                <a16:creationId xmlns:a16="http://schemas.microsoft.com/office/drawing/2014/main" id="{F7B0AFC8-D06B-9B45-8BCA-F6AA1773FFF9}"/>
+              </a:ext>
+            </a:extLst>
+          </p:cNvPr>
+          <p:cNvSpPr>
+            <a:spLocks noGrp="1"/>
+          </p:cNvSpPr>
+          <p:nvPr>
+            <p:ph idx="1"/>
+          </p:nvPr>
+        </p:nvSpPr>
+        <p:spPr>
+          <a:xfrm>
+            <a:off x="7784123" y="1853755"/>
+            <a:ext cx="4407877" cy="4406368"/>
+          </a:xfrm>
+        </p:spPr>
+        <p:txBody>
+          <a:bodyPr>
+            <a:normAutofit lnSpcReduction="10000"/>
+          </a:bodyPr>
+          <a:lstStyle/>
+          <a:p>
+            <a:r>
+              <a:rPr lang="en-CA" dirty="0"/>
+              <a:t>Output gate decides what the next hidden state should be. </a:t>
+            </a:r>
+          </a:p>
+          <a:p>
+            <a:r>
+              <a:rPr lang="en-CA" dirty="0"/>
+              <a:t>Pass the previous hidden state and the current input into a sigmoid function.</a:t>
+            </a:r>
+          </a:p>
+          <a:p>
+            <a:r>
+              <a:rPr lang="en-CA" dirty="0"/>
+              <a:t>Pass the newly modified cell state to the tanh function.</a:t>
+            </a:r>
+          </a:p>
+          <a:p>
+            <a:r>
+              <a:rPr lang="en-CA" dirty="0"/>
+              <a:t>Multiply the tanh output with the sigmoid output to decide what information the hidden state should carry. </a:t>
+            </a:r>
+          </a:p>
+          <a:p>
+            <a:r>
+              <a:rPr lang="en-CA" dirty="0"/>
+              <a:t>The output is the hidden state. </a:t>
+            </a:r>
+          </a:p>
+        </p:txBody>
+      </p:sp>
+    </p:spTree>
+    <p:extLst>
+      <p:ext uri="{BB962C8B-B14F-4D97-AF65-F5344CB8AC3E}">
+        <p14:creationId xmlns:p14="http://schemas.microsoft.com/office/powerpoint/2010/main" val="1295863029"/>
+      </p:ext>
+    </p:extLst>
+  </p:cSld>
+  <p:clrMapOvr>
+    <a:masterClrMapping/>
+  </p:clrMapOvr>
+</p:sld>
+</file>
+
+<file path=ppt/slides/slide14.xml><?xml version="1.0" encoding="utf-8"?>
+<p:sld xmlns:a="http://schemas.openxmlformats.org/drawingml/2006/main" xmlns:r="http://schemas.openxmlformats.org/officeDocument/2006/relationships" xmlns:p="http://schemas.openxmlformats.org/presentationml/2006/main">
+  <p:cSld>
+    <p:spTree>
+      <p:nvGrpSpPr>
+        <p:cNvPr id="1" name=""/>
+        <p:cNvGrpSpPr/>
+        <p:nvPr/>
+      </p:nvGrpSpPr>
+      <p:grpSpPr>
+        <a:xfrm>
+          <a:off x="0" y="0"/>
+          <a:ext cx="0" cy="0"/>
+          <a:chOff x="0" y="0"/>
+          <a:chExt cx="0" cy="0"/>
+        </a:xfrm>
+      </p:grpSpPr>
+      <p:sp>
+        <p:nvSpPr>
+          <p:cNvPr id="2" name="Title 1">
+            <a:extLst>
+              <a:ext uri="{FF2B5EF4-FFF2-40B4-BE49-F238E27FC236}">
+                <a16:creationId xmlns:a16="http://schemas.microsoft.com/office/drawing/2014/main" id="{86AABFA1-2A4F-9A43-A921-78EECCCD6017}"/>
+              </a:ext>
+            </a:extLst>
+          </p:cNvPr>
+          <p:cNvSpPr>
+            <a:spLocks noGrp="1"/>
+          </p:cNvSpPr>
+          <p:nvPr>
+            <p:ph type="title"/>
+          </p:nvPr>
+        </p:nvSpPr>
+        <p:spPr/>
+        <p:txBody>
+          <a:bodyPr/>
+          <a:lstStyle/>
+          <a:p>
+            <a:r>
+              <a:rPr lang="en-US" dirty="0"/>
+              <a:t>LSTM In Effect</a:t>
+            </a:r>
+          </a:p>
+        </p:txBody>
+      </p:sp>
+      <p:sp>
+        <p:nvSpPr>
+          <p:cNvPr id="3" name="Content Placeholder 2">
+            <a:extLst>
+              <a:ext uri="{FF2B5EF4-FFF2-40B4-BE49-F238E27FC236}">
+                <a16:creationId xmlns:a16="http://schemas.microsoft.com/office/drawing/2014/main" id="{C4644EED-8FB4-5443-A418-B1008BC3906E}"/>
+              </a:ext>
+            </a:extLst>
+          </p:cNvPr>
+          <p:cNvSpPr>
+            <a:spLocks noGrp="1"/>
+          </p:cNvSpPr>
+          <p:nvPr>
+            <p:ph idx="1"/>
+          </p:nvPr>
+        </p:nvSpPr>
+        <p:spPr>
+          <a:xfrm>
+            <a:off x="1451579" y="1853754"/>
+            <a:ext cx="9603275" cy="4272726"/>
+          </a:xfrm>
+        </p:spPr>
+        <p:txBody>
+          <a:bodyPr/>
+          <a:lstStyle/>
+          <a:p>
+            <a:r>
+              <a:rPr lang="en-US" dirty="0"/>
+              <a:t>LSTM can “hold” information from the past. </a:t>
+            </a:r>
+          </a:p>
+          <a:p>
+            <a:r>
+              <a:rPr lang="en-US" dirty="0"/>
+              <a:t>During training, the model keeps things that are useful and forgets things less useful. </a:t>
+            </a:r>
+          </a:p>
+          <a:p>
+            <a:pPr lvl="1"/>
+            <a:r>
+              <a:rPr lang="en-US" dirty="0"/>
+              <a:t>Important previous information is held. </a:t>
+            </a:r>
+          </a:p>
+          <a:p>
+            <a:pPr lvl="1"/>
+            <a:r>
+              <a:rPr lang="en-US" dirty="0"/>
+              <a:t>Temporal awareness!</a:t>
+            </a:r>
+          </a:p>
+          <a:p>
+            <a:r>
+              <a:rPr lang="en-US" dirty="0"/>
+              <a:t>LSTMs are very good at many scenarios:</a:t>
+            </a:r>
+          </a:p>
+          <a:p>
+            <a:pPr lvl="1"/>
+            <a:r>
+              <a:rPr lang="en-US" dirty="0"/>
+              <a:t>Time series applications. </a:t>
+            </a:r>
+          </a:p>
+          <a:p>
+            <a:pPr lvl="1"/>
+            <a:r>
+              <a:rPr lang="en-US" dirty="0"/>
+              <a:t>Speech and NLP applications – e.g. translation, Google’s phone answer AI, chatbots. </a:t>
+            </a:r>
+          </a:p>
+          <a:p>
+            <a:pPr lvl="1"/>
+            <a:r>
+              <a:rPr lang="en-US" dirty="0"/>
+              <a:t>Generative models (think GMM) – creating text from a model. </a:t>
+            </a:r>
+          </a:p>
+          <a:p>
+            <a:r>
+              <a:rPr lang="en-US" dirty="0"/>
+              <a:t>Transformers have often surpassed these in practice – better able to manage state. </a:t>
+            </a:r>
+          </a:p>
+        </p:txBody>
+      </p:sp>
+    </p:spTree>
+    <p:extLst>
+      <p:ext uri="{BB962C8B-B14F-4D97-AF65-F5344CB8AC3E}">
+        <p14:creationId xmlns:p14="http://schemas.microsoft.com/office/powerpoint/2010/main" val="2664009584"/>
+      </p:ext>
+    </p:extLst>
+  </p:cSld>
+  <p:clrMapOvr>
+    <a:masterClrMapping/>
+  </p:clrMapOvr>
+</p:sld>
+</file>
+
+<file path=ppt/slides/slide15.xml><?xml version="1.0" encoding="utf-8"?>
+<p:sld xmlns:a="http://schemas.openxmlformats.org/drawingml/2006/main" xmlns:r="http://schemas.openxmlformats.org/officeDocument/2006/relationships" xmlns:p="http://schemas.openxmlformats.org/presentationml/2006/main">
+  <p:cSld>
+    <p:spTree>
+      <p:nvGrpSpPr>
+        <p:cNvPr id="1" name=""/>
+        <p:cNvGrpSpPr/>
+        <p:nvPr/>
+      </p:nvGrpSpPr>
+      <p:grpSpPr>
+        <a:xfrm>
+          <a:off x="0" y="0"/>
+          <a:ext cx="0" cy="0"/>
+          <a:chOff x="0" y="0"/>
+          <a:chExt cx="0" cy="0"/>
+        </a:xfrm>
+      </p:grpSpPr>
+      <p:sp>
+        <p:nvSpPr>
+          <p:cNvPr id="2" name="Title 1">
+            <a:extLst>
+              <a:ext uri="{FF2B5EF4-FFF2-40B4-BE49-F238E27FC236}">
+                <a16:creationId xmlns:a16="http://schemas.microsoft.com/office/drawing/2014/main" id="{48427187-82E3-75C6-62F7-C45EE7E597E8}"/>
+              </a:ext>
+            </a:extLst>
+          </p:cNvPr>
+          <p:cNvSpPr>
+            <a:spLocks noGrp="1"/>
+          </p:cNvSpPr>
+          <p:nvPr>
+            <p:ph type="title"/>
+          </p:nvPr>
+        </p:nvSpPr>
+        <p:spPr/>
+        <p:txBody>
+          <a:bodyPr/>
+          <a:lstStyle/>
+          <a:p>
+            <a:endParaRPr lang="en-US"/>
+          </a:p>
+        </p:txBody>
+      </p:sp>
+      <p:sp>
+        <p:nvSpPr>
+          <p:cNvPr id="3" name="Content Placeholder 2">
+            <a:extLst>
+              <a:ext uri="{FF2B5EF4-FFF2-40B4-BE49-F238E27FC236}">
+                <a16:creationId xmlns:a16="http://schemas.microsoft.com/office/drawing/2014/main" id="{894BAB4C-C3A4-7859-C9BE-F7DA0B3EB2BD}"/>
+              </a:ext>
+            </a:extLst>
+          </p:cNvPr>
+          <p:cNvSpPr>
+            <a:spLocks noGrp="1"/>
+          </p:cNvSpPr>
+          <p:nvPr>
+            <p:ph idx="1"/>
+          </p:nvPr>
+        </p:nvSpPr>
+        <p:spPr/>
+        <p:txBody>
+          <a:bodyPr/>
+          <a:lstStyle/>
+          <a:p>
+            <a:endParaRPr lang="en-US"/>
+          </a:p>
+        </p:txBody>
+      </p:sp>
+      <p:pic>
+        <p:nvPicPr>
+          <p:cNvPr id="4098" name="Picture 2" descr="Using Recurrent Neural Networks in DL4J - Deeplearning4j: Open-source,  Distributed Deep Learning for the JVM">
+            <a:extLst>
+              <a:ext uri="{FF2B5EF4-FFF2-40B4-BE49-F238E27FC236}">
+                <a16:creationId xmlns:a16="http://schemas.microsoft.com/office/drawing/2014/main" id="{95D2A691-A70A-5847-D5CE-88AA544C4E0D}"/>
+              </a:ext>
+            </a:extLst>
+          </p:cNvPr>
+          <p:cNvPicPr>
+            <a:picLocks noChangeAspect="1" noChangeArrowheads="1"/>
+          </p:cNvPicPr>
+          <p:nvPr/>
+        </p:nvPicPr>
+        <p:blipFill>
+          <a:blip r:embed="rId2">
+            <a:extLst>
+              <a:ext uri="{28A0092B-C50C-407E-A947-70E740481C1C}">
+                <a14:useLocalDpi xmlns:a14="http://schemas.microsoft.com/office/drawing/2010/main" val="0"/>
+              </a:ext>
+            </a:extLst>
+          </a:blip>
+          <a:srcRect/>
+          <a:stretch>
+            <a:fillRect/>
+          </a:stretch>
+        </p:blipFill>
+        <p:spPr bwMode="auto">
+          <a:xfrm>
+            <a:off x="42619" y="417443"/>
+            <a:ext cx="12146718" cy="6042992"/>
+          </a:xfrm>
+          <a:prstGeom prst="rect">
+            <a:avLst/>
+          </a:prstGeom>
+          <a:noFill/>
+          <a:extLst>
+            <a:ext uri="{909E8E84-426E-40DD-AFC4-6F175D3DCCD1}">
+              <a14:hiddenFill xmlns:a14="http://schemas.microsoft.com/office/drawing/2010/main">
+                <a:solidFill>
+                  <a:srgbClr val="FFFFFF"/>
+                </a:solidFill>
+              </a14:hiddenFill>
+            </a:ext>
+          </a:extLst>
+        </p:spPr>
+      </p:pic>
+    </p:spTree>
+    <p:extLst>
+      <p:ext uri="{BB962C8B-B14F-4D97-AF65-F5344CB8AC3E}">
+        <p14:creationId xmlns:p14="http://schemas.microsoft.com/office/powerpoint/2010/main" val="3529324004"/>
+      </p:ext>
+    </p:extLst>
+  </p:cSld>
+  <p:clrMapOvr>
+    <a:masterClrMapping/>
+  </p:clrMapOvr>
+</p:sld>
+</file>
+
+<file path=ppt/slides/slide16.xml><?xml version="1.0" encoding="utf-8"?>
+<p:sld xmlns:a="http://schemas.openxmlformats.org/drawingml/2006/main" xmlns:r="http://schemas.openxmlformats.org/officeDocument/2006/relationships" xmlns:p="http://schemas.openxmlformats.org/presentationml/2006/main">
+  <p:cSld>
+    <p:spTree>
+      <p:nvGrpSpPr>
+        <p:cNvPr id="1" name=""/>
+        <p:cNvGrpSpPr/>
+        <p:nvPr/>
+      </p:nvGrpSpPr>
+      <p:grpSpPr>
+        <a:xfrm>
+          <a:off x="0" y="0"/>
+          <a:ext cx="0" cy="0"/>
+          <a:chOff x="0" y="0"/>
+          <a:chExt cx="0" cy="0"/>
+        </a:xfrm>
+      </p:grpSpPr>
+      <p:sp>
+        <p:nvSpPr>
+          <p:cNvPr id="2" name="Title 1">
+            <a:extLst>
+              <a:ext uri="{FF2B5EF4-FFF2-40B4-BE49-F238E27FC236}">
+                <a16:creationId xmlns:a16="http://schemas.microsoft.com/office/drawing/2014/main" id="{A332A7A8-F413-FD2C-185E-9B0663671132}"/>
+              </a:ext>
+            </a:extLst>
+          </p:cNvPr>
+          <p:cNvSpPr>
+            <a:spLocks noGrp="1"/>
+          </p:cNvSpPr>
+          <p:nvPr>
+            <p:ph type="title"/>
+          </p:nvPr>
+        </p:nvSpPr>
+        <p:spPr/>
+        <p:txBody>
+          <a:bodyPr/>
+          <a:lstStyle/>
+          <a:p>
+            <a:endParaRPr lang="en-US"/>
+          </a:p>
+        </p:txBody>
+      </p:sp>
+      <p:sp>
+        <p:nvSpPr>
+          <p:cNvPr id="3" name="Content Placeholder 2">
+            <a:extLst>
+              <a:ext uri="{FF2B5EF4-FFF2-40B4-BE49-F238E27FC236}">
+                <a16:creationId xmlns:a16="http://schemas.microsoft.com/office/drawing/2014/main" id="{591F4518-83BA-3072-0EDD-B7EC0EAC71BF}"/>
+              </a:ext>
+            </a:extLst>
+          </p:cNvPr>
+          <p:cNvSpPr>
+            <a:spLocks noGrp="1"/>
+          </p:cNvSpPr>
+          <p:nvPr>
+            <p:ph idx="1"/>
+          </p:nvPr>
+        </p:nvSpPr>
+        <p:spPr/>
+        <p:txBody>
+          <a:bodyPr/>
+          <a:lstStyle/>
+          <a:p>
+            <a:endParaRPr lang="en-US"/>
+          </a:p>
+        </p:txBody>
+      </p:sp>
+      <p:pic>
+        <p:nvPicPr>
+          <p:cNvPr id="5122" name="Picture 2" descr="LSTM 의 Input Shape정리 | HK Playground">
+            <a:extLst>
+              <a:ext uri="{FF2B5EF4-FFF2-40B4-BE49-F238E27FC236}">
+                <a16:creationId xmlns:a16="http://schemas.microsoft.com/office/drawing/2014/main" id="{FC2573BC-F6CC-4D53-56B4-EB623D5297D9}"/>
+              </a:ext>
+            </a:extLst>
+          </p:cNvPr>
+          <p:cNvPicPr>
+            <a:picLocks noChangeAspect="1" noChangeArrowheads="1"/>
+          </p:cNvPicPr>
+          <p:nvPr/>
+        </p:nvPicPr>
+        <p:blipFill>
+          <a:blip r:embed="rId2">
+            <a:extLst>
+              <a:ext uri="{28A0092B-C50C-407E-A947-70E740481C1C}">
+                <a14:useLocalDpi xmlns:a14="http://schemas.microsoft.com/office/drawing/2010/main" val="0"/>
+              </a:ext>
+            </a:extLst>
+          </a:blip>
+          <a:srcRect/>
+          <a:stretch>
+            <a:fillRect/>
+          </a:stretch>
+        </p:blipFill>
+        <p:spPr bwMode="auto">
+          <a:xfrm>
+            <a:off x="1520825" y="0"/>
+            <a:ext cx="9148763" cy="6858000"/>
+          </a:xfrm>
+          <a:prstGeom prst="rect">
+            <a:avLst/>
+          </a:prstGeom>
+          <a:noFill/>
+          <a:extLst>
+            <a:ext uri="{909E8E84-426E-40DD-AFC4-6F175D3DCCD1}">
+              <a14:hiddenFill xmlns:a14="http://schemas.microsoft.com/office/drawing/2010/main">
+                <a:solidFill>
+                  <a:srgbClr val="FFFFFF"/>
+                </a:solidFill>
+              </a14:hiddenFill>
+            </a:ext>
+          </a:extLst>
+        </p:spPr>
+      </p:pic>
+    </p:spTree>
+    <p:extLst>
+      <p:ext uri="{BB962C8B-B14F-4D97-AF65-F5344CB8AC3E}">
+        <p14:creationId xmlns:p14="http://schemas.microsoft.com/office/powerpoint/2010/main" val="3473695901"/>
+      </p:ext>
+    </p:extLst>
+  </p:cSld>
+  <p:clrMapOvr>
+    <a:masterClrMapping/>
+  </p:clrMapOvr>
+</p:sld>
+</file>
+
+<file path=ppt/slides/slide17.xml><?xml version="1.0" encoding="utf-8"?>
+<p:sld xmlns:a="http://schemas.openxmlformats.org/drawingml/2006/main" xmlns:r="http://schemas.openxmlformats.org/officeDocument/2006/relationships" xmlns:p="http://schemas.openxmlformats.org/presentationml/2006/main" show="0">
+  <p:cSld>
+    <p:spTree>
+      <p:nvGrpSpPr>
+        <p:cNvPr id="1" name=""/>
+        <p:cNvGrpSpPr/>
+        <p:nvPr/>
+      </p:nvGrpSpPr>
+      <p:grpSpPr>
+        <a:xfrm>
+          <a:off x="0" y="0"/>
+          <a:ext cx="0" cy="0"/>
+          <a:chOff x="0" y="0"/>
+          <a:chExt cx="0" cy="0"/>
+        </a:xfrm>
+      </p:grpSpPr>
+      <p:sp>
+        <p:nvSpPr>
+          <p:cNvPr id="2" name="Title 1">
+            <a:extLst>
+              <a:ext uri="{FF2B5EF4-FFF2-40B4-BE49-F238E27FC236}">
+                <a16:creationId xmlns:a16="http://schemas.microsoft.com/office/drawing/2014/main" id="{42315EB7-5B70-6544-9207-05FB14CC584C}"/>
+              </a:ext>
+            </a:extLst>
+          </p:cNvPr>
+          <p:cNvSpPr>
+            <a:spLocks noGrp="1"/>
+          </p:cNvSpPr>
+          <p:nvPr>
+            <p:ph type="title"/>
+          </p:nvPr>
+        </p:nvSpPr>
+        <p:spPr/>
+        <p:txBody>
+          <a:bodyPr/>
+          <a:lstStyle/>
+          <a:p>
+            <a:endParaRPr lang="en-US"/>
+          </a:p>
+        </p:txBody>
+      </p:sp>
+      <p:sp>
+        <p:nvSpPr>
+          <p:cNvPr id="3" name="Content Placeholder 2">
+            <a:extLst>
+              <a:ext uri="{FF2B5EF4-FFF2-40B4-BE49-F238E27FC236}">
+                <a16:creationId xmlns:a16="http://schemas.microsoft.com/office/drawing/2014/main" id="{FE6C7172-3AFD-B844-8099-EC85CE0F94E4}"/>
+              </a:ext>
+            </a:extLst>
+          </p:cNvPr>
+          <p:cNvSpPr>
+            <a:spLocks noGrp="1"/>
+          </p:cNvSpPr>
+          <p:nvPr>
+            <p:ph idx="1"/>
+          </p:nvPr>
+        </p:nvSpPr>
+        <p:spPr/>
+        <p:txBody>
+          <a:bodyPr/>
+          <a:lstStyle/>
+          <a:p>
+            <a:endParaRPr lang="en-US"/>
+          </a:p>
+        </p:txBody>
+      </p:sp>
+      <p:pic>
+        <p:nvPicPr>
+          <p:cNvPr id="1026" name="Picture 2" descr="Long Short Term Memory: Deep Dive | by Anantech.ai | FAUN Publication">
+            <a:extLst>
+              <a:ext uri="{FF2B5EF4-FFF2-40B4-BE49-F238E27FC236}">
+                <a16:creationId xmlns:a16="http://schemas.microsoft.com/office/drawing/2014/main" id="{5AA00350-0C4E-614B-8A9D-75501702023C}"/>
+              </a:ext>
+            </a:extLst>
+          </p:cNvPr>
+          <p:cNvPicPr>
+            <a:picLocks noChangeAspect="1" noChangeArrowheads="1"/>
+          </p:cNvPicPr>
+          <p:nvPr/>
+        </p:nvPicPr>
+        <p:blipFill>
+          <a:blip r:embed="rId2">
+            <a:extLst>
+              <a:ext uri="{28A0092B-C50C-407E-A947-70E740481C1C}">
+                <a14:useLocalDpi xmlns:a14="http://schemas.microsoft.com/office/drawing/2010/main" val="0"/>
+              </a:ext>
+            </a:extLst>
+          </a:blip>
+          <a:srcRect/>
+          <a:stretch>
+            <a:fillRect/>
+          </a:stretch>
+        </p:blipFill>
+        <p:spPr bwMode="auto">
+          <a:xfrm>
+            <a:off x="1137146" y="-7531"/>
+            <a:ext cx="9917708" cy="6873062"/>
+          </a:xfrm>
+          <a:prstGeom prst="rect">
+            <a:avLst/>
+          </a:prstGeom>
+          <a:noFill/>
+          <a:extLst>
+            <a:ext uri="{909E8E84-426E-40DD-AFC4-6F175D3DCCD1}">
+              <a14:hiddenFill xmlns:a14="http://schemas.microsoft.com/office/drawing/2010/main">
+                <a:solidFill>
+                  <a:srgbClr val="FFFFFF"/>
+                </a:solidFill>
+              </a14:hiddenFill>
+            </a:ext>
+          </a:extLst>
+        </p:spPr>
+      </p:pic>
+    </p:spTree>
+    <p:extLst>
+      <p:ext uri="{BB962C8B-B14F-4D97-AF65-F5344CB8AC3E}">
         <p14:creationId xmlns:p14="http://schemas.microsoft.com/office/powerpoint/2010/main" val="3752399771"/>
+      </p:ext>
+    </p:extLst>
+  </p:cSld>
+  <p:clrMapOvr>
+    <a:masterClrMapping/>
+  </p:clrMapOvr>
+</p:sld>
+</file>
+
+<file path=ppt/slides/slide18.xml><?xml version="1.0" encoding="utf-8"?>
+<p:sld xmlns:a="http://schemas.openxmlformats.org/drawingml/2006/main" xmlns:r="http://schemas.openxmlformats.org/officeDocument/2006/relationships" xmlns:p="http://schemas.openxmlformats.org/presentationml/2006/main">
+  <p:cSld>
+    <p:spTree>
+      <p:nvGrpSpPr>
+        <p:cNvPr id="1" name=""/>
+        <p:cNvGrpSpPr/>
+        <p:nvPr/>
+      </p:nvGrpSpPr>
+      <p:grpSpPr>
+        <a:xfrm>
+          <a:off x="0" y="0"/>
+          <a:ext cx="0" cy="0"/>
+          <a:chOff x="0" y="0"/>
+          <a:chExt cx="0" cy="0"/>
+        </a:xfrm>
+      </p:grpSpPr>
+      <p:sp>
+        <p:nvSpPr>
+          <p:cNvPr id="2" name="Title 1">
+            <a:extLst>
+              <a:ext uri="{FF2B5EF4-FFF2-40B4-BE49-F238E27FC236}">
+                <a16:creationId xmlns:a16="http://schemas.microsoft.com/office/drawing/2014/main" id="{01B0476E-305A-DD3F-E0F9-DE354438E6DA}"/>
+              </a:ext>
+            </a:extLst>
+          </p:cNvPr>
+          <p:cNvSpPr>
+            <a:spLocks noGrp="1"/>
+          </p:cNvSpPr>
+          <p:nvPr>
+            <p:ph type="title"/>
+          </p:nvPr>
+        </p:nvSpPr>
+        <p:spPr/>
+        <p:txBody>
+          <a:bodyPr/>
+          <a:lstStyle/>
+          <a:p>
+            <a:r>
+              <a:rPr lang="en-US" dirty="0"/>
+              <a:t>LSTM Data</a:t>
+            </a:r>
+          </a:p>
+        </p:txBody>
+      </p:sp>
+      <p:sp>
+        <p:nvSpPr>
+          <p:cNvPr id="3" name="Content Placeholder 2">
+            <a:extLst>
+              <a:ext uri="{FF2B5EF4-FFF2-40B4-BE49-F238E27FC236}">
+                <a16:creationId xmlns:a16="http://schemas.microsoft.com/office/drawing/2014/main" id="{07A3367A-475E-EF51-2887-DB0E810709A1}"/>
+              </a:ext>
+            </a:extLst>
+          </p:cNvPr>
+          <p:cNvSpPr>
+            <a:spLocks noGrp="1"/>
+          </p:cNvSpPr>
+          <p:nvPr>
+            <p:ph idx="1"/>
+          </p:nvPr>
+        </p:nvSpPr>
+        <p:spPr>
+          <a:xfrm>
+            <a:off x="146305" y="1928192"/>
+            <a:ext cx="10908550" cy="4125290"/>
+          </a:xfrm>
+        </p:spPr>
+        <p:txBody>
+          <a:bodyPr/>
+          <a:lstStyle/>
+          <a:p>
+            <a:r>
+              <a:rPr lang="en-US" dirty="0"/>
+              <a:t>Using an LSTM model requires that we deal with some complex shapes in our data. </a:t>
+            </a:r>
+          </a:p>
+          <a:p>
+            <a:pPr lvl="1"/>
+            <a:r>
+              <a:rPr lang="en-US" dirty="0"/>
+              <a:t>Using “normal models”, each instance is one row of data. </a:t>
+            </a:r>
+          </a:p>
+          <a:p>
+            <a:pPr lvl="1"/>
+            <a:r>
+              <a:rPr lang="en-US" dirty="0"/>
+              <a:t>In an LSTM, each instance contains several past features and several future inputs. </a:t>
+            </a:r>
+          </a:p>
+          <a:p>
+            <a:r>
+              <a:rPr lang="en-US" dirty="0"/>
+              <a:t>The shape of the data going into the model will generally be:</a:t>
+            </a:r>
+          </a:p>
+          <a:p>
+            <a:pPr lvl="1"/>
+            <a:r>
+              <a:rPr lang="en-US" dirty="0"/>
+              <a:t>X data - (</a:t>
+            </a:r>
+            <a:r>
+              <a:rPr lang="en-US" dirty="0" err="1"/>
+              <a:t>Batch_size</a:t>
+            </a:r>
+            <a:r>
+              <a:rPr lang="en-US" dirty="0"/>
+              <a:t>, </a:t>
+            </a:r>
+            <a:r>
+              <a:rPr lang="en-US" dirty="0" err="1"/>
+              <a:t>length_of_lookback</a:t>
+            </a:r>
+            <a:r>
+              <a:rPr lang="en-US" dirty="0"/>
+              <a:t>, </a:t>
+            </a:r>
+            <a:r>
+              <a:rPr lang="en-US" dirty="0" err="1"/>
+              <a:t>number_of_features</a:t>
+            </a:r>
+            <a:r>
+              <a:rPr lang="en-US" dirty="0"/>
+              <a:t>). </a:t>
+            </a:r>
+          </a:p>
+          <a:p>
+            <a:pPr lvl="1"/>
+            <a:r>
+              <a:rPr lang="en-US" dirty="0"/>
+              <a:t>Y data – number of predictions ahead. </a:t>
+            </a:r>
+          </a:p>
+          <a:p>
+            <a:r>
+              <a:rPr lang="en-US" dirty="0"/>
+              <a:t>For most data, we’ll need to construct a dataset to look like this. </a:t>
+            </a:r>
+          </a:p>
+          <a:p>
+            <a:pPr lvl="1"/>
+            <a:r>
+              <a:rPr lang="en-US" dirty="0"/>
+              <a:t>We’ll probably need a function to take our data, loop through the rows, and assemble all values from different rows into multi-dimensional data for us. </a:t>
+            </a:r>
+          </a:p>
+        </p:txBody>
+      </p:sp>
+      <p:pic>
+        <p:nvPicPr>
+          <p:cNvPr id="4" name="Picture 3">
+            <a:extLst>
+              <a:ext uri="{FF2B5EF4-FFF2-40B4-BE49-F238E27FC236}">
+                <a16:creationId xmlns:a16="http://schemas.microsoft.com/office/drawing/2014/main" id="{71AAD8F2-03BE-BF7E-01CB-747D955602BF}"/>
+              </a:ext>
+            </a:extLst>
+          </p:cNvPr>
+          <p:cNvPicPr>
+            <a:picLocks noChangeAspect="1"/>
+          </p:cNvPicPr>
+          <p:nvPr/>
+        </p:nvPicPr>
+        <p:blipFill>
+          <a:blip r:embed="rId2"/>
+          <a:stretch>
+            <a:fillRect/>
+          </a:stretch>
+        </p:blipFill>
+        <p:spPr>
+          <a:xfrm>
+            <a:off x="8585628" y="2450592"/>
+            <a:ext cx="3606372" cy="2389632"/>
+          </a:xfrm>
+          <a:prstGeom prst="rect">
+            <a:avLst/>
+          </a:prstGeom>
+        </p:spPr>
+      </p:pic>
+    </p:spTree>
+    <p:extLst>
+      <p:ext uri="{BB962C8B-B14F-4D97-AF65-F5344CB8AC3E}">
+        <p14:creationId xmlns:p14="http://schemas.microsoft.com/office/powerpoint/2010/main" val="4152605430"/>
+      </p:ext>
+    </p:extLst>
+  </p:cSld>
+  <p:clrMapOvr>
+    <a:masterClrMapping/>
+  </p:clrMapOvr>
+</p:sld>
+</file>
+
+<file path=ppt/slides/slide19.xml><?xml version="1.0" encoding="utf-8"?>
+<p:sld xmlns:a="http://schemas.openxmlformats.org/drawingml/2006/main" xmlns:r="http://schemas.openxmlformats.org/officeDocument/2006/relationships" xmlns:p="http://schemas.openxmlformats.org/presentationml/2006/main">
+  <p:cSld>
+    <p:spTree>
+      <p:nvGrpSpPr>
+        <p:cNvPr id="1" name=""/>
+        <p:cNvGrpSpPr/>
+        <p:nvPr/>
+      </p:nvGrpSpPr>
+      <p:grpSpPr>
+        <a:xfrm>
+          <a:off x="0" y="0"/>
+          <a:ext cx="0" cy="0"/>
+          <a:chOff x="0" y="0"/>
+          <a:chExt cx="0" cy="0"/>
+        </a:xfrm>
+      </p:grpSpPr>
+      <p:sp>
+        <p:nvSpPr>
+          <p:cNvPr id="2" name="Title 1">
+            <a:extLst>
+              <a:ext uri="{FF2B5EF4-FFF2-40B4-BE49-F238E27FC236}">
+                <a16:creationId xmlns:a16="http://schemas.microsoft.com/office/drawing/2014/main" id="{12DD7079-E5A6-8B4B-2E3A-6A256485AE3A}"/>
+              </a:ext>
+            </a:extLst>
+          </p:cNvPr>
+          <p:cNvSpPr>
+            <a:spLocks noGrp="1"/>
+          </p:cNvSpPr>
+          <p:nvPr>
+            <p:ph type="title"/>
+          </p:nvPr>
+        </p:nvSpPr>
+        <p:spPr/>
+        <p:txBody>
+          <a:bodyPr/>
+          <a:lstStyle/>
+          <a:p>
+            <a:r>
+              <a:rPr lang="en-US" dirty="0"/>
+              <a:t>LSTM in </a:t>
+            </a:r>
+            <a:r>
+              <a:rPr lang="en-US" dirty="0" err="1"/>
+              <a:t>Keras</a:t>
+            </a:r>
+            <a:endParaRPr lang="en-US" dirty="0"/>
+          </a:p>
+        </p:txBody>
+      </p:sp>
+      <p:sp>
+        <p:nvSpPr>
+          <p:cNvPr id="3" name="Content Placeholder 2">
+            <a:extLst>
+              <a:ext uri="{FF2B5EF4-FFF2-40B4-BE49-F238E27FC236}">
+                <a16:creationId xmlns:a16="http://schemas.microsoft.com/office/drawing/2014/main" id="{726A5917-F007-5AAD-8DC6-F1C390315EF7}"/>
+              </a:ext>
+            </a:extLst>
+          </p:cNvPr>
+          <p:cNvSpPr>
+            <a:spLocks noGrp="1"/>
+          </p:cNvSpPr>
+          <p:nvPr>
+            <p:ph idx="1"/>
+          </p:nvPr>
+        </p:nvSpPr>
+        <p:spPr>
+          <a:xfrm>
+            <a:off x="1451579" y="2015732"/>
+            <a:ext cx="9603275" cy="4037749"/>
+          </a:xfrm>
+        </p:spPr>
+        <p:txBody>
+          <a:bodyPr/>
+          <a:lstStyle/>
+          <a:p>
+            <a:r>
+              <a:rPr lang="en-US" dirty="0"/>
+              <a:t>LSTM layers can be added just like any other layer. </a:t>
+            </a:r>
+          </a:p>
+          <a:p>
+            <a:r>
+              <a:rPr lang="en-US" dirty="0"/>
+              <a:t>When there’s more than one LSTM layer, we need to enable ‘</a:t>
+            </a:r>
+            <a:r>
+              <a:rPr lang="en-US" dirty="0" err="1"/>
+              <a:t>return_sequences</a:t>
+            </a:r>
+            <a:r>
+              <a:rPr lang="en-US" dirty="0"/>
+              <a:t>’. </a:t>
+            </a:r>
+          </a:p>
+          <a:p>
+            <a:r>
+              <a:rPr lang="en-US" dirty="0"/>
+              <a:t>The output normally has one node per prediction, no activation. </a:t>
+            </a:r>
+          </a:p>
+          <a:p>
+            <a:r>
+              <a:rPr lang="en-US" dirty="0"/>
+              <a:t>Making multiple predictions into the future is one place where custom loss is useful. </a:t>
+            </a:r>
+          </a:p>
+          <a:p>
+            <a:pPr lvl="1"/>
+            <a:r>
+              <a:rPr lang="en-US" dirty="0"/>
+              <a:t>Could weight the value of errors for the next prediction vs the one 10 instances later. </a:t>
+            </a:r>
+          </a:p>
+        </p:txBody>
+      </p:sp>
+    </p:spTree>
+    <p:extLst>
+      <p:ext uri="{BB962C8B-B14F-4D97-AF65-F5344CB8AC3E}">
+        <p14:creationId xmlns:p14="http://schemas.microsoft.com/office/powerpoint/2010/main" val="2048138297"/>
       </p:ext>
     </p:extLst>
   </p:cSld>
@@ -3963,7 +5445,7 @@
         <p:spPr>
           <a:xfrm>
             <a:off x="6892299" y="2015734"/>
-            <a:ext cx="4162555" cy="3450613"/>
+            <a:ext cx="5299701" cy="3450613"/>
           </a:xfrm>
         </p:spPr>
         <p:txBody>
@@ -3981,6 +5463,12 @@
             <a:r>
               <a:rPr lang="en-US" dirty="0"/>
               <a:t>RNNs can handle temporal relationships – looking through time. </a:t>
+            </a:r>
+          </a:p>
+          <a:p>
+            <a:r>
+              <a:rPr lang="en-US" dirty="0"/>
+              <a:t>Time-series and text are well suited to this structure of model.</a:t>
             </a:r>
           </a:p>
           <a:p>
@@ -4001,7 +5489,963 @@
 </p:sld>
 </file>
 
+<file path=ppt/slides/slide20.xml><?xml version="1.0" encoding="utf-8"?>
+<p:sld xmlns:a="http://schemas.openxmlformats.org/drawingml/2006/main" xmlns:r="http://schemas.openxmlformats.org/officeDocument/2006/relationships" xmlns:p="http://schemas.openxmlformats.org/presentationml/2006/main">
+  <p:cSld>
+    <p:spTree>
+      <p:nvGrpSpPr>
+        <p:cNvPr id="1" name=""/>
+        <p:cNvGrpSpPr/>
+        <p:nvPr/>
+      </p:nvGrpSpPr>
+      <p:grpSpPr>
+        <a:xfrm>
+          <a:off x="0" y="0"/>
+          <a:ext cx="0" cy="0"/>
+          <a:chOff x="0" y="0"/>
+          <a:chExt cx="0" cy="0"/>
+        </a:xfrm>
+      </p:grpSpPr>
+      <p:sp>
+        <p:nvSpPr>
+          <p:cNvPr id="2" name="Title 1">
+            <a:extLst>
+              <a:ext uri="{FF2B5EF4-FFF2-40B4-BE49-F238E27FC236}">
+                <a16:creationId xmlns:a16="http://schemas.microsoft.com/office/drawing/2014/main" id="{B513A983-1BC8-44D9-F818-1A4BB2795E1D}"/>
+              </a:ext>
+            </a:extLst>
+          </p:cNvPr>
+          <p:cNvSpPr>
+            <a:spLocks noGrp="1"/>
+          </p:cNvSpPr>
+          <p:nvPr>
+            <p:ph type="title"/>
+          </p:nvPr>
+        </p:nvSpPr>
+        <p:spPr/>
+        <p:txBody>
+          <a:bodyPr/>
+          <a:lstStyle/>
+          <a:p>
+            <a:r>
+              <a:rPr lang="en-US" dirty="0"/>
+              <a:t>Tuning LSTM Models</a:t>
+            </a:r>
+          </a:p>
+        </p:txBody>
+      </p:sp>
+      <p:sp>
+        <p:nvSpPr>
+          <p:cNvPr id="3" name="Content Placeholder 2">
+            <a:extLst>
+              <a:ext uri="{FF2B5EF4-FFF2-40B4-BE49-F238E27FC236}">
+                <a16:creationId xmlns:a16="http://schemas.microsoft.com/office/drawing/2014/main" id="{F3E514EB-A4D9-7797-8DF4-F086374E3729}"/>
+              </a:ext>
+            </a:extLst>
+          </p:cNvPr>
+          <p:cNvSpPr>
+            <a:spLocks noGrp="1"/>
+          </p:cNvSpPr>
+          <p:nvPr>
+            <p:ph idx="1"/>
+          </p:nvPr>
+        </p:nvSpPr>
+        <p:spPr>
+          <a:xfrm>
+            <a:off x="1451579" y="1853754"/>
+            <a:ext cx="9603275" cy="4199727"/>
+          </a:xfrm>
+        </p:spPr>
+        <p:txBody>
+          <a:bodyPr/>
+          <a:lstStyle/>
+          <a:p>
+            <a:r>
+              <a:rPr lang="en-US" dirty="0"/>
+              <a:t>Like other models, we generally want to have a larger model for a larger problem. </a:t>
+            </a:r>
+          </a:p>
+          <a:p>
+            <a:pPr lvl="1"/>
+            <a:r>
+              <a:rPr lang="en-US" dirty="0"/>
+              <a:t>Estimate - Units = samples in training data / ((# input neurons + # output neurons) * alpha)</a:t>
+            </a:r>
+          </a:p>
+          <a:p>
+            <a:pPr lvl="1"/>
+            <a:r>
+              <a:rPr lang="en-US" dirty="0"/>
+              <a:t>Unstructured problems are more likely to benefit from more layers, each with fewer units. </a:t>
+            </a:r>
+          </a:p>
+          <a:p>
+            <a:pPr lvl="1"/>
+            <a:r>
+              <a:rPr lang="en-US" dirty="0"/>
+              <a:t>Structured problems (sales or stock prices) may benefit from fewer, larger layers. </a:t>
+            </a:r>
+          </a:p>
+          <a:p>
+            <a:r>
+              <a:rPr lang="en-US" dirty="0"/>
+              <a:t>Hyperparameter tuning is back on the menu, boys!</a:t>
+            </a:r>
+          </a:p>
+          <a:p>
+            <a:pPr lvl="1"/>
+            <a:r>
+              <a:rPr lang="en-US" dirty="0"/>
+              <a:t>LSTM models can be determined via the </a:t>
+            </a:r>
+            <a:r>
+              <a:rPr lang="en-US" dirty="0" err="1"/>
+              <a:t>Keras</a:t>
+            </a:r>
+            <a:r>
+              <a:rPr lang="en-US" dirty="0"/>
+              <a:t> Tuner – layers, units, drop, other options… </a:t>
+            </a:r>
+          </a:p>
+          <a:p>
+            <a:pPr lvl="1"/>
+            <a:r>
+              <a:rPr lang="en-US" dirty="0"/>
+              <a:t>Bayesian or Hyperband may help with time, as might sampling (smartly) the data. </a:t>
+            </a:r>
+          </a:p>
+          <a:p>
+            <a:pPr lvl="1"/>
+            <a:r>
+              <a:rPr lang="en-US" dirty="0"/>
+              <a:t>LSTM models often employ a dropout for regularization, it performs well. </a:t>
+            </a:r>
+          </a:p>
+          <a:p>
+            <a:pPr lvl="1"/>
+            <a:r>
+              <a:rPr lang="en-US" dirty="0"/>
+              <a:t>Large numbers of epochs are often helpful, possibly with small batches (~8-96). </a:t>
+            </a:r>
+          </a:p>
+          <a:p>
+            <a:pPr lvl="1"/>
+            <a:endParaRPr lang="en-US" dirty="0"/>
+          </a:p>
+        </p:txBody>
+      </p:sp>
+    </p:spTree>
+    <p:extLst>
+      <p:ext uri="{BB962C8B-B14F-4D97-AF65-F5344CB8AC3E}">
+        <p14:creationId xmlns:p14="http://schemas.microsoft.com/office/powerpoint/2010/main" val="3420062599"/>
+      </p:ext>
+    </p:extLst>
+  </p:cSld>
+  <p:clrMapOvr>
+    <a:masterClrMapping/>
+  </p:clrMapOvr>
+</p:sld>
+</file>
+
+<file path=ppt/slides/slide21.xml><?xml version="1.0" encoding="utf-8"?>
+<p:sld xmlns:a="http://schemas.openxmlformats.org/drawingml/2006/main" xmlns:r="http://schemas.openxmlformats.org/officeDocument/2006/relationships" xmlns:p="http://schemas.openxmlformats.org/presentationml/2006/main">
+  <p:cSld>
+    <p:spTree>
+      <p:nvGrpSpPr>
+        <p:cNvPr id="1" name=""/>
+        <p:cNvGrpSpPr/>
+        <p:nvPr/>
+      </p:nvGrpSpPr>
+      <p:grpSpPr>
+        <a:xfrm>
+          <a:off x="0" y="0"/>
+          <a:ext cx="0" cy="0"/>
+          <a:chOff x="0" y="0"/>
+          <a:chExt cx="0" cy="0"/>
+        </a:xfrm>
+      </p:grpSpPr>
+      <p:sp>
+        <p:nvSpPr>
+          <p:cNvPr id="2" name="Title 1">
+            <a:extLst>
+              <a:ext uri="{FF2B5EF4-FFF2-40B4-BE49-F238E27FC236}">
+                <a16:creationId xmlns:a16="http://schemas.microsoft.com/office/drawing/2014/main" id="{B1644658-23B7-83E0-DB4A-45308B985BC2}"/>
+              </a:ext>
+            </a:extLst>
+          </p:cNvPr>
+          <p:cNvSpPr>
+            <a:spLocks noGrp="1"/>
+          </p:cNvSpPr>
+          <p:nvPr>
+            <p:ph type="title"/>
+          </p:nvPr>
+        </p:nvSpPr>
+        <p:spPr/>
+        <p:txBody>
+          <a:bodyPr/>
+          <a:lstStyle/>
+          <a:p>
+            <a:r>
+              <a:rPr lang="en-US" dirty="0"/>
+              <a:t>LSTM Model Structure</a:t>
+            </a:r>
+          </a:p>
+        </p:txBody>
+      </p:sp>
+      <p:sp>
+        <p:nvSpPr>
+          <p:cNvPr id="3" name="Content Placeholder 2">
+            <a:extLst>
+              <a:ext uri="{FF2B5EF4-FFF2-40B4-BE49-F238E27FC236}">
+                <a16:creationId xmlns:a16="http://schemas.microsoft.com/office/drawing/2014/main" id="{15F54A75-79DE-0A49-A8D0-0EEA01E8D8A5}"/>
+              </a:ext>
+            </a:extLst>
+          </p:cNvPr>
+          <p:cNvSpPr>
+            <a:spLocks noGrp="1"/>
+          </p:cNvSpPr>
+          <p:nvPr>
+            <p:ph idx="1"/>
+          </p:nvPr>
+        </p:nvSpPr>
+        <p:spPr/>
+        <p:txBody>
+          <a:bodyPr/>
+          <a:lstStyle/>
+          <a:p>
+            <a:r>
+              <a:rPr lang="en-US" dirty="0"/>
+              <a:t>LSTM models generally follow the CNN pattern – recursion, flatten, dense. </a:t>
+            </a:r>
+          </a:p>
+        </p:txBody>
+      </p:sp>
+    </p:spTree>
+    <p:extLst>
+      <p:ext uri="{BB962C8B-B14F-4D97-AF65-F5344CB8AC3E}">
+        <p14:creationId xmlns:p14="http://schemas.microsoft.com/office/powerpoint/2010/main" val="1323152609"/>
+      </p:ext>
+    </p:extLst>
+  </p:cSld>
+  <p:clrMapOvr>
+    <a:masterClrMapping/>
+  </p:clrMapOvr>
+</p:sld>
+</file>
+
+<file path=ppt/slides/slide22.xml><?xml version="1.0" encoding="utf-8"?>
+<p:sld xmlns:a="http://schemas.openxmlformats.org/drawingml/2006/main" xmlns:r="http://schemas.openxmlformats.org/officeDocument/2006/relationships" xmlns:p="http://schemas.openxmlformats.org/presentationml/2006/main">
+  <p:cSld>
+    <p:spTree>
+      <p:nvGrpSpPr>
+        <p:cNvPr id="1" name=""/>
+        <p:cNvGrpSpPr/>
+        <p:nvPr/>
+      </p:nvGrpSpPr>
+      <p:grpSpPr>
+        <a:xfrm>
+          <a:off x="0" y="0"/>
+          <a:ext cx="0" cy="0"/>
+          <a:chOff x="0" y="0"/>
+          <a:chExt cx="0" cy="0"/>
+        </a:xfrm>
+      </p:grpSpPr>
+      <p:sp>
+        <p:nvSpPr>
+          <p:cNvPr id="2" name="Title 1">
+            <a:extLst>
+              <a:ext uri="{FF2B5EF4-FFF2-40B4-BE49-F238E27FC236}">
+                <a16:creationId xmlns:a16="http://schemas.microsoft.com/office/drawing/2014/main" id="{E5F0A867-99E2-904B-62B6-7C2A0C6D8D25}"/>
+              </a:ext>
+            </a:extLst>
+          </p:cNvPr>
+          <p:cNvSpPr>
+            <a:spLocks noGrp="1"/>
+          </p:cNvSpPr>
+          <p:nvPr>
+            <p:ph type="title"/>
+          </p:nvPr>
+        </p:nvSpPr>
+        <p:spPr/>
+        <p:txBody>
+          <a:bodyPr/>
+          <a:lstStyle/>
+          <a:p>
+            <a:r>
+              <a:rPr lang="en-US" dirty="0"/>
+              <a:t>Being BI is in… if it Performs better</a:t>
+            </a:r>
+          </a:p>
+        </p:txBody>
+      </p:sp>
+      <p:sp>
+        <p:nvSpPr>
+          <p:cNvPr id="3" name="Content Placeholder 2">
+            <a:extLst>
+              <a:ext uri="{FF2B5EF4-FFF2-40B4-BE49-F238E27FC236}">
+                <a16:creationId xmlns:a16="http://schemas.microsoft.com/office/drawing/2014/main" id="{1A9B5499-96C7-43AF-E68F-D8040AB79ECD}"/>
+              </a:ext>
+            </a:extLst>
+          </p:cNvPr>
+          <p:cNvSpPr>
+            <a:spLocks noGrp="1"/>
+          </p:cNvSpPr>
+          <p:nvPr>
+            <p:ph idx="1"/>
+          </p:nvPr>
+        </p:nvSpPr>
+        <p:spPr/>
+        <p:txBody>
+          <a:bodyPr/>
+          <a:lstStyle/>
+          <a:p>
+            <a:r>
+              <a:rPr lang="en-US" dirty="0"/>
+              <a:t>Bidirectional LSTM layers feed the previous sequence bot forwards and backwards. </a:t>
+            </a:r>
+          </a:p>
+          <a:p>
+            <a:r>
+              <a:rPr lang="en-US" dirty="0"/>
+              <a:t>Common in NLP applications. </a:t>
+            </a:r>
+          </a:p>
+        </p:txBody>
+      </p:sp>
+    </p:spTree>
+    <p:extLst>
+      <p:ext uri="{BB962C8B-B14F-4D97-AF65-F5344CB8AC3E}">
+        <p14:creationId xmlns:p14="http://schemas.microsoft.com/office/powerpoint/2010/main" val="904097236"/>
+      </p:ext>
+    </p:extLst>
+  </p:cSld>
+  <p:clrMapOvr>
+    <a:masterClrMapping/>
+  </p:clrMapOvr>
+</p:sld>
+</file>
+
+<file path=ppt/slides/slide23.xml><?xml version="1.0" encoding="utf-8"?>
+<p:sld xmlns:a="http://schemas.openxmlformats.org/drawingml/2006/main" xmlns:r="http://schemas.openxmlformats.org/officeDocument/2006/relationships" xmlns:p="http://schemas.openxmlformats.org/presentationml/2006/main">
+  <p:cSld>
+    <p:spTree>
+      <p:nvGrpSpPr>
+        <p:cNvPr id="1" name=""/>
+        <p:cNvGrpSpPr/>
+        <p:nvPr/>
+      </p:nvGrpSpPr>
+      <p:grpSpPr>
+        <a:xfrm>
+          <a:off x="0" y="0"/>
+          <a:ext cx="0" cy="0"/>
+          <a:chOff x="0" y="0"/>
+          <a:chExt cx="0" cy="0"/>
+        </a:xfrm>
+      </p:grpSpPr>
+      <p:sp>
+        <p:nvSpPr>
+          <p:cNvPr id="2" name="Title 1">
+            <a:extLst>
+              <a:ext uri="{FF2B5EF4-FFF2-40B4-BE49-F238E27FC236}">
+                <a16:creationId xmlns:a16="http://schemas.microsoft.com/office/drawing/2014/main" id="{120A5EE1-4AAC-0801-3067-67CFEA11C12A}"/>
+              </a:ext>
+            </a:extLst>
+          </p:cNvPr>
+          <p:cNvSpPr>
+            <a:spLocks noGrp="1"/>
+          </p:cNvSpPr>
+          <p:nvPr>
+            <p:ph type="title"/>
+          </p:nvPr>
+        </p:nvSpPr>
+        <p:spPr/>
+        <p:txBody>
+          <a:bodyPr/>
+          <a:lstStyle/>
+          <a:p>
+            <a:r>
+              <a:rPr lang="en-US" dirty="0"/>
+              <a:t>Generative Models</a:t>
+            </a:r>
+          </a:p>
+        </p:txBody>
+      </p:sp>
+      <p:sp>
+        <p:nvSpPr>
+          <p:cNvPr id="3" name="Content Placeholder 2">
+            <a:extLst>
+              <a:ext uri="{FF2B5EF4-FFF2-40B4-BE49-F238E27FC236}">
+                <a16:creationId xmlns:a16="http://schemas.microsoft.com/office/drawing/2014/main" id="{18B47CC8-CAB3-0B63-7176-21FD7965C010}"/>
+              </a:ext>
+            </a:extLst>
+          </p:cNvPr>
+          <p:cNvSpPr>
+            <a:spLocks noGrp="1"/>
+          </p:cNvSpPr>
+          <p:nvPr>
+            <p:ph idx="1"/>
+          </p:nvPr>
+        </p:nvSpPr>
+        <p:spPr>
+          <a:xfrm>
+            <a:off x="1451579" y="2015732"/>
+            <a:ext cx="9603275" cy="4037749"/>
+          </a:xfrm>
+        </p:spPr>
+        <p:txBody>
+          <a:bodyPr/>
+          <a:lstStyle/>
+          <a:p>
+            <a:r>
+              <a:rPr lang="en-US" dirty="0"/>
+              <a:t>LSTMs can be used to generate things, like text. </a:t>
+            </a:r>
+          </a:p>
+          <a:p>
+            <a:r>
+              <a:rPr lang="en-US" dirty="0"/>
+              <a:t>Text generation is simpler than it sounds at first glance. </a:t>
+            </a:r>
+          </a:p>
+          <a:p>
+            <a:pPr lvl="1"/>
+            <a:r>
+              <a:rPr lang="en-US" dirty="0"/>
+              <a:t>Train a model to be able to predict the next word (or token) from text. </a:t>
+            </a:r>
+          </a:p>
+          <a:p>
+            <a:pPr lvl="1"/>
+            <a:r>
+              <a:rPr lang="en-US" dirty="0"/>
+              <a:t>Generate text by taking in the previous text, and predict the next word.</a:t>
+            </a:r>
+          </a:p>
+          <a:p>
+            <a:pPr lvl="1"/>
+            <a:r>
+              <a:rPr lang="en-US" dirty="0"/>
+              <a:t>The ‘previous text’ + ‘predicted word’ is then the source for the next prediction. </a:t>
+            </a:r>
+          </a:p>
+          <a:p>
+            <a:r>
+              <a:rPr lang="en-US" dirty="0"/>
+              <a:t>We can treat it as 1 word tokens, large LLMs may have different splits – it varies. </a:t>
+            </a:r>
+          </a:p>
+          <a:p>
+            <a:pPr lvl="1"/>
+            <a:r>
+              <a:rPr lang="en-US" dirty="0"/>
+              <a:t>E.g. predict a root word, then the correct suffix: run to running or runner. </a:t>
+            </a:r>
+          </a:p>
+          <a:p>
+            <a:pPr lvl="1"/>
+            <a:r>
+              <a:rPr lang="en-US" dirty="0"/>
+              <a:t>2+ grams for thinks like ‘downhill skiing’ and ‘oven glove’. </a:t>
+            </a:r>
+          </a:p>
+        </p:txBody>
+      </p:sp>
+    </p:spTree>
+    <p:extLst>
+      <p:ext uri="{BB962C8B-B14F-4D97-AF65-F5344CB8AC3E}">
+        <p14:creationId xmlns:p14="http://schemas.microsoft.com/office/powerpoint/2010/main" val="185559048"/>
+      </p:ext>
+    </p:extLst>
+  </p:cSld>
+  <p:clrMapOvr>
+    <a:masterClrMapping/>
+  </p:clrMapOvr>
+</p:sld>
+</file>
+
+<file path=ppt/slides/slide24.xml><?xml version="1.0" encoding="utf-8"?>
+<p:sld xmlns:a="http://schemas.openxmlformats.org/drawingml/2006/main" xmlns:r="http://schemas.openxmlformats.org/officeDocument/2006/relationships" xmlns:p="http://schemas.openxmlformats.org/presentationml/2006/main">
+  <p:cSld>
+    <p:spTree>
+      <p:nvGrpSpPr>
+        <p:cNvPr id="1" name=""/>
+        <p:cNvGrpSpPr/>
+        <p:nvPr/>
+      </p:nvGrpSpPr>
+      <p:grpSpPr>
+        <a:xfrm>
+          <a:off x="0" y="0"/>
+          <a:ext cx="0" cy="0"/>
+          <a:chOff x="0" y="0"/>
+          <a:chExt cx="0" cy="0"/>
+        </a:xfrm>
+      </p:grpSpPr>
+      <p:sp>
+        <p:nvSpPr>
+          <p:cNvPr id="2" name="Title 1">
+            <a:extLst>
+              <a:ext uri="{FF2B5EF4-FFF2-40B4-BE49-F238E27FC236}">
+                <a16:creationId xmlns:a16="http://schemas.microsoft.com/office/drawing/2014/main" id="{2F1078A6-AE76-455E-16FF-DBE689E24AC9}"/>
+              </a:ext>
+            </a:extLst>
+          </p:cNvPr>
+          <p:cNvSpPr>
+            <a:spLocks noGrp="1"/>
+          </p:cNvSpPr>
+          <p:nvPr>
+            <p:ph type="title"/>
+          </p:nvPr>
+        </p:nvSpPr>
+        <p:spPr/>
+        <p:txBody>
+          <a:bodyPr/>
+          <a:lstStyle/>
+          <a:p>
+            <a:r>
+              <a:rPr lang="en-US" dirty="0"/>
+              <a:t>Got the Right Temperature</a:t>
+            </a:r>
+          </a:p>
+        </p:txBody>
+      </p:sp>
+      <p:sp>
+        <p:nvSpPr>
+          <p:cNvPr id="3" name="Content Placeholder 2">
+            <a:extLst>
+              <a:ext uri="{FF2B5EF4-FFF2-40B4-BE49-F238E27FC236}">
+                <a16:creationId xmlns:a16="http://schemas.microsoft.com/office/drawing/2014/main" id="{FE858B8B-5A13-1308-9D5C-91BCB28ADF46}"/>
+              </a:ext>
+            </a:extLst>
+          </p:cNvPr>
+          <p:cNvSpPr>
+            <a:spLocks noGrp="1"/>
+          </p:cNvSpPr>
+          <p:nvPr>
+            <p:ph idx="1"/>
+          </p:nvPr>
+        </p:nvSpPr>
+        <p:spPr>
+          <a:xfrm>
+            <a:off x="1451579" y="1853754"/>
+            <a:ext cx="9603275" cy="4199727"/>
+          </a:xfrm>
+        </p:spPr>
+        <p:txBody>
+          <a:bodyPr/>
+          <a:lstStyle/>
+          <a:p>
+            <a:r>
+              <a:rPr lang="en-US" dirty="0"/>
+              <a:t>Generative models usually utilize a parameter called temperature. </a:t>
+            </a:r>
+          </a:p>
+          <a:p>
+            <a:r>
+              <a:rPr lang="en-US" dirty="0"/>
+              <a:t>Temperature basically introduces randomness to a prediction. </a:t>
+            </a:r>
+          </a:p>
+          <a:p>
+            <a:pPr lvl="1"/>
+            <a:r>
+              <a:rPr lang="en-US" dirty="0"/>
+              <a:t>A model will default to try to predict the correct (most likely) next token. </a:t>
+            </a:r>
+          </a:p>
+          <a:p>
+            <a:pPr lvl="1"/>
+            <a:r>
+              <a:rPr lang="en-US" dirty="0"/>
+              <a:t>People don’t really speak like that, especially if writing one piece of prose. </a:t>
+            </a:r>
+          </a:p>
+          <a:p>
+            <a:pPr lvl="1"/>
+            <a:r>
+              <a:rPr lang="en-US" dirty="0"/>
+              <a:t>Normal sounding text will use synonyms an alternate terms to avoid sounding robotic. </a:t>
+            </a:r>
+          </a:p>
+          <a:p>
+            <a:r>
+              <a:rPr lang="en-US" dirty="0"/>
+              <a:t>Temperature makes the actual prediction probabilistic. </a:t>
+            </a:r>
+          </a:p>
+          <a:p>
+            <a:pPr lvl="1"/>
+            <a:r>
+              <a:rPr lang="en-US" dirty="0"/>
+              <a:t>The ‘correct’ answer is most likely, but we are choosing from all likely predictions. </a:t>
+            </a:r>
+          </a:p>
+          <a:p>
+            <a:pPr lvl="1"/>
+            <a:r>
+              <a:rPr lang="en-US" dirty="0"/>
+              <a:t>Sometimes we want to return a word that is not optimal, but reasonably likely. </a:t>
+            </a:r>
+          </a:p>
+          <a:p>
+            <a:pPr lvl="1"/>
+            <a:r>
+              <a:rPr lang="en-US" dirty="0"/>
+              <a:t>The higher the temperature is, the more likely we are to choose an imperfect option. </a:t>
+            </a:r>
+          </a:p>
+          <a:p>
+            <a:pPr lvl="1"/>
+            <a:r>
+              <a:rPr lang="en-US" dirty="0"/>
+              <a:t>Multiple implementations of this idea can exist. </a:t>
+            </a:r>
+          </a:p>
+        </p:txBody>
+      </p:sp>
+    </p:spTree>
+    <p:extLst>
+      <p:ext uri="{BB962C8B-B14F-4D97-AF65-F5344CB8AC3E}">
+        <p14:creationId xmlns:p14="http://schemas.microsoft.com/office/powerpoint/2010/main" val="1889635206"/>
+      </p:ext>
+    </p:extLst>
+  </p:cSld>
+  <p:clrMapOvr>
+    <a:masterClrMapping/>
+  </p:clrMapOvr>
+</p:sld>
+</file>
+
+<file path=ppt/slides/slide25.xml><?xml version="1.0" encoding="utf-8"?>
+<p:sld xmlns:a="http://schemas.openxmlformats.org/drawingml/2006/main" xmlns:r="http://schemas.openxmlformats.org/officeDocument/2006/relationships" xmlns:p="http://schemas.openxmlformats.org/presentationml/2006/main">
+  <p:cSld>
+    <p:spTree>
+      <p:nvGrpSpPr>
+        <p:cNvPr id="1" name=""/>
+        <p:cNvGrpSpPr/>
+        <p:nvPr/>
+      </p:nvGrpSpPr>
+      <p:grpSpPr>
+        <a:xfrm>
+          <a:off x="0" y="0"/>
+          <a:ext cx="0" cy="0"/>
+          <a:chOff x="0" y="0"/>
+          <a:chExt cx="0" cy="0"/>
+        </a:xfrm>
+      </p:grpSpPr>
+      <p:sp>
+        <p:nvSpPr>
+          <p:cNvPr id="2" name="Title 1">
+            <a:extLst>
+              <a:ext uri="{FF2B5EF4-FFF2-40B4-BE49-F238E27FC236}">
+                <a16:creationId xmlns:a16="http://schemas.microsoft.com/office/drawing/2014/main" id="{56DBD4AB-1131-C7BB-2DCF-1D6BF9FC4987}"/>
+              </a:ext>
+            </a:extLst>
+          </p:cNvPr>
+          <p:cNvSpPr>
+            <a:spLocks noGrp="1"/>
+          </p:cNvSpPr>
+          <p:nvPr>
+            <p:ph type="title"/>
+          </p:nvPr>
+        </p:nvSpPr>
+        <p:spPr/>
+        <p:txBody>
+          <a:bodyPr/>
+          <a:lstStyle/>
+          <a:p>
+            <a:r>
+              <a:rPr lang="en-US" dirty="0"/>
+              <a:t>Conclusion</a:t>
+            </a:r>
+          </a:p>
+        </p:txBody>
+      </p:sp>
+      <p:sp>
+        <p:nvSpPr>
+          <p:cNvPr id="3" name="Content Placeholder 2">
+            <a:extLst>
+              <a:ext uri="{FF2B5EF4-FFF2-40B4-BE49-F238E27FC236}">
+                <a16:creationId xmlns:a16="http://schemas.microsoft.com/office/drawing/2014/main" id="{13443069-FA3D-B363-3351-CFE53FEEFEFD}"/>
+              </a:ext>
+            </a:extLst>
+          </p:cNvPr>
+          <p:cNvSpPr>
+            <a:spLocks noGrp="1"/>
+          </p:cNvSpPr>
+          <p:nvPr>
+            <p:ph idx="1"/>
+          </p:nvPr>
+        </p:nvSpPr>
+        <p:spPr>
+          <a:xfrm>
+            <a:off x="1451579" y="1853754"/>
+            <a:ext cx="10117569" cy="4278689"/>
+          </a:xfrm>
+        </p:spPr>
+        <p:txBody>
+          <a:bodyPr>
+            <a:normAutofit/>
+          </a:bodyPr>
+          <a:lstStyle/>
+          <a:p>
+            <a:r>
+              <a:rPr lang="en-US" dirty="0"/>
+              <a:t>Sequential problems are common – prices of anything traded, weather, “life stuff”, </a:t>
+            </a:r>
+            <a:r>
+              <a:rPr lang="en-US" dirty="0" err="1"/>
+              <a:t>etc</a:t>
+            </a:r>
+            <a:r>
+              <a:rPr lang="en-US" dirty="0"/>
+              <a:t>…</a:t>
+            </a:r>
+          </a:p>
+          <a:p>
+            <a:r>
+              <a:rPr lang="en-US" dirty="0"/>
+              <a:t>Highlight an example of real-world challenge for analysts – defining the </a:t>
+            </a:r>
+            <a:r>
+              <a:rPr lang="en-US" i="1" dirty="0"/>
+              <a:t>type</a:t>
+            </a:r>
+            <a:r>
+              <a:rPr lang="en-US" dirty="0"/>
+              <a:t> of solution. </a:t>
+            </a:r>
+          </a:p>
+          <a:p>
+            <a:pPr lvl="1"/>
+            <a:r>
+              <a:rPr lang="en-US" dirty="0"/>
+              <a:t>Classification/regression are relatively simple in their structure, or they can be. </a:t>
+            </a:r>
+          </a:p>
+          <a:p>
+            <a:pPr lvl="1"/>
+            <a:r>
+              <a:rPr lang="en-US" dirty="0"/>
+              <a:t>We have a target to predict, features we can use, and we can make a model to predict y from X. </a:t>
+            </a:r>
+          </a:p>
+          <a:p>
+            <a:pPr lvl="1"/>
+            <a:r>
+              <a:rPr lang="en-US" dirty="0"/>
+              <a:t>Sequential models bring ambiguity to the forefront more – how far in advance can we predict? Should we use </a:t>
+            </a:r>
+            <a:r>
+              <a:rPr lang="en-US" i="1" dirty="0"/>
+              <a:t>any</a:t>
+            </a:r>
+            <a:r>
+              <a:rPr lang="en-US" dirty="0"/>
+              <a:t> other features? Can we use our predictions to feed other predictions?</a:t>
+            </a:r>
+          </a:p>
+          <a:p>
+            <a:r>
+              <a:rPr lang="en-US" dirty="0"/>
+              <a:t>Many time series (esp. long term) problems inherently involve ‘features’ we (likely) don’t have. </a:t>
+            </a:r>
+          </a:p>
+          <a:p>
+            <a:pPr lvl="1"/>
+            <a:r>
+              <a:rPr lang="en-US" dirty="0"/>
+              <a:t>Commodity prices, climate trends, or product sales are often highly impacted by things like laws, regulations, or decisions from other actors that are hard or impossible to capture in data. </a:t>
+            </a:r>
+          </a:p>
+          <a:p>
+            <a:pPr lvl="1"/>
+            <a:r>
+              <a:rPr lang="en-US" dirty="0"/>
+              <a:t>Large and complex models can ‘learn around’ this, but with limits. ‘More data’ often not as useful. </a:t>
+            </a:r>
+          </a:p>
+        </p:txBody>
+      </p:sp>
+    </p:spTree>
+    <p:extLst>
+      <p:ext uri="{BB962C8B-B14F-4D97-AF65-F5344CB8AC3E}">
+        <p14:creationId xmlns:p14="http://schemas.microsoft.com/office/powerpoint/2010/main" val="2454114799"/>
+      </p:ext>
+    </p:extLst>
+  </p:cSld>
+  <p:clrMapOvr>
+    <a:masterClrMapping/>
+  </p:clrMapOvr>
+</p:sld>
+</file>
+
 <file path=ppt/slides/slide3.xml><?xml version="1.0" encoding="utf-8"?>
+<p:sld xmlns:a="http://schemas.openxmlformats.org/drawingml/2006/main" xmlns:r="http://schemas.openxmlformats.org/officeDocument/2006/relationships" xmlns:p="http://schemas.openxmlformats.org/presentationml/2006/main">
+  <p:cSld>
+    <p:spTree>
+      <p:nvGrpSpPr>
+        <p:cNvPr id="1" name=""/>
+        <p:cNvGrpSpPr/>
+        <p:nvPr/>
+      </p:nvGrpSpPr>
+      <p:grpSpPr>
+        <a:xfrm>
+          <a:off x="0" y="0"/>
+          <a:ext cx="0" cy="0"/>
+          <a:chOff x="0" y="0"/>
+          <a:chExt cx="0" cy="0"/>
+        </a:xfrm>
+      </p:grpSpPr>
+      <p:sp>
+        <p:nvSpPr>
+          <p:cNvPr id="2" name="Title 1">
+            <a:extLst>
+              <a:ext uri="{FF2B5EF4-FFF2-40B4-BE49-F238E27FC236}">
+                <a16:creationId xmlns:a16="http://schemas.microsoft.com/office/drawing/2014/main" id="{75188EDF-CB56-BDF6-5933-5D721D6A8745}"/>
+              </a:ext>
+            </a:extLst>
+          </p:cNvPr>
+          <p:cNvSpPr>
+            <a:spLocks noGrp="1"/>
+          </p:cNvSpPr>
+          <p:nvPr>
+            <p:ph type="title"/>
+          </p:nvPr>
+        </p:nvSpPr>
+        <p:spPr/>
+        <p:txBody>
+          <a:bodyPr/>
+          <a:lstStyle/>
+          <a:p>
+            <a:r>
+              <a:rPr lang="en-US" dirty="0"/>
+              <a:t>Recurrent Neural Networks</a:t>
+            </a:r>
+          </a:p>
+        </p:txBody>
+      </p:sp>
+      <p:sp>
+        <p:nvSpPr>
+          <p:cNvPr id="3" name="Content Placeholder 2">
+            <a:extLst>
+              <a:ext uri="{FF2B5EF4-FFF2-40B4-BE49-F238E27FC236}">
+                <a16:creationId xmlns:a16="http://schemas.microsoft.com/office/drawing/2014/main" id="{93420857-04E5-D88B-4F26-C499BC4A28EE}"/>
+              </a:ext>
+            </a:extLst>
+          </p:cNvPr>
+          <p:cNvSpPr>
+            <a:spLocks noGrp="1"/>
+          </p:cNvSpPr>
+          <p:nvPr>
+            <p:ph idx="1"/>
+          </p:nvPr>
+        </p:nvSpPr>
+        <p:spPr>
+          <a:xfrm>
+            <a:off x="314433" y="1853755"/>
+            <a:ext cx="7822743" cy="4199726"/>
+          </a:xfrm>
+        </p:spPr>
+        <p:txBody>
+          <a:bodyPr>
+            <a:normAutofit/>
+          </a:bodyPr>
+          <a:lstStyle/>
+          <a:p>
+            <a:r>
+              <a:rPr lang="en-US" dirty="0"/>
+              <a:t>RNNs are able to ”save” some information from earlier steps. </a:t>
+            </a:r>
+          </a:p>
+          <a:p>
+            <a:r>
+              <a:rPr lang="en-US" dirty="0"/>
+              <a:t>There are several different varieties of RNN models. (Which we’ll mostly ignore). </a:t>
+            </a:r>
+          </a:p>
+          <a:p>
+            <a:r>
+              <a:rPr lang="en-US" dirty="0"/>
+              <a:t>RNNs maintain a memory by keeping the output of one step as part of the input to another. </a:t>
+            </a:r>
+          </a:p>
+          <a:p>
+            <a:pPr lvl="1"/>
+            <a:r>
+              <a:rPr lang="en-US" dirty="0"/>
+              <a:t>This allows things at different time steps to be considered at once. </a:t>
+            </a:r>
+          </a:p>
+          <a:p>
+            <a:pPr lvl="1"/>
+            <a:r>
+              <a:rPr lang="en-US" dirty="0"/>
+              <a:t>A ‘regular’ model would have each time step as independent rows. </a:t>
+            </a:r>
+          </a:p>
+        </p:txBody>
+      </p:sp>
+      <p:pic>
+        <p:nvPicPr>
+          <p:cNvPr id="1028" name="Picture 4">
+            <a:extLst>
+              <a:ext uri="{FF2B5EF4-FFF2-40B4-BE49-F238E27FC236}">
+                <a16:creationId xmlns:a16="http://schemas.microsoft.com/office/drawing/2014/main" id="{184ED17B-56FF-613B-DDF6-5C58B22E93DB}"/>
+              </a:ext>
+            </a:extLst>
+          </p:cNvPr>
+          <p:cNvPicPr>
+            <a:picLocks noChangeAspect="1" noChangeArrowheads="1"/>
+          </p:cNvPicPr>
+          <p:nvPr/>
+        </p:nvPicPr>
+        <p:blipFill>
+          <a:blip r:embed="rId2">
+            <a:extLst>
+              <a:ext uri="{28A0092B-C50C-407E-A947-70E740481C1C}">
+                <a14:useLocalDpi xmlns:a14="http://schemas.microsoft.com/office/drawing/2010/main" val="0"/>
+              </a:ext>
+            </a:extLst>
+          </a:blip>
+          <a:srcRect/>
+          <a:stretch>
+            <a:fillRect/>
+          </a:stretch>
+        </p:blipFill>
+        <p:spPr bwMode="auto">
+          <a:xfrm>
+            <a:off x="8137176" y="1853754"/>
+            <a:ext cx="4054824" cy="5004246"/>
+          </a:xfrm>
+          <a:prstGeom prst="rect">
+            <a:avLst/>
+          </a:prstGeom>
+          <a:noFill/>
+          <a:extLst>
+            <a:ext uri="{909E8E84-426E-40DD-AFC4-6F175D3DCCD1}">
+              <a14:hiddenFill xmlns:a14="http://schemas.microsoft.com/office/drawing/2010/main">
+                <a:solidFill>
+                  <a:srgbClr val="FFFFFF"/>
+                </a:solidFill>
+              </a14:hiddenFill>
+            </a:ext>
+          </a:extLst>
+        </p:spPr>
+      </p:pic>
+    </p:spTree>
+    <p:extLst>
+      <p:ext uri="{BB962C8B-B14F-4D97-AF65-F5344CB8AC3E}">
+        <p14:creationId xmlns:p14="http://schemas.microsoft.com/office/powerpoint/2010/main" val="1320038299"/>
+      </p:ext>
+    </p:extLst>
+  </p:cSld>
+  <p:clrMapOvr>
+    <a:masterClrMapping/>
+  </p:clrMapOvr>
+</p:sld>
+</file>
+
+<file path=ppt/slides/slide4.xml><?xml version="1.0" encoding="utf-8"?>
 <p:sld xmlns:a="http://schemas.openxmlformats.org/drawingml/2006/main" xmlns:r="http://schemas.openxmlformats.org/officeDocument/2006/relationships" xmlns:p="http://schemas.openxmlformats.org/presentationml/2006/main">
   <p:cSld>
     <p:bg>
@@ -4042,12 +6486,120 @@
           <a:chExt cx="0" cy="0"/>
         </a:xfrm>
       </p:grpSpPr>
+      <p:sp useBgFill="1">
+        <p:nvSpPr>
+          <p:cNvPr id="3081" name="Rectangle 3080">
+            <a:extLst>
+              <a:ext uri="{FF2B5EF4-FFF2-40B4-BE49-F238E27FC236}">
+                <a16:creationId xmlns:a16="http://schemas.microsoft.com/office/drawing/2014/main" id="{EED2B910-B28F-4A54-B17C-8B7E5893AABB}"/>
+              </a:ext>
+              <a:ext uri="{C183D7F6-B498-43B3-948B-1728B52AA6E4}">
+                <adec:decorative xmlns:adec="http://schemas.microsoft.com/office/drawing/2017/decorative" val="1"/>
+              </a:ext>
+            </a:extLst>
+          </p:cNvPr>
+          <p:cNvSpPr>
+            <a:spLocks noGrp="1" noRot="1" noChangeAspect="1" noMove="1" noResize="1" noEditPoints="1" noAdjustHandles="1" noChangeArrowheads="1" noChangeShapeType="1" noTextEdit="1"/>
+          </p:cNvSpPr>
+          <p:nvPr>
+            <p:extLst>
+              <p:ext uri="{386F3935-93C4-4BCD-93E2-E3B085C9AB24}">
+                <p16:designElem xmlns:p16="http://schemas.microsoft.com/office/powerpoint/2015/main" val="1"/>
+              </p:ext>
+            </p:extLst>
+          </p:nvPr>
+        </p:nvSpPr>
+        <p:spPr>
+          <a:xfrm>
+            <a:off x="2" y="0"/>
+            <a:ext cx="12191695" cy="6858000"/>
+          </a:xfrm>
+          <a:prstGeom prst="rect">
+            <a:avLst/>
+          </a:prstGeom>
+          <a:ln>
+            <a:noFill/>
+          </a:ln>
+        </p:spPr>
+        <p:style>
+          <a:lnRef idx="2">
+            <a:schemeClr val="accent1">
+              <a:shade val="50000"/>
+            </a:schemeClr>
+          </a:lnRef>
+          <a:fillRef idx="1">
+            <a:schemeClr val="accent1"/>
+          </a:fillRef>
+          <a:effectRef idx="0">
+            <a:schemeClr val="accent1"/>
+          </a:effectRef>
+          <a:fontRef idx="minor">
+            <a:schemeClr val="lt1"/>
+          </a:fontRef>
+        </p:style>
+        <p:txBody>
+          <a:bodyPr rtlCol="0" anchor="ctr"/>
+          <a:lstStyle/>
+          <a:p>
+            <a:pPr algn="ctr"/>
+            <a:endParaRPr lang="en-US"/>
+          </a:p>
+        </p:txBody>
+      </p:sp>
+      <p:cxnSp>
+        <p:nvCxnSpPr>
+          <p:cNvPr id="3083" name="Straight Connector 3082">
+            <a:extLst>
+              <a:ext uri="{FF2B5EF4-FFF2-40B4-BE49-F238E27FC236}">
+                <a16:creationId xmlns:a16="http://schemas.microsoft.com/office/drawing/2014/main" id="{C545F118-1DF8-46A9-8A77-B3D9422CEA4A}"/>
+              </a:ext>
+              <a:ext uri="{C183D7F6-B498-43B3-948B-1728B52AA6E4}">
+                <adec:decorative xmlns:adec="http://schemas.microsoft.com/office/drawing/2017/decorative" val="1"/>
+              </a:ext>
+            </a:extLst>
+          </p:cNvPr>
+          <p:cNvCxnSpPr>
+            <a:cxnSpLocks noGrp="1" noRot="1" noChangeAspect="1" noMove="1" noResize="1" noEditPoints="1" noAdjustHandles="1" noChangeArrowheads="1" noChangeShapeType="1"/>
+          </p:cNvCxnSpPr>
+          <p:nvPr>
+            <p:extLst>
+              <p:ext uri="{386F3935-93C4-4BCD-93E2-E3B085C9AB24}">
+                <p16:designElem xmlns:p16="http://schemas.microsoft.com/office/powerpoint/2015/main" val="1"/>
+              </p:ext>
+            </p:extLst>
+          </p:nvPr>
+        </p:nvCxnSpPr>
+        <p:spPr>
+          <a:xfrm>
+            <a:off x="5198775" y="1847088"/>
+            <a:ext cx="5548039" cy="0"/>
+          </a:xfrm>
+          <a:prstGeom prst="line">
+            <a:avLst/>
+          </a:prstGeom>
+          <a:ln w="31750"/>
+        </p:spPr>
+        <p:style>
+          <a:lnRef idx="3">
+            <a:schemeClr val="accent1"/>
+          </a:lnRef>
+          <a:fillRef idx="0">
+            <a:schemeClr val="accent1"/>
+          </a:fillRef>
+          <a:effectRef idx="2">
+            <a:schemeClr val="accent1"/>
+          </a:effectRef>
+          <a:fontRef idx="minor">
+            <a:schemeClr val="tx1"/>
+          </a:fontRef>
+        </p:style>
+      </p:cxnSp>
       <p:sp>
         <p:nvSpPr>
           <p:cNvPr id="2" name="Title 1">
             <a:extLst>
               <a:ext uri="{FF2B5EF4-FFF2-40B4-BE49-F238E27FC236}">
-                <a16:creationId xmlns:a16="http://schemas.microsoft.com/office/drawing/2014/main" id="{EED6F1AD-ECEB-F449-A419-8BA73DD83D6F}"/>
+                <a16:creationId xmlns:a16="http://schemas.microsoft.com/office/drawing/2014/main" id="{DDAA0E26-FD0D-563D-15FE-A8EE0FE0871A}"/>
               </a:ext>
             </a:extLst>
           </p:cNvPr>
@@ -4060,8 +6612,8 @@
         </p:nvSpPr>
         <p:spPr>
           <a:xfrm>
-            <a:off x="1451579" y="804519"/>
-            <a:ext cx="9603275" cy="1049235"/>
+            <a:off x="5792643" y="804519"/>
+            <a:ext cx="6399053" cy="1049235"/>
           </a:xfrm>
         </p:spPr>
         <p:txBody>
@@ -4072,109 +6624,91 @@
           <a:p>
             <a:r>
               <a:rPr lang="en-US" dirty="0"/>
-              <a:t>Mo’ Gradients, Mo’ Problems</a:t>
-            </a:r>
-          </a:p>
-        </p:txBody>
-      </p:sp>
-      <p:sp>
-        <p:nvSpPr>
-          <p:cNvPr id="3" name="Content Placeholder 2">
+              <a:t>RNN Depiction</a:t>
+            </a:r>
+          </a:p>
+        </p:txBody>
+      </p:sp>
+      <p:sp>
+        <p:nvSpPr>
+          <p:cNvPr id="3085" name="Rectangle 3084">
             <a:extLst>
               <a:ext uri="{FF2B5EF4-FFF2-40B4-BE49-F238E27FC236}">
-                <a16:creationId xmlns:a16="http://schemas.microsoft.com/office/drawing/2014/main" id="{89BD6153-EC68-1444-9B24-FFC5B827EB06}"/>
+                <a16:creationId xmlns:a16="http://schemas.microsoft.com/office/drawing/2014/main" id="{7CAB7D27-148D-4082-B160-72FAD580D663}"/>
+              </a:ext>
+              <a:ext uri="{C183D7F6-B498-43B3-948B-1728B52AA6E4}">
+                <adec:decorative xmlns:adec="http://schemas.microsoft.com/office/drawing/2017/decorative" val="1"/>
               </a:ext>
             </a:extLst>
           </p:cNvPr>
           <p:cNvSpPr>
-            <a:spLocks noGrp="1"/>
-          </p:cNvSpPr>
-          <p:nvPr>
-            <p:ph idx="1"/>
+            <a:spLocks noGrp="1" noRot="1" noChangeAspect="1" noMove="1" noResize="1" noEditPoints="1" noAdjustHandles="1" noChangeArrowheads="1" noChangeShapeType="1" noTextEdit="1"/>
+          </p:cNvSpPr>
+          <p:nvPr>
+            <p:extLst>
+              <p:ext uri="{386F3935-93C4-4BCD-93E2-E3B085C9AB24}">
+                <p16:designElem xmlns:p16="http://schemas.microsoft.com/office/powerpoint/2015/main" val="1"/>
+              </p:ext>
+            </p:extLst>
           </p:nvPr>
         </p:nvSpPr>
         <p:spPr>
           <a:xfrm>
-            <a:off x="211023" y="2015734"/>
-            <a:ext cx="6089193" cy="4267835"/>
-          </a:xfrm>
-        </p:spPr>
-        <p:txBody>
-          <a:bodyPr>
-            <a:normAutofit/>
-          </a:bodyPr>
-          <a:lstStyle/>
-          <a:p>
-            <a:pPr>
-              <a:lnSpc>
-                <a:spcPct val="110000"/>
-              </a:lnSpc>
-            </a:pPr>
-            <a:r>
-              <a:rPr lang="en-US" dirty="0"/>
-              <a:t>RNNs can run into issues with the gradients getting too large or too small. </a:t>
-            </a:r>
-          </a:p>
-          <a:p>
-            <a:pPr lvl="1">
-              <a:lnSpc>
-                <a:spcPct val="110000"/>
-              </a:lnSpc>
-            </a:pPr>
-            <a:r>
-              <a:rPr lang="en-US" sz="2000" dirty="0"/>
-              <a:t>Exploding or vanishing gradients. </a:t>
-            </a:r>
-          </a:p>
-          <a:p>
-            <a:pPr>
-              <a:lnSpc>
-                <a:spcPct val="110000"/>
-              </a:lnSpc>
-            </a:pPr>
-            <a:r>
-              <a:rPr lang="en-US" dirty="0"/>
-              <a:t>Vanishing gradients commonly occur with deeper models. </a:t>
-            </a:r>
-          </a:p>
-          <a:p>
-            <a:pPr>
-              <a:lnSpc>
-                <a:spcPct val="110000"/>
-              </a:lnSpc>
-            </a:pPr>
-            <a:r>
-              <a:rPr lang="en-US" dirty="0"/>
-              <a:t>As gradients get extremely small, learning updates stop.</a:t>
-            </a:r>
-          </a:p>
-          <a:p>
-            <a:pPr>
-              <a:lnSpc>
-                <a:spcPct val="110000"/>
-              </a:lnSpc>
-            </a:pPr>
-            <a:endParaRPr lang="en-US" dirty="0"/>
-          </a:p>
-          <a:p>
-            <a:pPr>
-              <a:lnSpc>
-                <a:spcPct val="110000"/>
-              </a:lnSpc>
-            </a:pPr>
-            <a:r>
-              <a:rPr lang="en-US" dirty="0"/>
-              <a:t>Solution – Long Short-Term Memory</a:t>
-            </a:r>
+            <a:off x="0" y="2019476"/>
+            <a:ext cx="12192000" cy="4105941"/>
+          </a:xfrm>
+          <a:prstGeom prst="rect">
+            <a:avLst/>
+          </a:prstGeom>
+          <a:gradFill flip="none" rotWithShape="1">
+            <a:gsLst>
+              <a:gs pos="0">
+                <a:schemeClr val="bg2">
+                  <a:alpha val="0"/>
+                </a:schemeClr>
+              </a:gs>
+              <a:gs pos="100000">
+                <a:schemeClr val="bg2"/>
+              </a:gs>
+            </a:gsLst>
+            <a:lin ang="5400000" scaled="0"/>
+            <a:tileRect/>
+          </a:gradFill>
+          <a:ln>
+            <a:noFill/>
+          </a:ln>
+        </p:spPr>
+        <p:style>
+          <a:lnRef idx="2">
+            <a:schemeClr val="accent1">
+              <a:shade val="50000"/>
+            </a:schemeClr>
+          </a:lnRef>
+          <a:fillRef idx="1">
+            <a:schemeClr val="accent1"/>
+          </a:fillRef>
+          <a:effectRef idx="0">
+            <a:schemeClr val="accent1"/>
+          </a:effectRef>
+          <a:fontRef idx="minor">
+            <a:schemeClr val="lt1"/>
+          </a:fontRef>
+        </p:style>
+        <p:txBody>
+          <a:bodyPr rtlCol="0" anchor="ctr"/>
+          <a:lstStyle/>
+          <a:p>
+            <a:pPr lvl="0" algn="ctr"/>
+            <a:endParaRPr lang="en-US"/>
           </a:p>
         </p:txBody>
       </p:sp>
       <p:pic>
         <p:nvPicPr>
-          <p:cNvPr id="7170" name="Picture 2" descr="Neural networks struggle with long term dependencies.">
+          <p:cNvPr id="3074" name="Picture 2" descr="Recurring Neural Networks">
             <a:extLst>
               <a:ext uri="{FF2B5EF4-FFF2-40B4-BE49-F238E27FC236}">
-                <a16:creationId xmlns:a16="http://schemas.microsoft.com/office/drawing/2014/main" id="{89B504F7-AEAD-A649-B254-B3DB81A0B145}"/>
+                <a16:creationId xmlns:a16="http://schemas.microsoft.com/office/drawing/2014/main" id="{831397B1-1719-10EA-12AD-EAAD59E610D0}"/>
               </a:ext>
             </a:extLst>
           </p:cNvPr>
@@ -4197,8 +6731,8 @@
         </p:blipFill>
         <p:spPr bwMode="auto">
           <a:xfrm>
-            <a:off x="7020534" y="3159684"/>
-            <a:ext cx="4960443" cy="1711351"/>
+            <a:off x="-301" y="0"/>
+            <a:ext cx="5792945" cy="3301978"/>
           </a:xfrm>
           <a:prstGeom prst="rect">
             <a:avLst/>
@@ -4215,10 +6749,208 @@
           </a:extLst>
         </p:spPr>
       </p:pic>
+      <p:sp>
+        <p:nvSpPr>
+          <p:cNvPr id="3" name="Content Placeholder 2">
+            <a:extLst>
+              <a:ext uri="{FF2B5EF4-FFF2-40B4-BE49-F238E27FC236}">
+                <a16:creationId xmlns:a16="http://schemas.microsoft.com/office/drawing/2014/main" id="{8B9916E6-3F3F-5EE8-E460-7F755E45D4C3}"/>
+              </a:ext>
+            </a:extLst>
+          </p:cNvPr>
+          <p:cNvSpPr>
+            <a:spLocks noGrp="1"/>
+          </p:cNvSpPr>
+          <p:nvPr>
+            <p:ph idx="1"/>
+          </p:nvPr>
+        </p:nvSpPr>
+        <p:spPr>
+          <a:xfrm>
+            <a:off x="5792643" y="2015732"/>
+            <a:ext cx="6167709" cy="3836428"/>
+          </a:xfrm>
+        </p:spPr>
+        <p:txBody>
+          <a:bodyPr>
+            <a:normAutofit/>
+          </a:bodyPr>
+          <a:lstStyle/>
+          <a:p>
+            <a:r>
+              <a:rPr lang="en-US" dirty="0"/>
+              <a:t>We can picture this by contrasting to a regular (feed forward) network. </a:t>
+            </a:r>
+          </a:p>
+          <a:p>
+            <a:r>
+              <a:rPr lang="en-US" dirty="0"/>
+              <a:t>In a normal network, each prediction is independent. </a:t>
+            </a:r>
+          </a:p>
+          <a:p>
+            <a:r>
+              <a:rPr lang="en-US" dirty="0"/>
+              <a:t>In a RNN, each informs the next. </a:t>
+            </a:r>
+          </a:p>
+          <a:p>
+            <a:pPr lvl="1"/>
+            <a:r>
+              <a:rPr lang="en-US" dirty="0"/>
+              <a:t>If dealing with time series data, this makes sense. </a:t>
+            </a:r>
+          </a:p>
+        </p:txBody>
+      </p:sp>
+      <p:pic>
+        <p:nvPicPr>
+          <p:cNvPr id="3087" name="Picture 3086">
+            <a:extLst>
+              <a:ext uri="{FF2B5EF4-FFF2-40B4-BE49-F238E27FC236}">
+                <a16:creationId xmlns:a16="http://schemas.microsoft.com/office/drawing/2014/main" id="{CD88FC76-F691-462A-BCF9-0BA4F5DE6D71}"/>
+              </a:ext>
+              <a:ext uri="{C183D7F6-B498-43B3-948B-1728B52AA6E4}">
+                <adec:decorative xmlns:adec="http://schemas.microsoft.com/office/drawing/2017/decorative" val="1"/>
+              </a:ext>
+            </a:extLst>
+          </p:cNvPr>
+          <p:cNvPicPr>
+            <a:picLocks noGrp="1" noRot="1" noChangeAspect="1" noMove="1" noResize="1" noEditPoints="1" noAdjustHandles="1" noChangeArrowheads="1" noChangeShapeType="1" noCrop="1"/>
+          </p:cNvPicPr>
+          <p:nvPr>
+            <p:extLst>
+              <p:ext uri="{386F3935-93C4-4BCD-93E2-E3B085C9AB24}">
+                <p16:designElem xmlns:p16="http://schemas.microsoft.com/office/powerpoint/2015/main" val="1"/>
+              </p:ext>
+            </p:extLst>
+          </p:nvPr>
+        </p:nvPicPr>
+        <p:blipFill rotWithShape="1">
+          <a:blip r:embed="rId3">
+            <a:extLst>
+              <a:ext uri="{28A0092B-C50C-407E-A947-70E740481C1C}">
+                <a14:useLocalDpi xmlns:a14="http://schemas.microsoft.com/office/drawing/2010/main" val="0"/>
+              </a:ext>
+            </a:extLst>
+          </a:blip>
+          <a:srcRect t="1538" b="-1538"/>
+          <a:stretch/>
+        </p:blipFill>
+        <p:spPr bwMode="black">
+          <a:xfrm>
+            <a:off x="0" y="6126480"/>
+            <a:ext cx="12192000" cy="742950"/>
+          </a:xfrm>
+          <a:prstGeom prst="rect">
+            <a:avLst/>
+          </a:prstGeom>
+        </p:spPr>
+      </p:pic>
+      <p:cxnSp>
+        <p:nvCxnSpPr>
+          <p:cNvPr id="3089" name="Straight Connector 3088">
+            <a:extLst>
+              <a:ext uri="{FF2B5EF4-FFF2-40B4-BE49-F238E27FC236}">
+                <a16:creationId xmlns:a16="http://schemas.microsoft.com/office/drawing/2014/main" id="{33204A7E-B7E9-42D0-9DC4-B82FDC8C4BCC}"/>
+              </a:ext>
+              <a:ext uri="{C183D7F6-B498-43B3-948B-1728B52AA6E4}">
+                <adec:decorative xmlns:adec="http://schemas.microsoft.com/office/drawing/2017/decorative" val="1"/>
+              </a:ext>
+            </a:extLst>
+          </p:cNvPr>
+          <p:cNvCxnSpPr>
+            <a:cxnSpLocks noGrp="1" noRot="1" noChangeAspect="1" noMove="1" noResize="1" noEditPoints="1" noAdjustHandles="1" noChangeArrowheads="1" noChangeShapeType="1"/>
+          </p:cNvCxnSpPr>
+          <p:nvPr>
+            <p:extLst>
+              <p:ext uri="{386F3935-93C4-4BCD-93E2-E3B085C9AB24}">
+                <p16:designElem xmlns:p16="http://schemas.microsoft.com/office/powerpoint/2015/main" val="1"/>
+              </p:ext>
+            </p:extLst>
+          </p:nvPr>
+        </p:nvCxnSpPr>
+        <p:spPr>
+          <a:xfrm>
+            <a:off x="0" y="6128413"/>
+            <a:ext cx="12192000" cy="0"/>
+          </a:xfrm>
+          <a:prstGeom prst="line">
+            <a:avLst/>
+          </a:prstGeom>
+          <a:ln w="12700">
+            <a:solidFill>
+              <a:srgbClr val="000001">
+                <a:alpha val="20000"/>
+              </a:srgbClr>
+            </a:solidFill>
+          </a:ln>
+        </p:spPr>
+        <p:style>
+          <a:lnRef idx="1">
+            <a:schemeClr val="accent1"/>
+          </a:lnRef>
+          <a:fillRef idx="0">
+            <a:schemeClr val="accent1"/>
+          </a:fillRef>
+          <a:effectRef idx="0">
+            <a:schemeClr val="accent1"/>
+          </a:effectRef>
+          <a:fontRef idx="minor">
+            <a:schemeClr val="tx1"/>
+          </a:fontRef>
+        </p:style>
+      </p:cxnSp>
+      <p:pic>
+        <p:nvPicPr>
+          <p:cNvPr id="3076" name="Picture 4" descr="Recurring Neural Networks">
+            <a:extLst>
+              <a:ext uri="{FF2B5EF4-FFF2-40B4-BE49-F238E27FC236}">
+                <a16:creationId xmlns:a16="http://schemas.microsoft.com/office/drawing/2014/main" id="{CCE630F0-3D51-0115-FB94-662F73513450}"/>
+              </a:ext>
+            </a:extLst>
+          </p:cNvPr>
+          <p:cNvPicPr>
+            <a:picLocks noChangeAspect="1" noChangeArrowheads="1"/>
+          </p:cNvPicPr>
+          <p:nvPr/>
+        </p:nvPicPr>
+        <p:blipFill>
+          <a:blip r:embed="rId4">
+            <a:extLst>
+              <a:ext uri="{28A0092B-C50C-407E-A947-70E740481C1C}">
+                <a14:useLocalDpi xmlns:a14="http://schemas.microsoft.com/office/drawing/2010/main" val="0"/>
+              </a:ext>
+            </a:extLst>
+          </a:blip>
+          <a:stretch>
+            <a:fillRect/>
+          </a:stretch>
+        </p:blipFill>
+        <p:spPr bwMode="auto">
+          <a:xfrm>
+            <a:off x="0" y="3301978"/>
+            <a:ext cx="5792945" cy="3388871"/>
+          </a:xfrm>
+          <a:prstGeom prst="rect">
+            <a:avLst/>
+          </a:prstGeom>
+          <a:noFill/>
+          <a:extLst>
+            <a:ext uri="{909E8E84-426E-40DD-AFC4-6F175D3DCCD1}">
+              <a14:hiddenFill xmlns:a14="http://schemas.microsoft.com/office/drawing/2010/main">
+                <a:solidFill>
+                  <a:srgbClr val="FFFFFF"/>
+                </a:solidFill>
+              </a14:hiddenFill>
+            </a:ext>
+          </a:extLst>
+        </p:spPr>
+      </p:pic>
     </p:spTree>
     <p:extLst>
       <p:ext uri="{BB962C8B-B14F-4D97-AF65-F5344CB8AC3E}">
-        <p14:creationId xmlns:p14="http://schemas.microsoft.com/office/powerpoint/2010/main" val="723991813"/>
+        <p14:creationId xmlns:p14="http://schemas.microsoft.com/office/powerpoint/2010/main" val="3694270261"/>
       </p:ext>
     </p:extLst>
   </p:cSld>
@@ -4228,7 +6960,7 @@
 </p:sld>
 </file>
 
-<file path=ppt/slides/slide4.xml><?xml version="1.0" encoding="utf-8"?>
+<file path=ppt/slides/slide5.xml><?xml version="1.0" encoding="utf-8"?>
 <p:sld xmlns:a="http://schemas.openxmlformats.org/drawingml/2006/main" xmlns:r="http://schemas.openxmlformats.org/officeDocument/2006/relationships" xmlns:p="http://schemas.openxmlformats.org/presentationml/2006/main">
   <p:cSld>
     <p:spTree>
@@ -4250,7 +6982,7 @@
           <p:cNvPr id="2" name="Title 1">
             <a:extLst>
               <a:ext uri="{FF2B5EF4-FFF2-40B4-BE49-F238E27FC236}">
-                <a16:creationId xmlns:a16="http://schemas.microsoft.com/office/drawing/2014/main" id="{DCEA25D7-B275-8C46-BDC5-2257486457A2}"/>
+                <a16:creationId xmlns:a16="http://schemas.microsoft.com/office/drawing/2014/main" id="{64222455-46CE-5A8C-5703-50EE067F2EC2}"/>
               </a:ext>
             </a:extLst>
           </p:cNvPr>
@@ -4268,7 +7000,7 @@
           <a:p>
             <a:r>
               <a:rPr lang="en-US" dirty="0"/>
-              <a:t>Long Short-Term Memory</a:t>
+              <a:t>RNN Basic Structure</a:t>
             </a:r>
           </a:p>
         </p:txBody>
@@ -4278,7 +7010,7 @@
           <p:cNvPr id="3" name="Content Placeholder 2">
             <a:extLst>
               <a:ext uri="{FF2B5EF4-FFF2-40B4-BE49-F238E27FC236}">
-                <a16:creationId xmlns:a16="http://schemas.microsoft.com/office/drawing/2014/main" id="{A8AE9C63-4627-0143-8679-7D0454698F6A}"/>
+                <a16:creationId xmlns:a16="http://schemas.microsoft.com/office/drawing/2014/main" id="{297B6C79-10D5-1913-8ECF-5C4D925D9FB3}"/>
               </a:ext>
             </a:extLst>
           </p:cNvPr>
@@ -4289,78 +7021,19 @@
             <p:ph idx="1"/>
           </p:nvPr>
         </p:nvSpPr>
-        <p:spPr>
-          <a:xfrm>
-            <a:off x="1451579" y="2015732"/>
-            <a:ext cx="9603275" cy="4284484"/>
-          </a:xfrm>
-        </p:spPr>
-        <p:txBody>
-          <a:bodyPr>
-            <a:normAutofit/>
-          </a:bodyPr>
-          <a:lstStyle/>
-          <a:p>
-            <a:r>
-              <a:rPr lang="en-US" dirty="0"/>
-              <a:t>LSTM models are a commonly used type of RNN. </a:t>
-            </a:r>
-          </a:p>
-          <a:p>
-            <a:r>
-              <a:rPr lang="en-US" dirty="0"/>
-              <a:t>LSTMs can avoid the gradient issues. </a:t>
-            </a:r>
-          </a:p>
-          <a:p>
-            <a:r>
-              <a:rPr lang="en-US" dirty="0"/>
-              <a:t>LSTMs retain a bunch of data – their long memory. </a:t>
-            </a:r>
-          </a:p>
-          <a:p>
-            <a:pPr lvl="1"/>
-            <a:r>
-              <a:rPr lang="en-US" dirty="0"/>
-              <a:t>“Look back” period of N previous records. </a:t>
-            </a:r>
-          </a:p>
-          <a:p>
-            <a:r>
-              <a:rPr lang="en-US" dirty="0"/>
-              <a:t>At a basic level, the output of an LSTM at a particular point in time is dependent on three things:</a:t>
-            </a:r>
-          </a:p>
-          <a:p>
-            <a:pPr lvl="1"/>
-            <a:r>
-              <a:rPr lang="en-US" dirty="0"/>
-              <a:t>The current long-term memory of the network — known as the cell state.</a:t>
-            </a:r>
-          </a:p>
-          <a:p>
-            <a:pPr lvl="1"/>
-            <a:r>
-              <a:rPr lang="en-US" dirty="0"/>
-              <a:t>The output at the previous point in time — known as the previous hidden state.</a:t>
-            </a:r>
-          </a:p>
-          <a:p>
-            <a:pPr lvl="1"/>
-            <a:r>
-              <a:rPr lang="en-US" dirty="0"/>
-              <a:t>The input data at the current time step</a:t>
-            </a:r>
-          </a:p>
-          <a:p>
-            <a:endParaRPr lang="en-US" dirty="0"/>
+        <p:spPr/>
+        <p:txBody>
+          <a:bodyPr/>
+          <a:lstStyle/>
+          <a:p>
+            <a:endParaRPr lang="en-US"/>
           </a:p>
         </p:txBody>
       </p:sp>
     </p:spTree>
     <p:extLst>
       <p:ext uri="{BB962C8B-B14F-4D97-AF65-F5344CB8AC3E}">
-        <p14:creationId xmlns:p14="http://schemas.microsoft.com/office/powerpoint/2010/main" val="3118498386"/>
+        <p14:creationId xmlns:p14="http://schemas.microsoft.com/office/powerpoint/2010/main" val="2563414199"/>
       </p:ext>
     </p:extLst>
   </p:cSld>
@@ -4370,33 +7043,9 @@
 </p:sld>
 </file>
 
-<file path=ppt/slides/slide5.xml><?xml version="1.0" encoding="utf-8"?>
+<file path=ppt/slides/slide6.xml><?xml version="1.0" encoding="utf-8"?>
 <p:sld xmlns:a="http://schemas.openxmlformats.org/drawingml/2006/main" xmlns:r="http://schemas.openxmlformats.org/officeDocument/2006/relationships" xmlns:p="http://schemas.openxmlformats.org/presentationml/2006/main">
   <p:cSld>
-    <p:bg>
-      <p:bgPr>
-        <a:gradFill rotWithShape="1">
-          <a:gsLst>
-            <a:gs pos="0">
-              <a:schemeClr val="bg2">
-                <a:tint val="94000"/>
-                <a:satMod val="80000"/>
-                <a:lumMod val="106000"/>
-              </a:schemeClr>
-            </a:gs>
-            <a:gs pos="100000">
-              <a:schemeClr val="bg2">
-                <a:shade val="80000"/>
-              </a:schemeClr>
-            </a:gs>
-          </a:gsLst>
-          <a:path path="circle">
-            <a:fillToRect l="43000" r="43000" b="100000"/>
-          </a:path>
-        </a:gradFill>
-        <a:effectLst/>
-      </p:bgPr>
-    </p:bg>
     <p:spTree>
       <p:nvGrpSpPr>
         <p:cNvPr id="1" name=""/>
@@ -4416,7 +7065,7 @@
           <p:cNvPr id="2" name="Title 1">
             <a:extLst>
               <a:ext uri="{FF2B5EF4-FFF2-40B4-BE49-F238E27FC236}">
-                <a16:creationId xmlns:a16="http://schemas.microsoft.com/office/drawing/2014/main" id="{7774CA1C-6EBF-724B-93C9-5E0C0698533A}"/>
+                <a16:creationId xmlns:a16="http://schemas.microsoft.com/office/drawing/2014/main" id="{D566D637-0104-B464-1650-69AA9AA62959}"/>
               </a:ext>
             </a:extLst>
           </p:cNvPr>
@@ -4427,22 +7076,12 @@
             <p:ph type="title"/>
           </p:nvPr>
         </p:nvSpPr>
-        <p:spPr>
-          <a:xfrm>
-            <a:off x="1451579" y="804519"/>
-            <a:ext cx="9603275" cy="1049235"/>
-          </a:xfrm>
-        </p:spPr>
-        <p:txBody>
-          <a:bodyPr>
-            <a:normAutofit/>
-          </a:bodyPr>
-          <a:lstStyle/>
-          <a:p>
-            <a:r>
-              <a:rPr lang="en-US" dirty="0"/>
-              <a:t>Forget Gate</a:t>
-            </a:r>
+        <p:spPr/>
+        <p:txBody>
+          <a:bodyPr/>
+          <a:lstStyle/>
+          <a:p>
+            <a:endParaRPr lang="en-US" dirty="0"/>
           </a:p>
         </p:txBody>
       </p:sp>
@@ -4451,7 +7090,7 @@
           <p:cNvPr id="3" name="Content Placeholder 2">
             <a:extLst>
               <a:ext uri="{FF2B5EF4-FFF2-40B4-BE49-F238E27FC236}">
-                <a16:creationId xmlns:a16="http://schemas.microsoft.com/office/drawing/2014/main" id="{D8A4C8BD-8C07-B44A-9A03-1CA3D3379450}"/>
+                <a16:creationId xmlns:a16="http://schemas.microsoft.com/office/drawing/2014/main" id="{0D9C6F81-4B62-E27C-4D46-2C0AFA3D7D1E}"/>
               </a:ext>
             </a:extLst>
           </p:cNvPr>
@@ -4462,88 +7101,19 @@
             <p:ph idx="1"/>
           </p:nvPr>
         </p:nvSpPr>
-        <p:spPr>
-          <a:xfrm>
-            <a:off x="117231" y="2015734"/>
-            <a:ext cx="4407877" cy="4037747"/>
-          </a:xfrm>
-        </p:spPr>
-        <p:txBody>
-          <a:bodyPr>
-            <a:normAutofit/>
-          </a:bodyPr>
-          <a:lstStyle/>
-          <a:p>
-            <a:r>
-              <a:rPr lang="en-CA" dirty="0"/>
-              <a:t>The forget gate decides what information should be thrown away or kept. </a:t>
-            </a:r>
-          </a:p>
-          <a:p>
-            <a:r>
-              <a:rPr lang="en-CA" dirty="0"/>
-              <a:t>Information from the previous hidden state and information from the current input is passed through the sigmoid function. </a:t>
-            </a:r>
-          </a:p>
-          <a:p>
-            <a:r>
-              <a:rPr lang="en-CA" dirty="0"/>
-              <a:t>Values come out between 0 and 1. The closer to 0 means to forget, and the closer to 1 means to keep.</a:t>
-            </a:r>
-            <a:endParaRPr lang="en-US" dirty="0"/>
-          </a:p>
-        </p:txBody>
-      </p:sp>
-      <p:pic>
-        <p:nvPicPr>
-          <p:cNvPr id="2052" name="Picture 4">
-            <a:extLst>
-              <a:ext uri="{FF2B5EF4-FFF2-40B4-BE49-F238E27FC236}">
-                <a16:creationId xmlns:a16="http://schemas.microsoft.com/office/drawing/2014/main" id="{15A7B40F-4591-5443-9487-CBE07A075C31}"/>
-              </a:ext>
-            </a:extLst>
-          </p:cNvPr>
-          <p:cNvPicPr>
-            <a:picLocks noChangeAspect="1" noChangeArrowheads="1"/>
-          </p:cNvPicPr>
-          <p:nvPr/>
-        </p:nvPicPr>
-        <p:blipFill>
-          <a:blip r:embed="rId2">
-            <a:extLst>
-              <a:ext uri="{28A0092B-C50C-407E-A947-70E740481C1C}">
-                <a14:useLocalDpi xmlns:a14="http://schemas.microsoft.com/office/drawing/2010/main" val="0"/>
-              </a:ext>
-            </a:extLst>
-          </a:blip>
-          <a:stretch>
-            <a:fillRect/>
-          </a:stretch>
-        </p:blipFill>
-        <p:spPr bwMode="auto">
-          <a:xfrm>
-            <a:off x="4486382" y="1589330"/>
-            <a:ext cx="7671721" cy="4037747"/>
-          </a:xfrm>
-          <a:prstGeom prst="rect">
-            <a:avLst/>
-          </a:prstGeom>
-          <a:noFill/>
-          <a:extLst>
-            <a:ext uri="{909E8E84-426E-40DD-AFC4-6F175D3DCCD1}">
-              <a14:hiddenFill xmlns:a14="http://schemas.microsoft.com/office/drawing/2010/main">
-                <a:solidFill>
-                  <a:srgbClr val="FFFFFF"/>
-                </a:solidFill>
-              </a14:hiddenFill>
-            </a:ext>
-          </a:extLst>
-        </p:spPr>
-      </p:pic>
+        <p:spPr/>
+        <p:txBody>
+          <a:bodyPr/>
+          <a:lstStyle/>
+          <a:p>
+            <a:endParaRPr lang="en-US"/>
+          </a:p>
+        </p:txBody>
+      </p:sp>
     </p:spTree>
     <p:extLst>
       <p:ext uri="{BB962C8B-B14F-4D97-AF65-F5344CB8AC3E}">
-        <p14:creationId xmlns:p14="http://schemas.microsoft.com/office/powerpoint/2010/main" val="2858938085"/>
+        <p14:creationId xmlns:p14="http://schemas.microsoft.com/office/powerpoint/2010/main" val="3368922919"/>
       </p:ext>
     </p:extLst>
   </p:cSld>
@@ -4553,33 +7123,9 @@
 </p:sld>
 </file>
 
-<file path=ppt/slides/slide6.xml><?xml version="1.0" encoding="utf-8"?>
-<p:sld xmlns:a="http://schemas.openxmlformats.org/drawingml/2006/main" xmlns:r="http://schemas.openxmlformats.org/officeDocument/2006/relationships" xmlns:p="http://schemas.openxmlformats.org/presentationml/2006/main">
+<file path=ppt/slides/slide7.xml><?xml version="1.0" encoding="utf-8"?>
+<p:sld xmlns:a="http://schemas.openxmlformats.org/drawingml/2006/main" xmlns:r="http://schemas.openxmlformats.org/officeDocument/2006/relationships" xmlns:p="http://schemas.openxmlformats.org/presentationml/2006/main" show="0">
   <p:cSld>
-    <p:bg>
-      <p:bgPr>
-        <a:gradFill rotWithShape="1">
-          <a:gsLst>
-            <a:gs pos="0">
-              <a:schemeClr val="bg2">
-                <a:tint val="94000"/>
-                <a:satMod val="80000"/>
-                <a:lumMod val="106000"/>
-              </a:schemeClr>
-            </a:gs>
-            <a:gs pos="100000">
-              <a:schemeClr val="bg2">
-                <a:shade val="80000"/>
-              </a:schemeClr>
-            </a:gs>
-          </a:gsLst>
-          <a:path path="circle">
-            <a:fillToRect l="43000" r="43000" b="100000"/>
-          </a:path>
-        </a:gradFill>
-        <a:effectLst/>
-      </p:bgPr>
-    </p:bg>
     <p:spTree>
       <p:nvGrpSpPr>
         <p:cNvPr id="1" name=""/>
@@ -4599,7 +7145,7 @@
           <p:cNvPr id="2" name="Title 1">
             <a:extLst>
               <a:ext uri="{FF2B5EF4-FFF2-40B4-BE49-F238E27FC236}">
-                <a16:creationId xmlns:a16="http://schemas.microsoft.com/office/drawing/2014/main" id="{2E1F3B22-99AD-6C4F-9831-5CF3512BB3BB}"/>
+                <a16:creationId xmlns:a16="http://schemas.microsoft.com/office/drawing/2014/main" id="{BC984981-B975-3959-EF48-AB4698A476EB}"/>
               </a:ext>
             </a:extLst>
           </p:cNvPr>
@@ -4610,31 +7156,46 @@
             <p:ph type="title"/>
           </p:nvPr>
         </p:nvSpPr>
-        <p:spPr>
-          <a:xfrm>
-            <a:off x="1451579" y="804519"/>
-            <a:ext cx="9603275" cy="1049235"/>
-          </a:xfrm>
-        </p:spPr>
-        <p:txBody>
-          <a:bodyPr>
-            <a:normAutofit/>
-          </a:bodyPr>
-          <a:lstStyle/>
-          <a:p>
-            <a:r>
-              <a:rPr lang="en-US" dirty="0"/>
-              <a:t>Input Gate</a:t>
-            </a:r>
+        <p:spPr/>
+        <p:txBody>
+          <a:bodyPr/>
+          <a:lstStyle/>
+          <a:p>
+            <a:endParaRPr lang="en-US"/>
+          </a:p>
+        </p:txBody>
+      </p:sp>
+      <p:sp>
+        <p:nvSpPr>
+          <p:cNvPr id="3" name="Content Placeholder 2">
+            <a:extLst>
+              <a:ext uri="{FF2B5EF4-FFF2-40B4-BE49-F238E27FC236}">
+                <a16:creationId xmlns:a16="http://schemas.microsoft.com/office/drawing/2014/main" id="{6CEEF2D2-AE1F-6E09-0AA8-B474F31C7ECF}"/>
+              </a:ext>
+            </a:extLst>
+          </p:cNvPr>
+          <p:cNvSpPr>
+            <a:spLocks noGrp="1"/>
+          </p:cNvSpPr>
+          <p:nvPr>
+            <p:ph idx="1"/>
+          </p:nvPr>
+        </p:nvSpPr>
+        <p:spPr/>
+        <p:txBody>
+          <a:bodyPr/>
+          <a:lstStyle/>
+          <a:p>
+            <a:endParaRPr lang="en-US"/>
           </a:p>
         </p:txBody>
       </p:sp>
       <p:pic>
         <p:nvPicPr>
-          <p:cNvPr id="3074" name="Picture 2">
+          <p:cNvPr id="4" name="Picture 2">
             <a:extLst>
               <a:ext uri="{FF2B5EF4-FFF2-40B4-BE49-F238E27FC236}">
-                <a16:creationId xmlns:a16="http://schemas.microsoft.com/office/drawing/2014/main" id="{B379EDC6-315D-0C4F-83EF-48C2210ACD81}"/>
+                <a16:creationId xmlns:a16="http://schemas.microsoft.com/office/drawing/2014/main" id="{8A7239A8-F06F-41F7-CE66-3E158DE4E3B5}"/>
               </a:ext>
             </a:extLst>
           </p:cNvPr>
@@ -4651,14 +7212,15 @@
               </a:ext>
             </a:extLst>
           </a:blip>
+          <a:srcRect/>
           <a:stretch>
             <a:fillRect/>
           </a:stretch>
         </p:blipFill>
         <p:spPr bwMode="auto">
           <a:xfrm>
-            <a:off x="-52472" y="1853754"/>
-            <a:ext cx="6727591" cy="3186753"/>
+            <a:off x="1484366" y="3340100"/>
+            <a:ext cx="9537700" cy="3517900"/>
           </a:xfrm>
           <a:prstGeom prst="rect">
             <a:avLst/>
@@ -4675,241 +7237,10 @@
           </a:extLst>
         </p:spPr>
       </p:pic>
-      <p:sp>
-        <p:nvSpPr>
-          <p:cNvPr id="3" name="Content Placeholder 2">
-            <a:extLst>
-              <a:ext uri="{FF2B5EF4-FFF2-40B4-BE49-F238E27FC236}">
-                <a16:creationId xmlns:a16="http://schemas.microsoft.com/office/drawing/2014/main" id="{CFE5F14A-379D-F143-9FD2-E0F41282014C}"/>
-              </a:ext>
-            </a:extLst>
-          </p:cNvPr>
-          <p:cNvSpPr>
-            <a:spLocks noGrp="1"/>
-          </p:cNvSpPr>
-          <p:nvPr>
-            <p:ph idx="1"/>
-          </p:nvPr>
-        </p:nvSpPr>
-        <p:spPr>
-          <a:xfrm>
-            <a:off x="6675119" y="2015734"/>
-            <a:ext cx="5516881" cy="4220474"/>
-          </a:xfrm>
-        </p:spPr>
-        <p:txBody>
-          <a:bodyPr>
-            <a:normAutofit fontScale="92500" lnSpcReduction="10000"/>
-          </a:bodyPr>
-          <a:lstStyle/>
-          <a:p>
-            <a:r>
-              <a:rPr lang="en-CA" dirty="0"/>
-              <a:t>To update the cell state, we have the input gate.</a:t>
-            </a:r>
-          </a:p>
-          <a:p>
-            <a:r>
-              <a:rPr lang="en-CA" dirty="0"/>
-              <a:t>We pass the previous hidden state and current input into a sigmoid function. </a:t>
-            </a:r>
-          </a:p>
-          <a:p>
-            <a:pPr lvl="1"/>
-            <a:r>
-              <a:rPr lang="en-CA" dirty="0"/>
-              <a:t>Decides which values will be updated by transforming the values to be between 0 and 1.</a:t>
-            </a:r>
-          </a:p>
-          <a:p>
-            <a:r>
-              <a:rPr lang="en-CA" dirty="0"/>
-              <a:t>Also pass the hidden state and current input into the tanh function to squish values between -1 and 1 to help regulate the network. </a:t>
-            </a:r>
-          </a:p>
-          <a:p>
-            <a:r>
-              <a:rPr lang="en-CA" dirty="0"/>
-              <a:t>Multiply the tanh output with the sigmoid output. The sigmoid output will decide which information is important to keep from the tanh output.</a:t>
-            </a:r>
-            <a:endParaRPr lang="en-US" dirty="0"/>
-          </a:p>
-        </p:txBody>
-      </p:sp>
     </p:spTree>
     <p:extLst>
       <p:ext uri="{BB962C8B-B14F-4D97-AF65-F5344CB8AC3E}">
-        <p14:creationId xmlns:p14="http://schemas.microsoft.com/office/powerpoint/2010/main" val="2074351286"/>
-      </p:ext>
-    </p:extLst>
-  </p:cSld>
-  <p:clrMapOvr>
-    <a:masterClrMapping/>
-  </p:clrMapOvr>
-</p:sld>
-</file>
-
-<file path=ppt/slides/slide7.xml><?xml version="1.0" encoding="utf-8"?>
-<p:sld xmlns:a="http://schemas.openxmlformats.org/drawingml/2006/main" xmlns:r="http://schemas.openxmlformats.org/officeDocument/2006/relationships" xmlns:p="http://schemas.openxmlformats.org/presentationml/2006/main">
-  <p:cSld>
-    <p:bg>
-      <p:bgPr>
-        <a:gradFill rotWithShape="1">
-          <a:gsLst>
-            <a:gs pos="0">
-              <a:schemeClr val="bg2">
-                <a:tint val="94000"/>
-                <a:satMod val="80000"/>
-                <a:lumMod val="106000"/>
-              </a:schemeClr>
-            </a:gs>
-            <a:gs pos="100000">
-              <a:schemeClr val="bg2">
-                <a:shade val="80000"/>
-              </a:schemeClr>
-            </a:gs>
-          </a:gsLst>
-          <a:path path="circle">
-            <a:fillToRect l="43000" r="43000" b="100000"/>
-          </a:path>
-        </a:gradFill>
-        <a:effectLst/>
-      </p:bgPr>
-    </p:bg>
-    <p:spTree>
-      <p:nvGrpSpPr>
-        <p:cNvPr id="1" name=""/>
-        <p:cNvGrpSpPr/>
-        <p:nvPr/>
-      </p:nvGrpSpPr>
-      <p:grpSpPr>
-        <a:xfrm>
-          <a:off x="0" y="0"/>
-          <a:ext cx="0" cy="0"/>
-          <a:chOff x="0" y="0"/>
-          <a:chExt cx="0" cy="0"/>
-        </a:xfrm>
-      </p:grpSpPr>
-      <p:sp>
-        <p:nvSpPr>
-          <p:cNvPr id="2" name="Title 1">
-            <a:extLst>
-              <a:ext uri="{FF2B5EF4-FFF2-40B4-BE49-F238E27FC236}">
-                <a16:creationId xmlns:a16="http://schemas.microsoft.com/office/drawing/2014/main" id="{A29187E4-6EAD-3C43-9C40-A4867D0E1766}"/>
-              </a:ext>
-            </a:extLst>
-          </p:cNvPr>
-          <p:cNvSpPr>
-            <a:spLocks noGrp="1"/>
-          </p:cNvSpPr>
-          <p:nvPr>
-            <p:ph type="title"/>
-          </p:nvPr>
-        </p:nvSpPr>
-        <p:spPr>
-          <a:xfrm>
-            <a:off x="1451579" y="804519"/>
-            <a:ext cx="9603275" cy="1049235"/>
-          </a:xfrm>
-        </p:spPr>
-        <p:txBody>
-          <a:bodyPr>
-            <a:normAutofit/>
-          </a:bodyPr>
-          <a:lstStyle/>
-          <a:p>
-            <a:r>
-              <a:rPr lang="en-US" dirty="0"/>
-              <a:t>Cell State</a:t>
-            </a:r>
-          </a:p>
-        </p:txBody>
-      </p:sp>
-      <p:pic>
-        <p:nvPicPr>
-          <p:cNvPr id="4098" name="Picture 2">
-            <a:extLst>
-              <a:ext uri="{FF2B5EF4-FFF2-40B4-BE49-F238E27FC236}">
-                <a16:creationId xmlns:a16="http://schemas.microsoft.com/office/drawing/2014/main" id="{28A75F62-F7BE-A047-B162-71F63AC63638}"/>
-              </a:ext>
-            </a:extLst>
-          </p:cNvPr>
-          <p:cNvPicPr>
-            <a:picLocks noChangeAspect="1" noChangeArrowheads="1"/>
-          </p:cNvPicPr>
-          <p:nvPr/>
-        </p:nvPicPr>
-        <p:blipFill>
-          <a:blip r:embed="rId2">
-            <a:extLst>
-              <a:ext uri="{28A0092B-C50C-407E-A947-70E740481C1C}">
-                <a14:useLocalDpi xmlns:a14="http://schemas.microsoft.com/office/drawing/2010/main" val="0"/>
-              </a:ext>
-            </a:extLst>
-          </a:blip>
-          <a:stretch>
-            <a:fillRect/>
-          </a:stretch>
-        </p:blipFill>
-        <p:spPr bwMode="auto">
-          <a:xfrm>
-            <a:off x="0" y="1671672"/>
-            <a:ext cx="8940795" cy="4705681"/>
-          </a:xfrm>
-          <a:prstGeom prst="rect">
-            <a:avLst/>
-          </a:prstGeom>
-          <a:noFill/>
-          <a:extLst>
-            <a:ext uri="{909E8E84-426E-40DD-AFC4-6F175D3DCCD1}">
-              <a14:hiddenFill xmlns:a14="http://schemas.microsoft.com/office/drawing/2010/main">
-                <a:solidFill>
-                  <a:srgbClr val="FFFFFF"/>
-                </a:solidFill>
-              </a14:hiddenFill>
-            </a:ext>
-          </a:extLst>
-        </p:spPr>
-      </p:pic>
-      <p:sp>
-        <p:nvSpPr>
-          <p:cNvPr id="3" name="Content Placeholder 2">
-            <a:extLst>
-              <a:ext uri="{FF2B5EF4-FFF2-40B4-BE49-F238E27FC236}">
-                <a16:creationId xmlns:a16="http://schemas.microsoft.com/office/drawing/2014/main" id="{3AEF97F2-AA9A-014A-B011-591F3E23DA2C}"/>
-              </a:ext>
-            </a:extLst>
-          </p:cNvPr>
-          <p:cNvSpPr>
-            <a:spLocks noGrp="1"/>
-          </p:cNvSpPr>
-          <p:nvPr>
-            <p:ph idx="1"/>
-          </p:nvPr>
-        </p:nvSpPr>
-        <p:spPr>
-          <a:xfrm>
-            <a:off x="9132277" y="2015734"/>
-            <a:ext cx="2965938" cy="3450613"/>
-          </a:xfrm>
-        </p:spPr>
-        <p:txBody>
-          <a:bodyPr>
-            <a:normAutofit/>
-          </a:bodyPr>
-          <a:lstStyle/>
-          <a:p>
-            <a:r>
-              <a:rPr lang="en-US" dirty="0"/>
-              <a:t>The forget and input results are combined to generate a current state. </a:t>
-            </a:r>
-          </a:p>
-        </p:txBody>
-      </p:sp>
-    </p:spTree>
-    <p:extLst>
-      <p:ext uri="{BB962C8B-B14F-4D97-AF65-F5344CB8AC3E}">
-        <p14:creationId xmlns:p14="http://schemas.microsoft.com/office/powerpoint/2010/main" val="3014552781"/>
+        <p14:creationId xmlns:p14="http://schemas.microsoft.com/office/powerpoint/2010/main" val="1352610008"/>
       </p:ext>
     </p:extLst>
   </p:cSld>
@@ -4965,7 +7296,7 @@
           <p:cNvPr id="2" name="Title 1">
             <a:extLst>
               <a:ext uri="{FF2B5EF4-FFF2-40B4-BE49-F238E27FC236}">
-                <a16:creationId xmlns:a16="http://schemas.microsoft.com/office/drawing/2014/main" id="{B4DC7BC2-D536-0D49-B4FE-051A551FEFCD}"/>
+                <a16:creationId xmlns:a16="http://schemas.microsoft.com/office/drawing/2014/main" id="{EED6F1AD-ECEB-F449-A419-8BA73DD83D6F}"/>
               </a:ext>
             </a:extLst>
           </p:cNvPr>
@@ -4990,17 +7321,120 @@
           <a:p>
             <a:r>
               <a:rPr lang="en-US" dirty="0"/>
-              <a:t>Output Gate</a:t>
+              <a:t>Mo’ Gradients, Mo’ Problems</a:t>
+            </a:r>
+          </a:p>
+        </p:txBody>
+      </p:sp>
+      <p:sp>
+        <p:nvSpPr>
+          <p:cNvPr id="3" name="Content Placeholder 2">
+            <a:extLst>
+              <a:ext uri="{FF2B5EF4-FFF2-40B4-BE49-F238E27FC236}">
+                <a16:creationId xmlns:a16="http://schemas.microsoft.com/office/drawing/2014/main" id="{89BD6153-EC68-1444-9B24-FFC5B827EB06}"/>
+              </a:ext>
+            </a:extLst>
+          </p:cNvPr>
+          <p:cNvSpPr>
+            <a:spLocks noGrp="1"/>
+          </p:cNvSpPr>
+          <p:nvPr>
+            <p:ph idx="1"/>
+          </p:nvPr>
+        </p:nvSpPr>
+        <p:spPr>
+          <a:xfrm>
+            <a:off x="211023" y="2015734"/>
+            <a:ext cx="6809511" cy="4267835"/>
+          </a:xfrm>
+        </p:spPr>
+        <p:txBody>
+          <a:bodyPr>
+            <a:normAutofit/>
+          </a:bodyPr>
+          <a:lstStyle/>
+          <a:p>
+            <a:pPr>
+              <a:lnSpc>
+                <a:spcPct val="110000"/>
+              </a:lnSpc>
+            </a:pPr>
+            <a:r>
+              <a:rPr lang="en-US" dirty="0"/>
+              <a:t>RNNs can run into issues with the gradients getting too large or too small. </a:t>
+            </a:r>
+          </a:p>
+          <a:p>
+            <a:pPr lvl="1">
+              <a:lnSpc>
+                <a:spcPct val="110000"/>
+              </a:lnSpc>
+            </a:pPr>
+            <a:r>
+              <a:rPr lang="en-US" sz="2000" dirty="0"/>
+              <a:t>Exploding or vanishing gradients. </a:t>
+            </a:r>
+          </a:p>
+          <a:p>
+            <a:pPr>
+              <a:lnSpc>
+                <a:spcPct val="110000"/>
+              </a:lnSpc>
+            </a:pPr>
+            <a:r>
+              <a:rPr lang="en-US" dirty="0"/>
+              <a:t>Vanishing gradients commonly occur with deeper models. </a:t>
+            </a:r>
+          </a:p>
+          <a:p>
+            <a:pPr>
+              <a:lnSpc>
+                <a:spcPct val="110000"/>
+              </a:lnSpc>
+            </a:pPr>
+            <a:r>
+              <a:rPr lang="en-US" dirty="0"/>
+              <a:t>The longer the memory, the more risk of vanishing.</a:t>
+            </a:r>
+          </a:p>
+          <a:p>
+            <a:pPr>
+              <a:lnSpc>
+                <a:spcPct val="110000"/>
+              </a:lnSpc>
+            </a:pPr>
+            <a:r>
+              <a:rPr lang="en-US" dirty="0"/>
+              <a:t>As gradients get extremely small, learning updates stop.</a:t>
+            </a:r>
+          </a:p>
+          <a:p>
+            <a:pPr>
+              <a:lnSpc>
+                <a:spcPct val="110000"/>
+              </a:lnSpc>
+            </a:pPr>
+            <a:endParaRPr lang="en-US" dirty="0"/>
+          </a:p>
+          <a:p>
+            <a:pPr>
+              <a:lnSpc>
+                <a:spcPct val="110000"/>
+              </a:lnSpc>
+            </a:pPr>
+            <a:r>
+              <a:rPr lang="en-US" dirty="0"/>
+              <a:t>Solution – Long Short-Term Memory</a:t>
             </a:r>
           </a:p>
         </p:txBody>
       </p:sp>
       <p:pic>
         <p:nvPicPr>
-          <p:cNvPr id="5122" name="Picture 2">
+          <p:cNvPr id="7170" name="Picture 2" descr="Neural networks struggle with long term dependencies.">
             <a:extLst>
               <a:ext uri="{FF2B5EF4-FFF2-40B4-BE49-F238E27FC236}">
-                <a16:creationId xmlns:a16="http://schemas.microsoft.com/office/drawing/2014/main" id="{98E57864-9357-F44B-9C4D-E53505FB4D1E}"/>
+                <a16:creationId xmlns:a16="http://schemas.microsoft.com/office/drawing/2014/main" id="{89B504F7-AEAD-A649-B254-B3DB81A0B145}"/>
               </a:ext>
             </a:extLst>
           </p:cNvPr>
@@ -5023,8 +7457,8 @@
         </p:blipFill>
         <p:spPr bwMode="auto">
           <a:xfrm>
-            <a:off x="-52472" y="1853754"/>
-            <a:ext cx="7767913" cy="3679537"/>
+            <a:off x="7020534" y="3159684"/>
+            <a:ext cx="4960443" cy="1711351"/>
           </a:xfrm>
           <a:prstGeom prst="rect">
             <a:avLst/>
@@ -5041,69 +7475,10 @@
           </a:extLst>
         </p:spPr>
       </p:pic>
-      <p:sp>
-        <p:nvSpPr>
-          <p:cNvPr id="3" name="Content Placeholder 2">
-            <a:extLst>
-              <a:ext uri="{FF2B5EF4-FFF2-40B4-BE49-F238E27FC236}">
-                <a16:creationId xmlns:a16="http://schemas.microsoft.com/office/drawing/2014/main" id="{F7B0AFC8-D06B-9B45-8BCA-F6AA1773FFF9}"/>
-              </a:ext>
-            </a:extLst>
-          </p:cNvPr>
-          <p:cNvSpPr>
-            <a:spLocks noGrp="1"/>
-          </p:cNvSpPr>
-          <p:nvPr>
-            <p:ph idx="1"/>
-          </p:nvPr>
-        </p:nvSpPr>
-        <p:spPr>
-          <a:xfrm>
-            <a:off x="7784123" y="1853755"/>
-            <a:ext cx="4407877" cy="4406368"/>
-          </a:xfrm>
-        </p:spPr>
-        <p:txBody>
-          <a:bodyPr>
-            <a:normAutofit lnSpcReduction="10000"/>
-          </a:bodyPr>
-          <a:lstStyle/>
-          <a:p>
-            <a:r>
-              <a:rPr lang="en-CA" dirty="0"/>
-              <a:t>Output gate decides what the next hidden state should be. </a:t>
-            </a:r>
-          </a:p>
-          <a:p>
-            <a:r>
-              <a:rPr lang="en-CA" dirty="0"/>
-              <a:t>Pass the previous hidden state and the current input into a sigmoid function.</a:t>
-            </a:r>
-          </a:p>
-          <a:p>
-            <a:r>
-              <a:rPr lang="en-CA" dirty="0"/>
-              <a:t>Pass the newly modified cell state to the tanh function.</a:t>
-            </a:r>
-          </a:p>
-          <a:p>
-            <a:r>
-              <a:rPr lang="en-CA" dirty="0"/>
-              <a:t>Multiply the tanh output with the sigmoid output to decide what information the hidden state should carry. </a:t>
-            </a:r>
-          </a:p>
-          <a:p>
-            <a:r>
-              <a:rPr lang="en-CA" dirty="0"/>
-              <a:t>The output is the hidden state. </a:t>
-            </a:r>
-          </a:p>
-        </p:txBody>
-      </p:sp>
     </p:spTree>
     <p:extLst>
       <p:ext uri="{BB962C8B-B14F-4D97-AF65-F5344CB8AC3E}">
-        <p14:creationId xmlns:p14="http://schemas.microsoft.com/office/powerpoint/2010/main" val="1295863029"/>
+        <p14:creationId xmlns:p14="http://schemas.microsoft.com/office/powerpoint/2010/main" val="723991813"/>
       </p:ext>
     </p:extLst>
   </p:cSld>
@@ -5135,7 +7510,7 @@
           <p:cNvPr id="2" name="Title 1">
             <a:extLst>
               <a:ext uri="{FF2B5EF4-FFF2-40B4-BE49-F238E27FC236}">
-                <a16:creationId xmlns:a16="http://schemas.microsoft.com/office/drawing/2014/main" id="{86AABFA1-2A4F-9A43-A921-78EECCCD6017}"/>
+                <a16:creationId xmlns:a16="http://schemas.microsoft.com/office/drawing/2014/main" id="{DCEA25D7-B275-8C46-BDC5-2257486457A2}"/>
               </a:ext>
             </a:extLst>
           </p:cNvPr>
@@ -5153,7 +7528,7 @@
           <a:p>
             <a:r>
               <a:rPr lang="en-US" dirty="0"/>
-              <a:t>LSTM In Effect</a:t>
+              <a:t>Long Short-Term Memory</a:t>
             </a:r>
           </a:p>
         </p:txBody>
@@ -5163,7 +7538,7 @@
           <p:cNvPr id="3" name="Content Placeholder 2">
             <a:extLst>
               <a:ext uri="{FF2B5EF4-FFF2-40B4-BE49-F238E27FC236}">
-                <a16:creationId xmlns:a16="http://schemas.microsoft.com/office/drawing/2014/main" id="{C4644EED-8FB4-5443-A418-B1008BC3906E}"/>
+                <a16:creationId xmlns:a16="http://schemas.microsoft.com/office/drawing/2014/main" id="{A8AE9C63-4627-0143-8679-7D0454698F6A}"/>
               </a:ext>
             </a:extLst>
           </p:cNvPr>
@@ -5176,72 +7551,90 @@
         </p:nvSpPr>
         <p:spPr>
           <a:xfrm>
-            <a:off x="1451579" y="2015732"/>
-            <a:ext cx="9603275" cy="4110748"/>
-          </a:xfrm>
-        </p:spPr>
-        <p:txBody>
-          <a:bodyPr/>
-          <a:lstStyle/>
-          <a:p>
-            <a:r>
-              <a:rPr lang="en-US" dirty="0"/>
-              <a:t>LSTM can “hold” information from the past. </a:t>
-            </a:r>
-          </a:p>
-          <a:p>
-            <a:r>
-              <a:rPr lang="en-US" dirty="0"/>
-              <a:t>During training, the model keeps things that are useful and forgets things less useful. </a:t>
+            <a:off x="1451579" y="1853754"/>
+            <a:ext cx="10411236" cy="4199727"/>
+          </a:xfrm>
+        </p:spPr>
+        <p:txBody>
+          <a:bodyPr>
+            <a:normAutofit lnSpcReduction="10000"/>
+          </a:bodyPr>
+          <a:lstStyle/>
+          <a:p>
+            <a:r>
+              <a:rPr lang="en-US" dirty="0"/>
+              <a:t>LSTM models are a commonly used type of RNN. </a:t>
+            </a:r>
+          </a:p>
+          <a:p>
+            <a:r>
+              <a:rPr lang="en-US" dirty="0"/>
+              <a:t>LSTMs can avoid the gradient issues. </a:t>
+            </a:r>
+          </a:p>
+          <a:p>
+            <a:r>
+              <a:rPr lang="en-US" dirty="0"/>
+              <a:t>LSTMs retain a bunch of data – their long memory. </a:t>
             </a:r>
           </a:p>
           <a:p>
             <a:pPr lvl="1"/>
             <a:r>
               <a:rPr lang="en-US" dirty="0"/>
-              <a:t>Important previous information is held. </a:t>
+              <a:t>“Look back” period of N previous records. </a:t>
+            </a:r>
+          </a:p>
+          <a:p>
+            <a:r>
+              <a:rPr lang="en-US" dirty="0"/>
+              <a:t>At a basic level, the output of an LSTM at a particular point in time is dependent on three things:</a:t>
             </a:r>
           </a:p>
           <a:p>
             <a:pPr lvl="1"/>
             <a:r>
               <a:rPr lang="en-US" dirty="0"/>
-              <a:t>Temporal awareness!</a:t>
-            </a:r>
-          </a:p>
-          <a:p>
-            <a:r>
-              <a:rPr lang="en-US" dirty="0"/>
-              <a:t>LSTMs are very good at many scenarios:</a:t>
+              <a:t>The current long-term memory of the network — known as the cell state.</a:t>
             </a:r>
           </a:p>
           <a:p>
             <a:pPr lvl="1"/>
             <a:r>
               <a:rPr lang="en-US" dirty="0"/>
-              <a:t>Time series applications. </a:t>
+              <a:t>The output at the previous point in time — known as the previous hidden state.</a:t>
             </a:r>
           </a:p>
           <a:p>
             <a:pPr lvl="1"/>
             <a:r>
               <a:rPr lang="en-US" dirty="0"/>
-              <a:t>Speech and NLP applications – e.g. translation, Google’s phone answer AI, chatbots. </a:t>
-            </a:r>
-          </a:p>
-          <a:p>
-            <a:pPr lvl="1"/>
-            <a:r>
-              <a:rPr lang="en-US" dirty="0"/>
-              <a:t>Generative models (thing GMM) – creating text from a model. </a:t>
-            </a:r>
+              <a:t>The input data at the current time step.</a:t>
+            </a:r>
+          </a:p>
+          <a:p>
+            <a:r>
+              <a:rPr lang="en-US" dirty="0"/>
+              <a:t>https://</a:t>
+            </a:r>
+            <a:r>
+              <a:rPr lang="en-US" dirty="0" err="1"/>
+              <a:t>towardsdatascience.com</a:t>
+            </a:r>
+            <a:r>
+              <a:rPr lang="en-US" dirty="0"/>
+              <a:t>/illustrated-guide-to-lstms-and-gru-s-a-step-by-step-explanation-44e9eb85bf21</a:t>
+            </a:r>
+          </a:p>
+          <a:p>
+            <a:endParaRPr lang="en-US" dirty="0"/>
           </a:p>
         </p:txBody>
       </p:sp>
     </p:spTree>
     <p:extLst>
       <p:ext uri="{BB962C8B-B14F-4D97-AF65-F5344CB8AC3E}">
-        <p14:creationId xmlns:p14="http://schemas.microsoft.com/office/powerpoint/2010/main" val="2664009584"/>
+        <p14:creationId xmlns:p14="http://schemas.microsoft.com/office/powerpoint/2010/main" val="3118498386"/>
       </p:ext>
     </p:extLst>
   </p:cSld>

--- a/reference_content/Slides/rnn_lstm.pptx
+++ b/reference_content/Slides/rnn_lstm.pptx
@@ -10,26 +10,30 @@
     <p:sldId id="267" r:id="rId4"/>
     <p:sldId id="269" r:id="rId5"/>
     <p:sldId id="270" r:id="rId6"/>
-    <p:sldId id="271" r:id="rId7"/>
-    <p:sldId id="268" r:id="rId8"/>
-    <p:sldId id="259" r:id="rId9"/>
-    <p:sldId id="258" r:id="rId10"/>
-    <p:sldId id="262" r:id="rId11"/>
-    <p:sldId id="263" r:id="rId12"/>
-    <p:sldId id="264" r:id="rId13"/>
-    <p:sldId id="265" r:id="rId14"/>
-    <p:sldId id="266" r:id="rId15"/>
-    <p:sldId id="278" r:id="rId16"/>
-    <p:sldId id="279" r:id="rId17"/>
-    <p:sldId id="261" r:id="rId18"/>
-    <p:sldId id="280" r:id="rId19"/>
-    <p:sldId id="272" r:id="rId20"/>
-    <p:sldId id="281" r:id="rId21"/>
-    <p:sldId id="277" r:id="rId22"/>
-    <p:sldId id="276" r:id="rId23"/>
-    <p:sldId id="273" r:id="rId24"/>
-    <p:sldId id="274" r:id="rId25"/>
-    <p:sldId id="275" r:id="rId26"/>
+    <p:sldId id="284" r:id="rId7"/>
+    <p:sldId id="271" r:id="rId8"/>
+    <p:sldId id="268" r:id="rId9"/>
+    <p:sldId id="259" r:id="rId10"/>
+    <p:sldId id="258" r:id="rId11"/>
+    <p:sldId id="285" r:id="rId12"/>
+    <p:sldId id="262" r:id="rId13"/>
+    <p:sldId id="263" r:id="rId14"/>
+    <p:sldId id="264" r:id="rId15"/>
+    <p:sldId id="265" r:id="rId16"/>
+    <p:sldId id="283" r:id="rId17"/>
+    <p:sldId id="286" r:id="rId18"/>
+    <p:sldId id="282" r:id="rId19"/>
+    <p:sldId id="266" r:id="rId20"/>
+    <p:sldId id="261" r:id="rId21"/>
+    <p:sldId id="280" r:id="rId22"/>
+    <p:sldId id="278" r:id="rId23"/>
+    <p:sldId id="279" r:id="rId24"/>
+    <p:sldId id="272" r:id="rId25"/>
+    <p:sldId id="281" r:id="rId26"/>
+    <p:sldId id="276" r:id="rId27"/>
+    <p:sldId id="273" r:id="rId28"/>
+    <p:sldId id="274" r:id="rId29"/>
+    <p:sldId id="275" r:id="rId30"/>
   </p:sldIdLst>
   <p:sldSz cx="12192000" cy="6858000"/>
   <p:notesSz cx="6858000" cy="9144000"/>
@@ -3718,30 +3722,6 @@
 <file path=ppt/slides/slide10.xml><?xml version="1.0" encoding="utf-8"?>
 <p:sld xmlns:a="http://schemas.openxmlformats.org/drawingml/2006/main" xmlns:r="http://schemas.openxmlformats.org/officeDocument/2006/relationships" xmlns:p="http://schemas.openxmlformats.org/presentationml/2006/main">
   <p:cSld>
-    <p:bg>
-      <p:bgPr>
-        <a:gradFill rotWithShape="1">
-          <a:gsLst>
-            <a:gs pos="0">
-              <a:schemeClr val="bg2">
-                <a:tint val="94000"/>
-                <a:satMod val="80000"/>
-                <a:lumMod val="106000"/>
-              </a:schemeClr>
-            </a:gs>
-            <a:gs pos="100000">
-              <a:schemeClr val="bg2">
-                <a:shade val="80000"/>
-              </a:schemeClr>
-            </a:gs>
-          </a:gsLst>
-          <a:path path="circle">
-            <a:fillToRect l="43000" r="43000" b="100000"/>
-          </a:path>
-        </a:gradFill>
-        <a:effectLst/>
-      </p:bgPr>
-    </p:bg>
     <p:spTree>
       <p:nvGrpSpPr>
         <p:cNvPr id="1" name=""/>
@@ -3761,7 +3741,7 @@
           <p:cNvPr id="2" name="Title 1">
             <a:extLst>
               <a:ext uri="{FF2B5EF4-FFF2-40B4-BE49-F238E27FC236}">
-                <a16:creationId xmlns:a16="http://schemas.microsoft.com/office/drawing/2014/main" id="{7774CA1C-6EBF-724B-93C9-5E0C0698533A}"/>
+                <a16:creationId xmlns:a16="http://schemas.microsoft.com/office/drawing/2014/main" id="{DCEA25D7-B275-8C46-BDC5-2257486457A2}"/>
               </a:ext>
             </a:extLst>
           </p:cNvPr>
@@ -3772,123 +3752,120 @@
             <p:ph type="title"/>
           </p:nvPr>
         </p:nvSpPr>
+        <p:spPr/>
+        <p:txBody>
+          <a:bodyPr/>
+          <a:lstStyle/>
+          <a:p>
+            <a:r>
+              <a:rPr lang="en-US" dirty="0"/>
+              <a:t>Long Short-Term Memory</a:t>
+            </a:r>
+          </a:p>
+        </p:txBody>
+      </p:sp>
+      <p:sp>
+        <p:nvSpPr>
+          <p:cNvPr id="3" name="Content Placeholder 2">
+            <a:extLst>
+              <a:ext uri="{FF2B5EF4-FFF2-40B4-BE49-F238E27FC236}">
+                <a16:creationId xmlns:a16="http://schemas.microsoft.com/office/drawing/2014/main" id="{A8AE9C63-4627-0143-8679-7D0454698F6A}"/>
+              </a:ext>
+            </a:extLst>
+          </p:cNvPr>
+          <p:cNvSpPr>
+            <a:spLocks noGrp="1"/>
+          </p:cNvSpPr>
+          <p:nvPr>
+            <p:ph idx="1"/>
+          </p:nvPr>
+        </p:nvSpPr>
         <p:spPr>
           <a:xfrm>
-            <a:off x="1451579" y="804519"/>
-            <a:ext cx="9603275" cy="1049235"/>
+            <a:off x="1451579" y="1853754"/>
+            <a:ext cx="10411236" cy="4199727"/>
           </a:xfrm>
         </p:spPr>
         <p:txBody>
           <a:bodyPr>
-            <a:normAutofit/>
+            <a:normAutofit lnSpcReduction="10000"/>
           </a:bodyPr>
           <a:lstStyle/>
           <a:p>
             <a:r>
               <a:rPr lang="en-US" dirty="0"/>
-              <a:t>Forget Gate</a:t>
-            </a:r>
-          </a:p>
-        </p:txBody>
-      </p:sp>
-      <p:sp>
-        <p:nvSpPr>
-          <p:cNvPr id="3" name="Content Placeholder 2">
-            <a:extLst>
-              <a:ext uri="{FF2B5EF4-FFF2-40B4-BE49-F238E27FC236}">
-                <a16:creationId xmlns:a16="http://schemas.microsoft.com/office/drawing/2014/main" id="{D8A4C8BD-8C07-B44A-9A03-1CA3D3379450}"/>
-              </a:ext>
-            </a:extLst>
-          </p:cNvPr>
-          <p:cNvSpPr>
-            <a:spLocks noGrp="1"/>
-          </p:cNvSpPr>
-          <p:nvPr>
-            <p:ph idx="1"/>
-          </p:nvPr>
-        </p:nvSpPr>
-        <p:spPr>
-          <a:xfrm>
-            <a:off x="117231" y="2015734"/>
-            <a:ext cx="4407877" cy="4037747"/>
-          </a:xfrm>
-        </p:spPr>
-        <p:txBody>
-          <a:bodyPr>
-            <a:normAutofit/>
-          </a:bodyPr>
-          <a:lstStyle/>
-          <a:p>
-            <a:r>
-              <a:rPr lang="en-CA" dirty="0"/>
-              <a:t>The forget gate decides what information should be thrown away or kept. </a:t>
-            </a:r>
-          </a:p>
-          <a:p>
-            <a:r>
-              <a:rPr lang="en-CA" dirty="0"/>
-              <a:t>Information from the previous hidden state and information from the current input is passed through the sigmoid function. </a:t>
-            </a:r>
-          </a:p>
-          <a:p>
-            <a:r>
-              <a:rPr lang="en-CA" dirty="0"/>
-              <a:t>Values come out between 0 and 1. The closer to 0 means to forget, and the closer to 1 means to keep.</a:t>
-            </a:r>
+              <a:t>LSTM models are a commonly used type of RNN. </a:t>
+            </a:r>
+          </a:p>
+          <a:p>
+            <a:r>
+              <a:rPr lang="en-US" dirty="0"/>
+              <a:t>LSTMs can avoid the gradient issues. </a:t>
+            </a:r>
+          </a:p>
+          <a:p>
+            <a:r>
+              <a:rPr lang="en-US" dirty="0"/>
+              <a:t>LSTMs retain a bunch of data – their long memory. </a:t>
+            </a:r>
+          </a:p>
+          <a:p>
+            <a:pPr lvl="1"/>
+            <a:r>
+              <a:rPr lang="en-US" dirty="0"/>
+              <a:t>“Look back” period of N previous records. </a:t>
+            </a:r>
+          </a:p>
+          <a:p>
+            <a:r>
+              <a:rPr lang="en-US" dirty="0"/>
+              <a:t>At a basic level, the output of an LSTM at a particular point in time is dependent on three things:</a:t>
+            </a:r>
+          </a:p>
+          <a:p>
+            <a:pPr lvl="1"/>
+            <a:r>
+              <a:rPr lang="en-US" dirty="0"/>
+              <a:t>The current long-term memory of the network — known as the cell state.</a:t>
+            </a:r>
+          </a:p>
+          <a:p>
+            <a:pPr lvl="1"/>
+            <a:r>
+              <a:rPr lang="en-US" dirty="0"/>
+              <a:t>The output at the previous point in time — known as the previous hidden state.</a:t>
+            </a:r>
+          </a:p>
+          <a:p>
+            <a:pPr lvl="1"/>
+            <a:r>
+              <a:rPr lang="en-US" dirty="0"/>
+              <a:t>The input data at the current time step.</a:t>
+            </a:r>
+          </a:p>
+          <a:p>
+            <a:r>
+              <a:rPr lang="en-US" dirty="0"/>
+              <a:t>https://</a:t>
+            </a:r>
+            <a:r>
+              <a:rPr lang="en-US" dirty="0" err="1"/>
+              <a:t>towardsdatascience.com</a:t>
+            </a:r>
+            <a:r>
+              <a:rPr lang="en-US" dirty="0"/>
+              <a:t>/illustrated-guide-to-lstms-and-gru-s-a-step-by-step-explanation-44e9eb85bf21</a:t>
+            </a:r>
+          </a:p>
+          <a:p>
             <a:endParaRPr lang="en-US" dirty="0"/>
           </a:p>
         </p:txBody>
       </p:sp>
-      <p:pic>
-        <p:nvPicPr>
-          <p:cNvPr id="2052" name="Picture 4">
-            <a:extLst>
-              <a:ext uri="{FF2B5EF4-FFF2-40B4-BE49-F238E27FC236}">
-                <a16:creationId xmlns:a16="http://schemas.microsoft.com/office/drawing/2014/main" id="{15A7B40F-4591-5443-9487-CBE07A075C31}"/>
-              </a:ext>
-            </a:extLst>
-          </p:cNvPr>
-          <p:cNvPicPr>
-            <a:picLocks noChangeAspect="1" noChangeArrowheads="1"/>
-          </p:cNvPicPr>
-          <p:nvPr/>
-        </p:nvPicPr>
-        <p:blipFill>
-          <a:blip r:embed="rId2">
-            <a:extLst>
-              <a:ext uri="{28A0092B-C50C-407E-A947-70E740481C1C}">
-                <a14:useLocalDpi xmlns:a14="http://schemas.microsoft.com/office/drawing/2010/main" val="0"/>
-              </a:ext>
-            </a:extLst>
-          </a:blip>
-          <a:stretch>
-            <a:fillRect/>
-          </a:stretch>
-        </p:blipFill>
-        <p:spPr bwMode="auto">
-          <a:xfrm>
-            <a:off x="4486382" y="1589330"/>
-            <a:ext cx="7671721" cy="4037747"/>
-          </a:xfrm>
-          <a:prstGeom prst="rect">
-            <a:avLst/>
-          </a:prstGeom>
-          <a:noFill/>
-          <a:extLst>
-            <a:ext uri="{909E8E84-426E-40DD-AFC4-6F175D3DCCD1}">
-              <a14:hiddenFill xmlns:a14="http://schemas.microsoft.com/office/drawing/2010/main">
-                <a:solidFill>
-                  <a:srgbClr val="FFFFFF"/>
-                </a:solidFill>
-              </a14:hiddenFill>
-            </a:ext>
-          </a:extLst>
-        </p:spPr>
-      </p:pic>
     </p:spTree>
     <p:extLst>
       <p:ext uri="{BB962C8B-B14F-4D97-AF65-F5344CB8AC3E}">
-        <p14:creationId xmlns:p14="http://schemas.microsoft.com/office/powerpoint/2010/main" val="2858938085"/>
+        <p14:creationId xmlns:p14="http://schemas.microsoft.com/office/powerpoint/2010/main" val="3118498386"/>
       </p:ext>
     </p:extLst>
   </p:cSld>
@@ -3901,30 +3878,6 @@
 <file path=ppt/slides/slide11.xml><?xml version="1.0" encoding="utf-8"?>
 <p:sld xmlns:a="http://schemas.openxmlformats.org/drawingml/2006/main" xmlns:r="http://schemas.openxmlformats.org/officeDocument/2006/relationships" xmlns:p="http://schemas.openxmlformats.org/presentationml/2006/main">
   <p:cSld>
-    <p:bg>
-      <p:bgPr>
-        <a:gradFill rotWithShape="1">
-          <a:gsLst>
-            <a:gs pos="0">
-              <a:schemeClr val="bg2">
-                <a:tint val="94000"/>
-                <a:satMod val="80000"/>
-                <a:lumMod val="106000"/>
-              </a:schemeClr>
-            </a:gs>
-            <a:gs pos="100000">
-              <a:schemeClr val="bg2">
-                <a:shade val="80000"/>
-              </a:schemeClr>
-            </a:gs>
-          </a:gsLst>
-          <a:path path="circle">
-            <a:fillToRect l="43000" r="43000" b="100000"/>
-          </a:path>
-        </a:gradFill>
-        <a:effectLst/>
-      </p:bgPr>
-    </p:bg>
     <p:spTree>
       <p:nvGrpSpPr>
         <p:cNvPr id="1" name=""/>
@@ -3944,7 +3897,7 @@
           <p:cNvPr id="2" name="Title 1">
             <a:extLst>
               <a:ext uri="{FF2B5EF4-FFF2-40B4-BE49-F238E27FC236}">
-                <a16:creationId xmlns:a16="http://schemas.microsoft.com/office/drawing/2014/main" id="{2E1F3B22-99AD-6C4F-9831-5CF3512BB3BB}"/>
+                <a16:creationId xmlns:a16="http://schemas.microsoft.com/office/drawing/2014/main" id="{5059659F-D188-7A07-E5A5-6F7E12C517DE}"/>
               </a:ext>
             </a:extLst>
           </p:cNvPr>
@@ -3955,31 +3908,46 @@
             <p:ph type="title"/>
           </p:nvPr>
         </p:nvSpPr>
-        <p:spPr>
-          <a:xfrm>
-            <a:off x="1451579" y="804519"/>
-            <a:ext cx="9603275" cy="1049235"/>
-          </a:xfrm>
-        </p:spPr>
-        <p:txBody>
-          <a:bodyPr>
-            <a:normAutofit/>
-          </a:bodyPr>
-          <a:lstStyle/>
-          <a:p>
-            <a:r>
-              <a:rPr lang="en-US" dirty="0"/>
-              <a:t>Input Gate</a:t>
-            </a:r>
+        <p:spPr/>
+        <p:txBody>
+          <a:bodyPr/>
+          <a:lstStyle/>
+          <a:p>
+            <a:endParaRPr lang="en-US"/>
+          </a:p>
+        </p:txBody>
+      </p:sp>
+      <p:sp>
+        <p:nvSpPr>
+          <p:cNvPr id="3" name="Content Placeholder 2">
+            <a:extLst>
+              <a:ext uri="{FF2B5EF4-FFF2-40B4-BE49-F238E27FC236}">
+                <a16:creationId xmlns:a16="http://schemas.microsoft.com/office/drawing/2014/main" id="{FE29790D-277B-BCAC-2D27-6675311924AD}"/>
+              </a:ext>
+            </a:extLst>
+          </p:cNvPr>
+          <p:cNvSpPr>
+            <a:spLocks noGrp="1"/>
+          </p:cNvSpPr>
+          <p:nvPr>
+            <p:ph idx="1"/>
+          </p:nvPr>
+        </p:nvSpPr>
+        <p:spPr/>
+        <p:txBody>
+          <a:bodyPr/>
+          <a:lstStyle/>
+          <a:p>
+            <a:endParaRPr lang="en-US"/>
           </a:p>
         </p:txBody>
       </p:sp>
       <p:pic>
         <p:nvPicPr>
-          <p:cNvPr id="3074" name="Picture 2">
+          <p:cNvPr id="12290" name="Picture 2" descr="The structure of the Long Short-Term Memory (LSTM) neural network.... |  Download Scientific Diagram">
             <a:extLst>
               <a:ext uri="{FF2B5EF4-FFF2-40B4-BE49-F238E27FC236}">
-                <a16:creationId xmlns:a16="http://schemas.microsoft.com/office/drawing/2014/main" id="{B379EDC6-315D-0C4F-83EF-48C2210ACD81}"/>
+                <a16:creationId xmlns:a16="http://schemas.microsoft.com/office/drawing/2014/main" id="{779DEFB7-8151-3462-C1B1-F0FCB621E57D}"/>
               </a:ext>
             </a:extLst>
           </p:cNvPr>
@@ -3996,14 +3964,15 @@
               </a:ext>
             </a:extLst>
           </a:blip>
+          <a:srcRect/>
           <a:stretch>
             <a:fillRect/>
           </a:stretch>
         </p:blipFill>
         <p:spPr bwMode="auto">
           <a:xfrm>
-            <a:off x="-52472" y="1853754"/>
-            <a:ext cx="6727591" cy="3186753"/>
+            <a:off x="2008188" y="0"/>
+            <a:ext cx="8175625" cy="6858000"/>
           </a:xfrm>
           <a:prstGeom prst="rect">
             <a:avLst/>
@@ -4020,71 +3989,10 @@
           </a:extLst>
         </p:spPr>
       </p:pic>
-      <p:sp>
-        <p:nvSpPr>
-          <p:cNvPr id="3" name="Content Placeholder 2">
-            <a:extLst>
-              <a:ext uri="{FF2B5EF4-FFF2-40B4-BE49-F238E27FC236}">
-                <a16:creationId xmlns:a16="http://schemas.microsoft.com/office/drawing/2014/main" id="{CFE5F14A-379D-F143-9FD2-E0F41282014C}"/>
-              </a:ext>
-            </a:extLst>
-          </p:cNvPr>
-          <p:cNvSpPr>
-            <a:spLocks noGrp="1"/>
-          </p:cNvSpPr>
-          <p:nvPr>
-            <p:ph idx="1"/>
-          </p:nvPr>
-        </p:nvSpPr>
-        <p:spPr>
-          <a:xfrm>
-            <a:off x="6675119" y="2015734"/>
-            <a:ext cx="5516881" cy="4220474"/>
-          </a:xfrm>
-        </p:spPr>
-        <p:txBody>
-          <a:bodyPr>
-            <a:normAutofit fontScale="92500" lnSpcReduction="10000"/>
-          </a:bodyPr>
-          <a:lstStyle/>
-          <a:p>
-            <a:r>
-              <a:rPr lang="en-CA" dirty="0"/>
-              <a:t>To update the cell state, we have the input gate.</a:t>
-            </a:r>
-          </a:p>
-          <a:p>
-            <a:r>
-              <a:rPr lang="en-CA" dirty="0"/>
-              <a:t>We pass the previous hidden state and current input into a sigmoid function. </a:t>
-            </a:r>
-          </a:p>
-          <a:p>
-            <a:pPr lvl="1"/>
-            <a:r>
-              <a:rPr lang="en-CA" dirty="0"/>
-              <a:t>Decides which values will be updated by transforming the values to be between 0 and 1.</a:t>
-            </a:r>
-          </a:p>
-          <a:p>
-            <a:r>
-              <a:rPr lang="en-CA" dirty="0"/>
-              <a:t>Also pass the hidden state and current input into the tanh function to squish values between -1 and 1 to help regulate the network. </a:t>
-            </a:r>
-          </a:p>
-          <a:p>
-            <a:r>
-              <a:rPr lang="en-CA" dirty="0"/>
-              <a:t>Multiply the tanh output with the sigmoid output. The sigmoid output will decide which information is important to keep from the tanh output.</a:t>
-            </a:r>
-            <a:endParaRPr lang="en-US" dirty="0"/>
-          </a:p>
-        </p:txBody>
-      </p:sp>
     </p:spTree>
     <p:extLst>
       <p:ext uri="{BB962C8B-B14F-4D97-AF65-F5344CB8AC3E}">
-        <p14:creationId xmlns:p14="http://schemas.microsoft.com/office/powerpoint/2010/main" val="2074351286"/>
+        <p14:creationId xmlns:p14="http://schemas.microsoft.com/office/powerpoint/2010/main" val="2579418603"/>
       </p:ext>
     </p:extLst>
   </p:cSld>
@@ -4140,7 +4048,7 @@
           <p:cNvPr id="2" name="Title 1">
             <a:extLst>
               <a:ext uri="{FF2B5EF4-FFF2-40B4-BE49-F238E27FC236}">
-                <a16:creationId xmlns:a16="http://schemas.microsoft.com/office/drawing/2014/main" id="{A29187E4-6EAD-3C43-9C40-A4867D0E1766}"/>
+                <a16:creationId xmlns:a16="http://schemas.microsoft.com/office/drawing/2014/main" id="{7774CA1C-6EBF-724B-93C9-5E0C0698533A}"/>
               </a:ext>
             </a:extLst>
           </p:cNvPr>
@@ -4165,17 +4073,65 @@
           <a:p>
             <a:r>
               <a:rPr lang="en-US" dirty="0"/>
-              <a:t>Cell State</a:t>
-            </a:r>
+              <a:t>Forget Gate</a:t>
+            </a:r>
+          </a:p>
+        </p:txBody>
+      </p:sp>
+      <p:sp>
+        <p:nvSpPr>
+          <p:cNvPr id="3" name="Content Placeholder 2">
+            <a:extLst>
+              <a:ext uri="{FF2B5EF4-FFF2-40B4-BE49-F238E27FC236}">
+                <a16:creationId xmlns:a16="http://schemas.microsoft.com/office/drawing/2014/main" id="{D8A4C8BD-8C07-B44A-9A03-1CA3D3379450}"/>
+              </a:ext>
+            </a:extLst>
+          </p:cNvPr>
+          <p:cNvSpPr>
+            <a:spLocks noGrp="1"/>
+          </p:cNvSpPr>
+          <p:nvPr>
+            <p:ph idx="1"/>
+          </p:nvPr>
+        </p:nvSpPr>
+        <p:spPr>
+          <a:xfrm>
+            <a:off x="117231" y="2015734"/>
+            <a:ext cx="4407877" cy="4037747"/>
+          </a:xfrm>
+        </p:spPr>
+        <p:txBody>
+          <a:bodyPr>
+            <a:normAutofit/>
+          </a:bodyPr>
+          <a:lstStyle/>
+          <a:p>
+            <a:r>
+              <a:rPr lang="en-CA" dirty="0"/>
+              <a:t>The forget gate decides what information should be thrown away or kept. </a:t>
+            </a:r>
+          </a:p>
+          <a:p>
+            <a:r>
+              <a:rPr lang="en-CA" dirty="0"/>
+              <a:t>Information from the previous hidden state and information from the current input is passed through the sigmoid function. </a:t>
+            </a:r>
+          </a:p>
+          <a:p>
+            <a:r>
+              <a:rPr lang="en-CA" dirty="0"/>
+              <a:t>Values come out between 0 and 1. The closer to 0 means to forget, and the closer to 1 means to keep.</a:t>
+            </a:r>
+            <a:endParaRPr lang="en-US" dirty="0"/>
           </a:p>
         </p:txBody>
       </p:sp>
       <p:pic>
         <p:nvPicPr>
-          <p:cNvPr id="4098" name="Picture 2">
+          <p:cNvPr id="2052" name="Picture 4">
             <a:extLst>
               <a:ext uri="{FF2B5EF4-FFF2-40B4-BE49-F238E27FC236}">
-                <a16:creationId xmlns:a16="http://schemas.microsoft.com/office/drawing/2014/main" id="{28A75F62-F7BE-A047-B162-71F63AC63638}"/>
+                <a16:creationId xmlns:a16="http://schemas.microsoft.com/office/drawing/2014/main" id="{15A7B40F-4591-5443-9487-CBE07A075C31}"/>
               </a:ext>
             </a:extLst>
           </p:cNvPr>
@@ -4198,8 +4154,8 @@
         </p:blipFill>
         <p:spPr bwMode="auto">
           <a:xfrm>
-            <a:off x="0" y="1671672"/>
-            <a:ext cx="8940795" cy="4705681"/>
+            <a:off x="4525108" y="2823301"/>
+            <a:ext cx="7671721" cy="4037747"/>
           </a:xfrm>
           <a:prstGeom prst="rect">
             <a:avLst/>
@@ -4216,45 +4172,57 @@
           </a:extLst>
         </p:spPr>
       </p:pic>
-      <p:sp>
-        <p:nvSpPr>
-          <p:cNvPr id="3" name="Content Placeholder 2">
+      <p:pic>
+        <p:nvPicPr>
+          <p:cNvPr id="6146" name="Picture 2">
             <a:extLst>
               <a:ext uri="{FF2B5EF4-FFF2-40B4-BE49-F238E27FC236}">
-                <a16:creationId xmlns:a16="http://schemas.microsoft.com/office/drawing/2014/main" id="{3AEF97F2-AA9A-014A-B011-591F3E23DA2C}"/>
+                <a16:creationId xmlns:a16="http://schemas.microsoft.com/office/drawing/2014/main" id="{82E359EA-2EBF-790C-0382-2B4C61515440}"/>
               </a:ext>
             </a:extLst>
           </p:cNvPr>
-          <p:cNvSpPr>
-            <a:spLocks noGrp="1"/>
-          </p:cNvSpPr>
-          <p:nvPr>
-            <p:ph idx="1"/>
-          </p:nvPr>
-        </p:nvSpPr>
-        <p:spPr>
-          <a:xfrm>
-            <a:off x="9132277" y="2015734"/>
-            <a:ext cx="2965938" cy="3450613"/>
-          </a:xfrm>
-        </p:spPr>
-        <p:txBody>
-          <a:bodyPr>
-            <a:normAutofit/>
-          </a:bodyPr>
-          <a:lstStyle/>
-          <a:p>
-            <a:r>
-              <a:rPr lang="en-US" dirty="0"/>
-              <a:t>The forget and input results are combined to generate a current state. </a:t>
-            </a:r>
-          </a:p>
-        </p:txBody>
-      </p:sp>
+          <p:cNvPicPr>
+            <a:picLocks noChangeAspect="1" noChangeArrowheads="1"/>
+          </p:cNvPicPr>
+          <p:nvPr/>
+        </p:nvPicPr>
+        <p:blipFill>
+          <a:blip r:embed="rId3">
+            <a:extLst>
+              <a:ext uri="{28A0092B-C50C-407E-A947-70E740481C1C}">
+                <a14:useLocalDpi xmlns:a14="http://schemas.microsoft.com/office/drawing/2010/main" val="0"/>
+              </a:ext>
+            </a:extLst>
+          </a:blip>
+          <a:srcRect/>
+          <a:stretch>
+            <a:fillRect/>
+          </a:stretch>
+        </p:blipFill>
+        <p:spPr bwMode="auto">
+          <a:xfrm>
+            <a:off x="6808976" y="0"/>
+            <a:ext cx="4848075" cy="2645664"/>
+          </a:xfrm>
+          <a:prstGeom prst="rect">
+            <a:avLst/>
+          </a:prstGeom>
+          <a:noFill/>
+          <a:extLst>
+            <a:ext uri="{909E8E84-426E-40DD-AFC4-6F175D3DCCD1}">
+              <a14:hiddenFill xmlns:a14="http://schemas.microsoft.com/office/drawing/2010/main">
+                <a:solidFill>
+                  <a:srgbClr val="FFFFFF"/>
+                </a:solidFill>
+              </a14:hiddenFill>
+            </a:ext>
+          </a:extLst>
+        </p:spPr>
+      </p:pic>
     </p:spTree>
     <p:extLst>
       <p:ext uri="{BB962C8B-B14F-4D97-AF65-F5344CB8AC3E}">
-        <p14:creationId xmlns:p14="http://schemas.microsoft.com/office/powerpoint/2010/main" val="3014552781"/>
+        <p14:creationId xmlns:p14="http://schemas.microsoft.com/office/powerpoint/2010/main" val="2858938085"/>
       </p:ext>
     </p:extLst>
   </p:cSld>
@@ -4310,7 +4278,7 @@
           <p:cNvPr id="2" name="Title 1">
             <a:extLst>
               <a:ext uri="{FF2B5EF4-FFF2-40B4-BE49-F238E27FC236}">
-                <a16:creationId xmlns:a16="http://schemas.microsoft.com/office/drawing/2014/main" id="{B4DC7BC2-D536-0D49-B4FE-051A551FEFCD}"/>
+                <a16:creationId xmlns:a16="http://schemas.microsoft.com/office/drawing/2014/main" id="{2E1F3B22-99AD-6C4F-9831-5CF3512BB3BB}"/>
               </a:ext>
             </a:extLst>
           </p:cNvPr>
@@ -4335,17 +4303,17 @@
           <a:p>
             <a:r>
               <a:rPr lang="en-US" dirty="0"/>
-              <a:t>Output Gate</a:t>
+              <a:t>Input Gate</a:t>
             </a:r>
           </a:p>
         </p:txBody>
       </p:sp>
       <p:pic>
         <p:nvPicPr>
-          <p:cNvPr id="5122" name="Picture 2">
+          <p:cNvPr id="3074" name="Picture 2">
             <a:extLst>
               <a:ext uri="{FF2B5EF4-FFF2-40B4-BE49-F238E27FC236}">
-                <a16:creationId xmlns:a16="http://schemas.microsoft.com/office/drawing/2014/main" id="{98E57864-9357-F44B-9C4D-E53505FB4D1E}"/>
+                <a16:creationId xmlns:a16="http://schemas.microsoft.com/office/drawing/2014/main" id="{B379EDC6-315D-0C4F-83EF-48C2210ACD81}"/>
               </a:ext>
             </a:extLst>
           </p:cNvPr>
@@ -4369,7 +4337,7 @@
         <p:spPr bwMode="auto">
           <a:xfrm>
             <a:off x="-52472" y="1853754"/>
-            <a:ext cx="7767913" cy="3679537"/>
+            <a:ext cx="6727591" cy="3186753"/>
           </a:xfrm>
           <a:prstGeom prst="rect">
             <a:avLst/>
@@ -4391,7 +4359,7 @@
           <p:cNvPr id="3" name="Content Placeholder 2">
             <a:extLst>
               <a:ext uri="{FF2B5EF4-FFF2-40B4-BE49-F238E27FC236}">
-                <a16:creationId xmlns:a16="http://schemas.microsoft.com/office/drawing/2014/main" id="{F7B0AFC8-D06B-9B45-8BCA-F6AA1773FFF9}"/>
+                <a16:creationId xmlns:a16="http://schemas.microsoft.com/office/drawing/2014/main" id="{CFE5F14A-379D-F143-9FD2-E0F41282014C}"/>
               </a:ext>
             </a:extLst>
           </p:cNvPr>
@@ -4404,51 +4372,100 @@
         </p:nvSpPr>
         <p:spPr>
           <a:xfrm>
-            <a:off x="7784123" y="1853755"/>
-            <a:ext cx="4407877" cy="4406368"/>
+            <a:off x="6675119" y="2015734"/>
+            <a:ext cx="5516881" cy="4220474"/>
           </a:xfrm>
         </p:spPr>
         <p:txBody>
           <a:bodyPr>
-            <a:normAutofit lnSpcReduction="10000"/>
+            <a:normAutofit fontScale="92500" lnSpcReduction="10000"/>
           </a:bodyPr>
           <a:lstStyle/>
           <a:p>
             <a:r>
               <a:rPr lang="en-CA" dirty="0"/>
-              <a:t>Output gate decides what the next hidden state should be. </a:t>
+              <a:t>To update the cell state, we have the input gate.</a:t>
             </a:r>
           </a:p>
           <a:p>
             <a:r>
               <a:rPr lang="en-CA" dirty="0"/>
-              <a:t>Pass the previous hidden state and the current input into a sigmoid function.</a:t>
-            </a:r>
-          </a:p>
-          <a:p>
+              <a:t>We pass the previous hidden state and current input into a sigmoid function. </a:t>
+            </a:r>
+          </a:p>
+          <a:p>
+            <a:pPr lvl="1"/>
             <a:r>
               <a:rPr lang="en-CA" dirty="0"/>
-              <a:t>Pass the newly modified cell state to the tanh function.</a:t>
+              <a:t>Decides which values will be updated by transforming the values to be between 0 and 1.</a:t>
             </a:r>
           </a:p>
           <a:p>
             <a:r>
               <a:rPr lang="en-CA" dirty="0"/>
-              <a:t>Multiply the tanh output with the sigmoid output to decide what information the hidden state should carry. </a:t>
+              <a:t>Also pass the hidden state and current input into the tanh function to squish values between -1 and 1 to help regulate the network. </a:t>
             </a:r>
           </a:p>
           <a:p>
             <a:r>
               <a:rPr lang="en-CA" dirty="0"/>
-              <a:t>The output is the hidden state. </a:t>
-            </a:r>
-          </a:p>
-        </p:txBody>
-      </p:sp>
+              <a:t>Multiply the tanh output with the sigmoid output. The sigmoid output will decide which information is important to keep from the tanh output.</a:t>
+            </a:r>
+            <a:endParaRPr lang="en-US" dirty="0"/>
+          </a:p>
+        </p:txBody>
+      </p:sp>
+      <p:pic>
+        <p:nvPicPr>
+          <p:cNvPr id="7170" name="Picture 2">
+            <a:extLst>
+              <a:ext uri="{FF2B5EF4-FFF2-40B4-BE49-F238E27FC236}">
+                <a16:creationId xmlns:a16="http://schemas.microsoft.com/office/drawing/2014/main" id="{D7C52022-390D-E03E-E513-9DBAB021C431}"/>
+              </a:ext>
+            </a:extLst>
+          </p:cNvPr>
+          <p:cNvPicPr>
+            <a:picLocks noChangeAspect="1" noChangeArrowheads="1"/>
+          </p:cNvPicPr>
+          <p:nvPr/>
+        </p:nvPicPr>
+        <p:blipFill>
+          <a:blip r:embed="rId3">
+            <a:extLst>
+              <a:ext uri="{28A0092B-C50C-407E-A947-70E740481C1C}">
+                <a14:useLocalDpi xmlns:a14="http://schemas.microsoft.com/office/drawing/2010/main" val="0"/>
+              </a:ext>
+            </a:extLst>
+          </a:blip>
+          <a:srcRect/>
+          <a:stretch>
+            <a:fillRect/>
+          </a:stretch>
+        </p:blipFill>
+        <p:spPr bwMode="auto">
+          <a:xfrm>
+            <a:off x="7790687" y="54644"/>
+            <a:ext cx="3296799" cy="1799110"/>
+          </a:xfrm>
+          <a:prstGeom prst="rect">
+            <a:avLst/>
+          </a:prstGeom>
+          <a:noFill/>
+          <a:extLst>
+            <a:ext uri="{909E8E84-426E-40DD-AFC4-6F175D3DCCD1}">
+              <a14:hiddenFill xmlns:a14="http://schemas.microsoft.com/office/drawing/2010/main">
+                <a:solidFill>
+                  <a:srgbClr val="FFFFFF"/>
+                </a:solidFill>
+              </a14:hiddenFill>
+            </a:ext>
+          </a:extLst>
+        </p:spPr>
+      </p:pic>
     </p:spTree>
     <p:extLst>
       <p:ext uri="{BB962C8B-B14F-4D97-AF65-F5344CB8AC3E}">
-        <p14:creationId xmlns:p14="http://schemas.microsoft.com/office/powerpoint/2010/main" val="1295863029"/>
+        <p14:creationId xmlns:p14="http://schemas.microsoft.com/office/powerpoint/2010/main" val="2074351286"/>
       </p:ext>
     </p:extLst>
   </p:cSld>
@@ -4461,6 +4478,30 @@
 <file path=ppt/slides/slide14.xml><?xml version="1.0" encoding="utf-8"?>
 <p:sld xmlns:a="http://schemas.openxmlformats.org/drawingml/2006/main" xmlns:r="http://schemas.openxmlformats.org/officeDocument/2006/relationships" xmlns:p="http://schemas.openxmlformats.org/presentationml/2006/main">
   <p:cSld>
+    <p:bg>
+      <p:bgPr>
+        <a:gradFill rotWithShape="1">
+          <a:gsLst>
+            <a:gs pos="0">
+              <a:schemeClr val="bg2">
+                <a:tint val="94000"/>
+                <a:satMod val="80000"/>
+                <a:lumMod val="106000"/>
+              </a:schemeClr>
+            </a:gs>
+            <a:gs pos="100000">
+              <a:schemeClr val="bg2">
+                <a:shade val="80000"/>
+              </a:schemeClr>
+            </a:gs>
+          </a:gsLst>
+          <a:path path="circle">
+            <a:fillToRect l="43000" r="43000" b="100000"/>
+          </a:path>
+        </a:gradFill>
+        <a:effectLst/>
+      </p:bgPr>
+    </p:bg>
     <p:spTree>
       <p:nvGrpSpPr>
         <p:cNvPr id="1" name=""/>
@@ -4480,7 +4521,7 @@
           <p:cNvPr id="2" name="Title 1">
             <a:extLst>
               <a:ext uri="{FF2B5EF4-FFF2-40B4-BE49-F238E27FC236}">
-                <a16:creationId xmlns:a16="http://schemas.microsoft.com/office/drawing/2014/main" id="{86AABFA1-2A4F-9A43-A921-78EECCCD6017}"/>
+                <a16:creationId xmlns:a16="http://schemas.microsoft.com/office/drawing/2014/main" id="{A29187E4-6EAD-3C43-9C40-A4867D0E1766}"/>
               </a:ext>
             </a:extLst>
           </p:cNvPr>
@@ -4491,24 +4532,77 @@
             <p:ph type="title"/>
           </p:nvPr>
         </p:nvSpPr>
-        <p:spPr/>
-        <p:txBody>
-          <a:bodyPr/>
-          <a:lstStyle/>
-          <a:p>
-            <a:r>
-              <a:rPr lang="en-US" dirty="0"/>
-              <a:t>LSTM In Effect</a:t>
-            </a:r>
-          </a:p>
-        </p:txBody>
-      </p:sp>
+        <p:spPr>
+          <a:xfrm>
+            <a:off x="1451579" y="804519"/>
+            <a:ext cx="9603275" cy="1049235"/>
+          </a:xfrm>
+        </p:spPr>
+        <p:txBody>
+          <a:bodyPr>
+            <a:normAutofit/>
+          </a:bodyPr>
+          <a:lstStyle/>
+          <a:p>
+            <a:r>
+              <a:rPr lang="en-US" dirty="0"/>
+              <a:t>Cell State</a:t>
+            </a:r>
+          </a:p>
+        </p:txBody>
+      </p:sp>
+      <p:pic>
+        <p:nvPicPr>
+          <p:cNvPr id="4098" name="Picture 2">
+            <a:extLst>
+              <a:ext uri="{FF2B5EF4-FFF2-40B4-BE49-F238E27FC236}">
+                <a16:creationId xmlns:a16="http://schemas.microsoft.com/office/drawing/2014/main" id="{28A75F62-F7BE-A047-B162-71F63AC63638}"/>
+              </a:ext>
+            </a:extLst>
+          </p:cNvPr>
+          <p:cNvPicPr>
+            <a:picLocks noChangeAspect="1" noChangeArrowheads="1"/>
+          </p:cNvPicPr>
+          <p:nvPr/>
+        </p:nvPicPr>
+        <p:blipFill>
+          <a:blip r:embed="rId2">
+            <a:extLst>
+              <a:ext uri="{28A0092B-C50C-407E-A947-70E740481C1C}">
+                <a14:useLocalDpi xmlns:a14="http://schemas.microsoft.com/office/drawing/2010/main" val="0"/>
+              </a:ext>
+            </a:extLst>
+          </a:blip>
+          <a:stretch>
+            <a:fillRect/>
+          </a:stretch>
+        </p:blipFill>
+        <p:spPr bwMode="auto">
+          <a:xfrm>
+            <a:off x="0" y="1671672"/>
+            <a:ext cx="8940795" cy="4705681"/>
+          </a:xfrm>
+          <a:prstGeom prst="rect">
+            <a:avLst/>
+          </a:prstGeom>
+          <a:noFill/>
+          <a:extLst>
+            <a:ext uri="{909E8E84-426E-40DD-AFC4-6F175D3DCCD1}">
+              <a14:hiddenFill xmlns:a14="http://schemas.microsoft.com/office/drawing/2010/main">
+                <a:solidFill>
+                  <a:srgbClr val="FFFFFF"/>
+                </a:solidFill>
+              </a14:hiddenFill>
+            </a:ext>
+          </a:extLst>
+        </p:spPr>
+      </p:pic>
       <p:sp>
         <p:nvSpPr>
           <p:cNvPr id="3" name="Content Placeholder 2">
             <a:extLst>
               <a:ext uri="{FF2B5EF4-FFF2-40B4-BE49-F238E27FC236}">
-                <a16:creationId xmlns:a16="http://schemas.microsoft.com/office/drawing/2014/main" id="{C4644EED-8FB4-5443-A418-B1008BC3906E}"/>
+                <a16:creationId xmlns:a16="http://schemas.microsoft.com/office/drawing/2014/main" id="{3AEF97F2-AA9A-014A-B011-591F3E23DA2C}"/>
               </a:ext>
             </a:extLst>
           </p:cNvPr>
@@ -4521,78 +4615,74 @@
         </p:nvSpPr>
         <p:spPr>
           <a:xfrm>
-            <a:off x="1451579" y="1853754"/>
-            <a:ext cx="9603275" cy="4272726"/>
-          </a:xfrm>
-        </p:spPr>
-        <p:txBody>
-          <a:bodyPr/>
-          <a:lstStyle/>
-          <a:p>
-            <a:r>
-              <a:rPr lang="en-US" dirty="0"/>
-              <a:t>LSTM can “hold” information from the past. </a:t>
-            </a:r>
-          </a:p>
-          <a:p>
-            <a:r>
-              <a:rPr lang="en-US" dirty="0"/>
-              <a:t>During training, the model keeps things that are useful and forgets things less useful. </a:t>
-            </a:r>
-          </a:p>
-          <a:p>
-            <a:pPr lvl="1"/>
-            <a:r>
-              <a:rPr lang="en-US" dirty="0"/>
-              <a:t>Important previous information is held. </a:t>
-            </a:r>
-          </a:p>
-          <a:p>
-            <a:pPr lvl="1"/>
-            <a:r>
-              <a:rPr lang="en-US" dirty="0"/>
-              <a:t>Temporal awareness!</a:t>
-            </a:r>
-          </a:p>
-          <a:p>
-            <a:r>
-              <a:rPr lang="en-US" dirty="0"/>
-              <a:t>LSTMs are very good at many scenarios:</a:t>
-            </a:r>
-          </a:p>
-          <a:p>
-            <a:pPr lvl="1"/>
-            <a:r>
-              <a:rPr lang="en-US" dirty="0"/>
-              <a:t>Time series applications. </a:t>
-            </a:r>
-          </a:p>
-          <a:p>
-            <a:pPr lvl="1"/>
-            <a:r>
-              <a:rPr lang="en-US" dirty="0"/>
-              <a:t>Speech and NLP applications – e.g. translation, Google’s phone answer AI, chatbots. </a:t>
-            </a:r>
-          </a:p>
-          <a:p>
-            <a:pPr lvl="1"/>
-            <a:r>
-              <a:rPr lang="en-US" dirty="0"/>
-              <a:t>Generative models (think GMM) – creating text from a model. </a:t>
-            </a:r>
-          </a:p>
-          <a:p>
-            <a:r>
-              <a:rPr lang="en-US" dirty="0"/>
-              <a:t>Transformers have often surpassed these in practice – better able to manage state. </a:t>
-            </a:r>
-          </a:p>
-        </p:txBody>
-      </p:sp>
+            <a:off x="9132277" y="2015734"/>
+            <a:ext cx="2965938" cy="3450613"/>
+          </a:xfrm>
+        </p:spPr>
+        <p:txBody>
+          <a:bodyPr>
+            <a:normAutofit/>
+          </a:bodyPr>
+          <a:lstStyle/>
+          <a:p>
+            <a:r>
+              <a:rPr lang="en-US" dirty="0"/>
+              <a:t>The forget and input results are combined to generate a current state. </a:t>
+            </a:r>
+          </a:p>
+        </p:txBody>
+      </p:sp>
+      <p:pic>
+        <p:nvPicPr>
+          <p:cNvPr id="8194" name="Picture 2">
+            <a:extLst>
+              <a:ext uri="{FF2B5EF4-FFF2-40B4-BE49-F238E27FC236}">
+                <a16:creationId xmlns:a16="http://schemas.microsoft.com/office/drawing/2014/main" id="{BAF7E007-562B-33B3-6CB0-A7EF64283FA1}"/>
+              </a:ext>
+            </a:extLst>
+          </p:cNvPr>
+          <p:cNvPicPr>
+            <a:picLocks noChangeAspect="1" noChangeArrowheads="1"/>
+          </p:cNvPicPr>
+          <p:nvPr/>
+        </p:nvPicPr>
+        <p:blipFill>
+          <a:blip r:embed="rId3">
+            <a:extLst>
+              <a:ext uri="{28A0092B-C50C-407E-A947-70E740481C1C}">
+                <a14:useLocalDpi xmlns:a14="http://schemas.microsoft.com/office/drawing/2010/main" val="0"/>
+              </a:ext>
+            </a:extLst>
+          </a:blip>
+          <a:srcRect/>
+          <a:stretch>
+            <a:fillRect/>
+          </a:stretch>
+        </p:blipFill>
+        <p:spPr bwMode="auto">
+          <a:xfrm>
+            <a:off x="4657344" y="-118911"/>
+            <a:ext cx="3384296" cy="1846859"/>
+          </a:xfrm>
+          <a:prstGeom prst="rect">
+            <a:avLst/>
+          </a:prstGeom>
+          <a:noFill/>
+          <a:extLst>
+            <a:ext uri="{909E8E84-426E-40DD-AFC4-6F175D3DCCD1}">
+              <a14:hiddenFill xmlns:a14="http://schemas.microsoft.com/office/drawing/2010/main">
+                <a:solidFill>
+                  <a:srgbClr val="FFFFFF"/>
+                </a:solidFill>
+              </a14:hiddenFill>
+            </a:ext>
+          </a:extLst>
+        </p:spPr>
+      </p:pic>
     </p:spTree>
     <p:extLst>
       <p:ext uri="{BB962C8B-B14F-4D97-AF65-F5344CB8AC3E}">
-        <p14:creationId xmlns:p14="http://schemas.microsoft.com/office/powerpoint/2010/main" val="2664009584"/>
+        <p14:creationId xmlns:p14="http://schemas.microsoft.com/office/powerpoint/2010/main" val="3014552781"/>
       </p:ext>
     </p:extLst>
   </p:cSld>
@@ -4605,6 +4695,30 @@
 <file path=ppt/slides/slide15.xml><?xml version="1.0" encoding="utf-8"?>
 <p:sld xmlns:a="http://schemas.openxmlformats.org/drawingml/2006/main" xmlns:r="http://schemas.openxmlformats.org/officeDocument/2006/relationships" xmlns:p="http://schemas.openxmlformats.org/presentationml/2006/main">
   <p:cSld>
+    <p:bg>
+      <p:bgPr>
+        <a:gradFill rotWithShape="1">
+          <a:gsLst>
+            <a:gs pos="0">
+              <a:schemeClr val="bg2">
+                <a:tint val="94000"/>
+                <a:satMod val="80000"/>
+                <a:lumMod val="106000"/>
+              </a:schemeClr>
+            </a:gs>
+            <a:gs pos="100000">
+              <a:schemeClr val="bg2">
+                <a:shade val="80000"/>
+              </a:schemeClr>
+            </a:gs>
+          </a:gsLst>
+          <a:path path="circle">
+            <a:fillToRect l="43000" r="43000" b="100000"/>
+          </a:path>
+        </a:gradFill>
+        <a:effectLst/>
+      </p:bgPr>
+    </p:bg>
     <p:spTree>
       <p:nvGrpSpPr>
         <p:cNvPr id="1" name=""/>
@@ -4624,7 +4738,7 @@
           <p:cNvPr id="2" name="Title 1">
             <a:extLst>
               <a:ext uri="{FF2B5EF4-FFF2-40B4-BE49-F238E27FC236}">
-                <a16:creationId xmlns:a16="http://schemas.microsoft.com/office/drawing/2014/main" id="{48427187-82E3-75C6-62F7-C45EE7E597E8}"/>
+                <a16:creationId xmlns:a16="http://schemas.microsoft.com/office/drawing/2014/main" id="{B4DC7BC2-D536-0D49-B4FE-051A551FEFCD}"/>
               </a:ext>
             </a:extLst>
           </p:cNvPr>
@@ -4635,46 +4749,31 @@
             <p:ph type="title"/>
           </p:nvPr>
         </p:nvSpPr>
-        <p:spPr/>
-        <p:txBody>
-          <a:bodyPr/>
-          <a:lstStyle/>
-          <a:p>
-            <a:endParaRPr lang="en-US"/>
-          </a:p>
-        </p:txBody>
-      </p:sp>
-      <p:sp>
-        <p:nvSpPr>
-          <p:cNvPr id="3" name="Content Placeholder 2">
-            <a:extLst>
-              <a:ext uri="{FF2B5EF4-FFF2-40B4-BE49-F238E27FC236}">
-                <a16:creationId xmlns:a16="http://schemas.microsoft.com/office/drawing/2014/main" id="{894BAB4C-C3A4-7859-C9BE-F7DA0B3EB2BD}"/>
-              </a:ext>
-            </a:extLst>
-          </p:cNvPr>
-          <p:cNvSpPr>
-            <a:spLocks noGrp="1"/>
-          </p:cNvSpPr>
-          <p:nvPr>
-            <p:ph idx="1"/>
-          </p:nvPr>
-        </p:nvSpPr>
-        <p:spPr/>
-        <p:txBody>
-          <a:bodyPr/>
-          <a:lstStyle/>
-          <a:p>
-            <a:endParaRPr lang="en-US"/>
+        <p:spPr>
+          <a:xfrm>
+            <a:off x="1451579" y="804519"/>
+            <a:ext cx="9603275" cy="1049235"/>
+          </a:xfrm>
+        </p:spPr>
+        <p:txBody>
+          <a:bodyPr>
+            <a:normAutofit/>
+          </a:bodyPr>
+          <a:lstStyle/>
+          <a:p>
+            <a:r>
+              <a:rPr lang="en-US" dirty="0"/>
+              <a:t>Output Gate</a:t>
+            </a:r>
           </a:p>
         </p:txBody>
       </p:sp>
       <p:pic>
         <p:nvPicPr>
-          <p:cNvPr id="4098" name="Picture 2" descr="Using Recurrent Neural Networks in DL4J - Deeplearning4j: Open-source,  Distributed Deep Learning for the JVM">
+          <p:cNvPr id="5122" name="Picture 2">
             <a:extLst>
               <a:ext uri="{FF2B5EF4-FFF2-40B4-BE49-F238E27FC236}">
-                <a16:creationId xmlns:a16="http://schemas.microsoft.com/office/drawing/2014/main" id="{95D2A691-A70A-5847-D5CE-88AA544C4E0D}"/>
+                <a16:creationId xmlns:a16="http://schemas.microsoft.com/office/drawing/2014/main" id="{98E57864-9357-F44B-9C4D-E53505FB4D1E}"/>
               </a:ext>
             </a:extLst>
           </p:cNvPr>
@@ -4691,15 +4790,14 @@
               </a:ext>
             </a:extLst>
           </a:blip>
-          <a:srcRect/>
           <a:stretch>
             <a:fillRect/>
           </a:stretch>
         </p:blipFill>
         <p:spPr bwMode="auto">
           <a:xfrm>
-            <a:off x="42619" y="417443"/>
-            <a:ext cx="12146718" cy="6042992"/>
+            <a:off x="-52472" y="1853754"/>
+            <a:ext cx="7767913" cy="3679537"/>
           </a:xfrm>
           <a:prstGeom prst="rect">
             <a:avLst/>
@@ -4716,10 +4814,116 @@
           </a:extLst>
         </p:spPr>
       </p:pic>
+      <p:sp>
+        <p:nvSpPr>
+          <p:cNvPr id="3" name="Content Placeholder 2">
+            <a:extLst>
+              <a:ext uri="{FF2B5EF4-FFF2-40B4-BE49-F238E27FC236}">
+                <a16:creationId xmlns:a16="http://schemas.microsoft.com/office/drawing/2014/main" id="{F7B0AFC8-D06B-9B45-8BCA-F6AA1773FFF9}"/>
+              </a:ext>
+            </a:extLst>
+          </p:cNvPr>
+          <p:cNvSpPr>
+            <a:spLocks noGrp="1"/>
+          </p:cNvSpPr>
+          <p:nvPr>
+            <p:ph idx="1"/>
+          </p:nvPr>
+        </p:nvSpPr>
+        <p:spPr>
+          <a:xfrm>
+            <a:off x="7784123" y="1853755"/>
+            <a:ext cx="4407877" cy="4406368"/>
+          </a:xfrm>
+        </p:spPr>
+        <p:txBody>
+          <a:bodyPr>
+            <a:normAutofit lnSpcReduction="10000"/>
+          </a:bodyPr>
+          <a:lstStyle/>
+          <a:p>
+            <a:r>
+              <a:rPr lang="en-CA" dirty="0"/>
+              <a:t>Output gate decides what the next hidden state should be. </a:t>
+            </a:r>
+          </a:p>
+          <a:p>
+            <a:r>
+              <a:rPr lang="en-CA" dirty="0"/>
+              <a:t>Pass the previous hidden state and the current input into a sigmoid function.</a:t>
+            </a:r>
+          </a:p>
+          <a:p>
+            <a:r>
+              <a:rPr lang="en-CA" dirty="0"/>
+              <a:t>Pass the newly modified cell state to the tanh function.</a:t>
+            </a:r>
+          </a:p>
+          <a:p>
+            <a:r>
+              <a:rPr lang="en-CA" dirty="0"/>
+              <a:t>Multiply the tanh output with the sigmoid output to decide what information the hidden state should carry. </a:t>
+            </a:r>
+          </a:p>
+          <a:p>
+            <a:r>
+              <a:rPr lang="en-CA" dirty="0"/>
+              <a:t>The output is the hidden state. </a:t>
+            </a:r>
+          </a:p>
+        </p:txBody>
+      </p:sp>
+      <p:pic>
+        <p:nvPicPr>
+          <p:cNvPr id="9218" name="Picture 2">
+            <a:extLst>
+              <a:ext uri="{FF2B5EF4-FFF2-40B4-BE49-F238E27FC236}">
+                <a16:creationId xmlns:a16="http://schemas.microsoft.com/office/drawing/2014/main" id="{A80CAAEE-22F5-2266-A33A-9114C1AA2AC3}"/>
+              </a:ext>
+            </a:extLst>
+          </p:cNvPr>
+          <p:cNvPicPr>
+            <a:picLocks noChangeAspect="1" noChangeArrowheads="1"/>
+          </p:cNvPicPr>
+          <p:nvPr/>
+        </p:nvPicPr>
+        <p:blipFill>
+          <a:blip r:embed="rId3">
+            <a:extLst>
+              <a:ext uri="{28A0092B-C50C-407E-A947-70E740481C1C}">
+                <a14:useLocalDpi xmlns:a14="http://schemas.microsoft.com/office/drawing/2010/main" val="0"/>
+              </a:ext>
+            </a:extLst>
+          </a:blip>
+          <a:srcRect/>
+          <a:stretch>
+            <a:fillRect/>
+          </a:stretch>
+        </p:blipFill>
+        <p:spPr bwMode="auto">
+          <a:xfrm>
+            <a:off x="5559552" y="7597"/>
+            <a:ext cx="3408680" cy="1860165"/>
+          </a:xfrm>
+          <a:prstGeom prst="rect">
+            <a:avLst/>
+          </a:prstGeom>
+          <a:noFill/>
+          <a:extLst>
+            <a:ext uri="{909E8E84-426E-40DD-AFC4-6F175D3DCCD1}">
+              <a14:hiddenFill xmlns:a14="http://schemas.microsoft.com/office/drawing/2010/main">
+                <a:solidFill>
+                  <a:srgbClr val="FFFFFF"/>
+                </a:solidFill>
+              </a14:hiddenFill>
+            </a:ext>
+          </a:extLst>
+        </p:spPr>
+      </p:pic>
     </p:spTree>
     <p:extLst>
       <p:ext uri="{BB962C8B-B14F-4D97-AF65-F5344CB8AC3E}">
-        <p14:creationId xmlns:p14="http://schemas.microsoft.com/office/powerpoint/2010/main" val="3529324004"/>
+        <p14:creationId xmlns:p14="http://schemas.microsoft.com/office/powerpoint/2010/main" val="1295863029"/>
       </p:ext>
     </p:extLst>
   </p:cSld>
@@ -4751,7 +4955,7 @@
           <p:cNvPr id="2" name="Title 1">
             <a:extLst>
               <a:ext uri="{FF2B5EF4-FFF2-40B4-BE49-F238E27FC236}">
-                <a16:creationId xmlns:a16="http://schemas.microsoft.com/office/drawing/2014/main" id="{A332A7A8-F413-FD2C-185E-9B0663671132}"/>
+                <a16:creationId xmlns:a16="http://schemas.microsoft.com/office/drawing/2014/main" id="{B9ABE953-B1C2-63C0-43E4-D9E9A2F0BB8E}"/>
               </a:ext>
             </a:extLst>
           </p:cNvPr>
@@ -4767,7 +4971,10 @@
           <a:bodyPr/>
           <a:lstStyle/>
           <a:p>
-            <a:endParaRPr lang="en-US"/>
+            <a:r>
+              <a:rPr lang="en-US" dirty="0"/>
+              <a:t>State it Clearly</a:t>
+            </a:r>
           </a:p>
         </p:txBody>
       </p:sp>
@@ -4776,7 +4983,7 @@
           <p:cNvPr id="3" name="Content Placeholder 2">
             <a:extLst>
               <a:ext uri="{FF2B5EF4-FFF2-40B4-BE49-F238E27FC236}">
-                <a16:creationId xmlns:a16="http://schemas.microsoft.com/office/drawing/2014/main" id="{591F4518-83BA-3072-0EDD-B7EC0EAC71BF}"/>
+                <a16:creationId xmlns:a16="http://schemas.microsoft.com/office/drawing/2014/main" id="{FDC4BA69-C55D-4F9C-65D8-F9A369434239}"/>
               </a:ext>
             </a:extLst>
           </p:cNvPr>
@@ -4787,21 +4994,55 @@
             <p:ph idx="1"/>
           </p:nvPr>
         </p:nvSpPr>
-        <p:spPr/>
+        <p:spPr>
+          <a:xfrm>
+            <a:off x="1451579" y="1853754"/>
+            <a:ext cx="9603275" cy="2632515"/>
+          </a:xfrm>
+        </p:spPr>
         <p:txBody>
           <a:bodyPr/>
           <a:lstStyle/>
           <a:p>
-            <a:endParaRPr lang="en-US"/>
+            <a:r>
+              <a:rPr lang="en-US" dirty="0"/>
+              <a:t>The LSTM units have two different lanes for state – cell and hidden. </a:t>
+            </a:r>
+          </a:p>
+          <a:p>
+            <a:pPr lvl="1"/>
+            <a:r>
+              <a:rPr lang="en-US" dirty="0"/>
+              <a:t>The hidden state acts as a short-term memory – more impacted by recent events. </a:t>
+            </a:r>
+          </a:p>
+          <a:p>
+            <a:pPr lvl="1"/>
+            <a:r>
+              <a:rPr lang="en-US" dirty="0"/>
+              <a:t>The cell state acts as long-term memory – more able to hold things from earlier. </a:t>
+            </a:r>
+          </a:p>
+          <a:p>
+            <a:r>
+              <a:rPr lang="en-US" dirty="0"/>
+              <a:t>The cell state flows from itself, and new stuff is only added after passing a gate. </a:t>
+            </a:r>
+          </a:p>
+          <a:p>
+            <a:r>
+              <a:rPr lang="en-US" dirty="0"/>
+              <a:t>The hidden state flows from the last prediction and the new input. </a:t>
+            </a:r>
           </a:p>
         </p:txBody>
       </p:sp>
       <p:pic>
         <p:nvPicPr>
-          <p:cNvPr id="5122" name="Picture 2" descr="LSTM 의 Input Shape정리 | HK Playground">
+          <p:cNvPr id="13314" name="Picture 2" descr="Exploring the Potential of Long Short-Term Memory (LSTM) Networks in Time  Series Analysis">
             <a:extLst>
               <a:ext uri="{FF2B5EF4-FFF2-40B4-BE49-F238E27FC236}">
-                <a16:creationId xmlns:a16="http://schemas.microsoft.com/office/drawing/2014/main" id="{FC2573BC-F6CC-4D53-56B4-EB623D5297D9}"/>
+                <a16:creationId xmlns:a16="http://schemas.microsoft.com/office/drawing/2014/main" id="{35EE4206-9152-AB45-61F4-EAA8D80B7AD9}"/>
               </a:ext>
             </a:extLst>
           </p:cNvPr>
@@ -4825,8 +5066,8 @@
         </p:blipFill>
         <p:spPr bwMode="auto">
           <a:xfrm>
-            <a:off x="1520825" y="0"/>
-            <a:ext cx="9148763" cy="6858000"/>
+            <a:off x="3432048" y="4130808"/>
+            <a:ext cx="5327904" cy="2727192"/>
           </a:xfrm>
           <a:prstGeom prst="rect">
             <a:avLst/>
@@ -4846,7 +5087,7 @@
     </p:spTree>
     <p:extLst>
       <p:ext uri="{BB962C8B-B14F-4D97-AF65-F5344CB8AC3E}">
-        <p14:creationId xmlns:p14="http://schemas.microsoft.com/office/powerpoint/2010/main" val="3473695901"/>
+        <p14:creationId xmlns:p14="http://schemas.microsoft.com/office/powerpoint/2010/main" val="2102280448"/>
       </p:ext>
     </p:extLst>
   </p:cSld>
@@ -4857,7 +5098,7 @@
 </file>
 
 <file path=ppt/slides/slide17.xml><?xml version="1.0" encoding="utf-8"?>
-<p:sld xmlns:a="http://schemas.openxmlformats.org/drawingml/2006/main" xmlns:r="http://schemas.openxmlformats.org/officeDocument/2006/relationships" xmlns:p="http://schemas.openxmlformats.org/presentationml/2006/main" show="0">
+<p:sld xmlns:a="http://schemas.openxmlformats.org/drawingml/2006/main" xmlns:r="http://schemas.openxmlformats.org/officeDocument/2006/relationships" xmlns:p="http://schemas.openxmlformats.org/presentationml/2006/main">
   <p:cSld>
     <p:spTree>
       <p:nvGrpSpPr>
@@ -4878,7 +5119,7 @@
           <p:cNvPr id="2" name="Title 1">
             <a:extLst>
               <a:ext uri="{FF2B5EF4-FFF2-40B4-BE49-F238E27FC236}">
-                <a16:creationId xmlns:a16="http://schemas.microsoft.com/office/drawing/2014/main" id="{42315EB7-5B70-6544-9207-05FB14CC584C}"/>
+                <a16:creationId xmlns:a16="http://schemas.microsoft.com/office/drawing/2014/main" id="{693D022F-6D28-0BAF-B661-834F0879861E}"/>
               </a:ext>
             </a:extLst>
           </p:cNvPr>
@@ -4894,7 +5135,10 @@
           <a:bodyPr/>
           <a:lstStyle/>
           <a:p>
-            <a:endParaRPr lang="en-US"/>
+            <a:r>
+              <a:rPr lang="en-US" dirty="0"/>
+              <a:t>Data flows through, in order…</a:t>
+            </a:r>
           </a:p>
         </p:txBody>
       </p:sp>
@@ -4903,7 +5147,7 @@
           <p:cNvPr id="3" name="Content Placeholder 2">
             <a:extLst>
               <a:ext uri="{FF2B5EF4-FFF2-40B4-BE49-F238E27FC236}">
-                <a16:creationId xmlns:a16="http://schemas.microsoft.com/office/drawing/2014/main" id="{FE6C7172-3AFD-B844-8099-EC85CE0F94E4}"/>
+                <a16:creationId xmlns:a16="http://schemas.microsoft.com/office/drawing/2014/main" id="{CC773401-406D-4BFB-ABCE-9FD2C5A1FA19}"/>
               </a:ext>
             </a:extLst>
           </p:cNvPr>
@@ -4925,10 +5169,10 @@
       </p:sp>
       <p:pic>
         <p:nvPicPr>
-          <p:cNvPr id="1026" name="Picture 2" descr="Long Short Term Memory: Deep Dive | by Anantech.ai | FAUN Publication">
+          <p:cNvPr id="14338" name="Picture 2" descr="An Overview on Long Short Term Memory (LSTM) - Analytics Vidhya">
             <a:extLst>
               <a:ext uri="{FF2B5EF4-FFF2-40B4-BE49-F238E27FC236}">
-                <a16:creationId xmlns:a16="http://schemas.microsoft.com/office/drawing/2014/main" id="{5AA00350-0C4E-614B-8A9D-75501702023C}"/>
+                <a16:creationId xmlns:a16="http://schemas.microsoft.com/office/drawing/2014/main" id="{D7DC8E18-073E-9573-1D4B-690CDCC87536}"/>
               </a:ext>
             </a:extLst>
           </p:cNvPr>
@@ -4937,7 +5181,7 @@
           </p:cNvPicPr>
           <p:nvPr/>
         </p:nvPicPr>
-        <p:blipFill>
+        <p:blipFill rotWithShape="1">
           <a:blip r:embed="rId2">
             <a:extLst>
               <a:ext uri="{28A0092B-C50C-407E-A947-70E740481C1C}">
@@ -4945,15 +5189,13 @@
               </a:ext>
             </a:extLst>
           </a:blip>
-          <a:srcRect/>
-          <a:stretch>
-            <a:fillRect/>
-          </a:stretch>
+          <a:srcRect t="7468" b="8622"/>
+          <a:stretch/>
         </p:blipFill>
         <p:spPr bwMode="auto">
           <a:xfrm>
-            <a:off x="1137146" y="-7531"/>
-            <a:ext cx="9917708" cy="6873062"/>
+            <a:off x="877941" y="1329136"/>
+            <a:ext cx="10750550" cy="5754624"/>
           </a:xfrm>
           <a:prstGeom prst="rect">
             <a:avLst/>
@@ -4973,7 +5215,7 @@
     </p:spTree>
     <p:extLst>
       <p:ext uri="{BB962C8B-B14F-4D97-AF65-F5344CB8AC3E}">
-        <p14:creationId xmlns:p14="http://schemas.microsoft.com/office/powerpoint/2010/main" val="3752399771"/>
+        <p14:creationId xmlns:p14="http://schemas.microsoft.com/office/powerpoint/2010/main" val="2921892205"/>
       </p:ext>
     </p:extLst>
   </p:cSld>
@@ -5005,7 +5247,7 @@
           <p:cNvPr id="2" name="Title 1">
             <a:extLst>
               <a:ext uri="{FF2B5EF4-FFF2-40B4-BE49-F238E27FC236}">
-                <a16:creationId xmlns:a16="http://schemas.microsoft.com/office/drawing/2014/main" id="{01B0476E-305A-DD3F-E0F9-DE354438E6DA}"/>
+                <a16:creationId xmlns:a16="http://schemas.microsoft.com/office/drawing/2014/main" id="{942F66E0-D8F4-AD47-CBB4-9F34166140C7}"/>
               </a:ext>
             </a:extLst>
           </p:cNvPr>
@@ -5023,7 +5265,7 @@
           <a:p>
             <a:r>
               <a:rPr lang="en-US" dirty="0"/>
-              <a:t>LSTM Data</a:t>
+              <a:t>LSTM in Parts</a:t>
             </a:r>
           </a:p>
         </p:txBody>
@@ -5033,7 +5275,7 @@
           <p:cNvPr id="3" name="Content Placeholder 2">
             <a:extLst>
               <a:ext uri="{FF2B5EF4-FFF2-40B4-BE49-F238E27FC236}">
-                <a16:creationId xmlns:a16="http://schemas.microsoft.com/office/drawing/2014/main" id="{07A3367A-475E-EF51-2887-DB0E810709A1}"/>
+                <a16:creationId xmlns:a16="http://schemas.microsoft.com/office/drawing/2014/main" id="{1A6992F3-8C06-5127-7620-D0BBD55D5D3F}"/>
               </a:ext>
             </a:extLst>
           </p:cNvPr>
@@ -5046,8 +5288,8 @@
         </p:nvSpPr>
         <p:spPr>
           <a:xfrm>
-            <a:off x="146305" y="1928192"/>
-            <a:ext cx="10908550" cy="4125290"/>
+            <a:off x="1451579" y="1853754"/>
+            <a:ext cx="9603275" cy="4199727"/>
           </a:xfrm>
         </p:spPr>
         <p:txBody>
@@ -5056,116 +5298,67 @@
           <a:p>
             <a:r>
               <a:rPr lang="en-US" dirty="0"/>
-              <a:t>Using an LSTM model requires that we deal with some complex shapes in our data. </a:t>
+              <a:t>The LSTM layers use this design to better deal with sequential data. </a:t>
+            </a:r>
+          </a:p>
+          <a:p>
+            <a:r>
+              <a:rPr lang="en-US" dirty="0"/>
+              <a:t>The state (top) part of the model remembers information from previously. </a:t>
             </a:r>
           </a:p>
           <a:p>
             <a:pPr lvl="1"/>
             <a:r>
               <a:rPr lang="en-US" dirty="0"/>
-              <a:t>Using “normal models”, each instance is one row of data. </a:t>
+              <a:t>The forget/memory gates try to keep the important stuff in the memory. </a:t>
+            </a:r>
+          </a:p>
+          <a:p>
+            <a:r>
+              <a:rPr lang="en-US" dirty="0"/>
+              <a:t>The output provides a prediction, as normal. </a:t>
+            </a:r>
+          </a:p>
+          <a:p>
+            <a:r>
+              <a:rPr lang="en-US" dirty="0"/>
+              <a:t>Each of those predictions depends on two things:</a:t>
             </a:r>
           </a:p>
           <a:p>
             <a:pPr lvl="1"/>
             <a:r>
               <a:rPr lang="en-US" dirty="0"/>
-              <a:t>In an LSTM, each instance contains several past features and several future inputs. </a:t>
-            </a:r>
-          </a:p>
-          <a:p>
-            <a:r>
-              <a:rPr lang="en-US" dirty="0"/>
-              <a:t>The shape of the data going into the model will generally be:</a:t>
+              <a:t>The new data in this record - this is exactly what we are used to. </a:t>
             </a:r>
           </a:p>
           <a:p>
             <a:pPr lvl="1"/>
             <a:r>
               <a:rPr lang="en-US" dirty="0"/>
-              <a:t>X data - (</a:t>
-            </a:r>
-            <a:r>
-              <a:rPr lang="en-US" dirty="0" err="1"/>
-              <a:t>Batch_size</a:t>
-            </a:r>
-            <a:r>
-              <a:rPr lang="en-US" dirty="0"/>
-              <a:t>, </a:t>
-            </a:r>
-            <a:r>
-              <a:rPr lang="en-US" dirty="0" err="1"/>
-              <a:t>length_of_lookback</a:t>
-            </a:r>
-            <a:r>
-              <a:rPr lang="en-US" dirty="0"/>
-              <a:t>, </a:t>
-            </a:r>
-            <a:r>
-              <a:rPr lang="en-US" dirty="0" err="1"/>
-              <a:t>number_of_features</a:t>
-            </a:r>
-            <a:r>
-              <a:rPr lang="en-US" dirty="0"/>
-              <a:t>). </a:t>
+              <a:t>The data from the state, what the model remembers – this is the new part. </a:t>
+            </a:r>
+          </a:p>
+          <a:p>
+            <a:r>
+              <a:rPr lang="en-US" dirty="0"/>
+              <a:t>The ‘features’ extracted in the top layers are made by combining info from different steps. </a:t>
             </a:r>
           </a:p>
           <a:p>
             <a:pPr lvl="1"/>
             <a:r>
               <a:rPr lang="en-US" dirty="0"/>
-              <a:t>Y data – number of predictions ahead. </a:t>
-            </a:r>
-          </a:p>
-          <a:p>
-            <a:r>
-              <a:rPr lang="en-US" dirty="0"/>
-              <a:t>For most data, we’ll need to construct a dataset to look like this. </a:t>
-            </a:r>
-          </a:p>
-          <a:p>
-            <a:pPr lvl="1"/>
-            <a:r>
-              <a:rPr lang="en-US" dirty="0"/>
-              <a:t>We’ll probably need a function to take our data, loop through the rows, and assemble all values from different rows into multi-dimensional data for us. </a:t>
-            </a:r>
-          </a:p>
-        </p:txBody>
-      </p:sp>
-      <p:pic>
-        <p:nvPicPr>
-          <p:cNvPr id="4" name="Picture 3">
-            <a:extLst>
-              <a:ext uri="{FF2B5EF4-FFF2-40B4-BE49-F238E27FC236}">
-                <a16:creationId xmlns:a16="http://schemas.microsoft.com/office/drawing/2014/main" id="{71AAD8F2-03BE-BF7E-01CB-747D955602BF}"/>
-              </a:ext>
-            </a:extLst>
-          </p:cNvPr>
-          <p:cNvPicPr>
-            <a:picLocks noChangeAspect="1"/>
-          </p:cNvPicPr>
-          <p:nvPr/>
-        </p:nvPicPr>
-        <p:blipFill>
-          <a:blip r:embed="rId2"/>
-          <a:stretch>
-            <a:fillRect/>
-          </a:stretch>
-        </p:blipFill>
-        <p:spPr>
-          <a:xfrm>
-            <a:off x="8585628" y="2450592"/>
-            <a:ext cx="3606372" cy="2389632"/>
-          </a:xfrm>
-          <a:prstGeom prst="rect">
-            <a:avLst/>
-          </a:prstGeom>
-        </p:spPr>
-      </p:pic>
+              <a:t>Just as the ‘features’ extracted in a CNN are made by combining different pixels. </a:t>
+            </a:r>
+          </a:p>
+        </p:txBody>
+      </p:sp>
     </p:spTree>
     <p:extLst>
       <p:ext uri="{BB962C8B-B14F-4D97-AF65-F5344CB8AC3E}">
-        <p14:creationId xmlns:p14="http://schemas.microsoft.com/office/powerpoint/2010/main" val="4152605430"/>
+        <p14:creationId xmlns:p14="http://schemas.microsoft.com/office/powerpoint/2010/main" val="3580208078"/>
       </p:ext>
     </p:extLst>
   </p:cSld>
@@ -5197,7 +5390,7 @@
           <p:cNvPr id="2" name="Title 1">
             <a:extLst>
               <a:ext uri="{FF2B5EF4-FFF2-40B4-BE49-F238E27FC236}">
-                <a16:creationId xmlns:a16="http://schemas.microsoft.com/office/drawing/2014/main" id="{12DD7079-E5A6-8B4B-2E3A-6A256485AE3A}"/>
+                <a16:creationId xmlns:a16="http://schemas.microsoft.com/office/drawing/2014/main" id="{86AABFA1-2A4F-9A43-A921-78EECCCD6017}"/>
               </a:ext>
             </a:extLst>
           </p:cNvPr>
@@ -5215,13 +5408,8 @@
           <a:p>
             <a:r>
               <a:rPr lang="en-US" dirty="0"/>
-              <a:t>LSTM in </a:t>
-            </a:r>
-            <a:r>
-              <a:rPr lang="en-US" dirty="0" err="1"/>
-              <a:t>Keras</a:t>
-            </a:r>
-            <a:endParaRPr lang="en-US" dirty="0"/>
+              <a:t>LSTM In Effect</a:t>
+            </a:r>
           </a:p>
         </p:txBody>
       </p:sp>
@@ -5230,7 +5418,7 @@
           <p:cNvPr id="3" name="Content Placeholder 2">
             <a:extLst>
               <a:ext uri="{FF2B5EF4-FFF2-40B4-BE49-F238E27FC236}">
-                <a16:creationId xmlns:a16="http://schemas.microsoft.com/office/drawing/2014/main" id="{726A5917-F007-5AAD-8DC6-F1C390315EF7}"/>
+                <a16:creationId xmlns:a16="http://schemas.microsoft.com/office/drawing/2014/main" id="{C4644EED-8FB4-5443-A418-B1008BC3906E}"/>
               </a:ext>
             </a:extLst>
           </p:cNvPr>
@@ -5243,8 +5431,8 @@
         </p:nvSpPr>
         <p:spPr>
           <a:xfrm>
-            <a:off x="1451579" y="2015732"/>
-            <a:ext cx="9603275" cy="4037749"/>
+            <a:off x="999744" y="1853754"/>
+            <a:ext cx="10667999" cy="4272726"/>
           </a:xfrm>
         </p:spPr>
         <p:txBody>
@@ -5253,40 +5441,60 @@
           <a:p>
             <a:r>
               <a:rPr lang="en-US" dirty="0"/>
-              <a:t>LSTM layers can be added just like any other layer. </a:t>
-            </a:r>
-          </a:p>
-          <a:p>
-            <a:r>
-              <a:rPr lang="en-US" dirty="0"/>
-              <a:t>When there’s more than one LSTM layer, we need to enable ‘</a:t>
-            </a:r>
-            <a:r>
-              <a:rPr lang="en-US" dirty="0" err="1"/>
-              <a:t>return_sequences</a:t>
-            </a:r>
-            <a:r>
-              <a:rPr lang="en-US" dirty="0"/>
-              <a:t>’. </a:t>
-            </a:r>
-          </a:p>
-          <a:p>
-            <a:r>
-              <a:rPr lang="en-US" dirty="0"/>
-              <a:t>The output normally has one node per prediction, no activation. </a:t>
-            </a:r>
-          </a:p>
-          <a:p>
-            <a:r>
-              <a:rPr lang="en-US" dirty="0"/>
-              <a:t>Making multiple predictions into the future is one place where custom loss is useful. </a:t>
+              <a:t>LSTM can “hold” information from the past. </a:t>
+            </a:r>
+          </a:p>
+          <a:p>
+            <a:r>
+              <a:rPr lang="en-US" dirty="0"/>
+              <a:t>During training, the model keeps things that are useful and forgets things less useful. </a:t>
             </a:r>
           </a:p>
           <a:p>
             <a:pPr lvl="1"/>
             <a:r>
               <a:rPr lang="en-US" dirty="0"/>
-              <a:t>Could weight the value of errors for the next prediction vs the one 10 instances later. </a:t>
+              <a:t>Important previous information is held. </a:t>
+            </a:r>
+          </a:p>
+          <a:p>
+            <a:pPr lvl="1"/>
+            <a:r>
+              <a:rPr lang="en-US" dirty="0"/>
+              <a:t>Temporal awareness!</a:t>
+            </a:r>
+          </a:p>
+          <a:p>
+            <a:r>
+              <a:rPr lang="en-US" dirty="0"/>
+              <a:t>LSTMs are very good at many scenarios:</a:t>
+            </a:r>
+          </a:p>
+          <a:p>
+            <a:pPr lvl="1"/>
+            <a:r>
+              <a:rPr lang="en-US" dirty="0"/>
+              <a:t>Time series applications. </a:t>
+            </a:r>
+          </a:p>
+          <a:p>
+            <a:pPr lvl="1"/>
+            <a:r>
+              <a:rPr lang="en-US" dirty="0"/>
+              <a:t>Speech and NLP applications – e.g. translation, Google’s phone answer AI, chatbots. </a:t>
+            </a:r>
+          </a:p>
+          <a:p>
+            <a:pPr lvl="1"/>
+            <a:r>
+              <a:rPr lang="en-US" dirty="0"/>
+              <a:t>Generative models (think GMM) – creating text from a model. </a:t>
+            </a:r>
+          </a:p>
+          <a:p>
+            <a:r>
+              <a:rPr lang="en-US" dirty="0"/>
+              <a:t>Transformers have often surpassed these in practice – better able to manage state over time. </a:t>
             </a:r>
           </a:p>
         </p:txBody>
@@ -5294,7 +5502,7 @@
     </p:spTree>
     <p:extLst>
       <p:ext uri="{BB962C8B-B14F-4D97-AF65-F5344CB8AC3E}">
-        <p14:creationId xmlns:p14="http://schemas.microsoft.com/office/powerpoint/2010/main" val="2048138297"/>
+        <p14:creationId xmlns:p14="http://schemas.microsoft.com/office/powerpoint/2010/main" val="2664009584"/>
       </p:ext>
     </p:extLst>
   </p:cSld>
@@ -5490,7 +5698,7 @@
 </file>
 
 <file path=ppt/slides/slide20.xml><?xml version="1.0" encoding="utf-8"?>
-<p:sld xmlns:a="http://schemas.openxmlformats.org/drawingml/2006/main" xmlns:r="http://schemas.openxmlformats.org/officeDocument/2006/relationships" xmlns:p="http://schemas.openxmlformats.org/presentationml/2006/main">
+<p:sld xmlns:a="http://schemas.openxmlformats.org/drawingml/2006/main" xmlns:r="http://schemas.openxmlformats.org/officeDocument/2006/relationships" xmlns:p="http://schemas.openxmlformats.org/presentationml/2006/main" show="0">
   <p:cSld>
     <p:spTree>
       <p:nvGrpSpPr>
@@ -5511,7 +5719,7 @@
           <p:cNvPr id="2" name="Title 1">
             <a:extLst>
               <a:ext uri="{FF2B5EF4-FFF2-40B4-BE49-F238E27FC236}">
-                <a16:creationId xmlns:a16="http://schemas.microsoft.com/office/drawing/2014/main" id="{B513A983-1BC8-44D9-F818-1A4BB2795E1D}"/>
+                <a16:creationId xmlns:a16="http://schemas.microsoft.com/office/drawing/2014/main" id="{42315EB7-5B70-6544-9207-05FB14CC584C}"/>
               </a:ext>
             </a:extLst>
           </p:cNvPr>
@@ -5527,10 +5735,7 @@
           <a:bodyPr/>
           <a:lstStyle/>
           <a:p>
-            <a:r>
-              <a:rPr lang="en-US" dirty="0"/>
-              <a:t>Tuning LSTM Models</a:t>
-            </a:r>
+            <a:endParaRPr lang="en-US"/>
           </a:p>
         </p:txBody>
       </p:sp>
@@ -5539,7 +5744,7 @@
           <p:cNvPr id="3" name="Content Placeholder 2">
             <a:extLst>
               <a:ext uri="{FF2B5EF4-FFF2-40B4-BE49-F238E27FC236}">
-                <a16:creationId xmlns:a16="http://schemas.microsoft.com/office/drawing/2014/main" id="{F3E514EB-A4D9-7797-8DF4-F086374E3729}"/>
+                <a16:creationId xmlns:a16="http://schemas.microsoft.com/office/drawing/2014/main" id="{FE6C7172-3AFD-B844-8099-EC85CE0F94E4}"/>
               </a:ext>
             </a:extLst>
           </p:cNvPr>
@@ -5550,94 +5755,66 @@
             <p:ph idx="1"/>
           </p:nvPr>
         </p:nvSpPr>
-        <p:spPr>
-          <a:xfrm>
-            <a:off x="1451579" y="1853754"/>
-            <a:ext cx="9603275" cy="4199727"/>
-          </a:xfrm>
-        </p:spPr>
+        <p:spPr/>
         <p:txBody>
           <a:bodyPr/>
           <a:lstStyle/>
           <a:p>
-            <a:r>
-              <a:rPr lang="en-US" dirty="0"/>
-              <a:t>Like other models, we generally want to have a larger model for a larger problem. </a:t>
-            </a:r>
-          </a:p>
-          <a:p>
-            <a:pPr lvl="1"/>
-            <a:r>
-              <a:rPr lang="en-US" dirty="0"/>
-              <a:t>Estimate - Units = samples in training data / ((# input neurons + # output neurons) * alpha)</a:t>
-            </a:r>
-          </a:p>
-          <a:p>
-            <a:pPr lvl="1"/>
-            <a:r>
-              <a:rPr lang="en-US" dirty="0"/>
-              <a:t>Unstructured problems are more likely to benefit from more layers, each with fewer units. </a:t>
-            </a:r>
-          </a:p>
-          <a:p>
-            <a:pPr lvl="1"/>
-            <a:r>
-              <a:rPr lang="en-US" dirty="0"/>
-              <a:t>Structured problems (sales or stock prices) may benefit from fewer, larger layers. </a:t>
-            </a:r>
-          </a:p>
-          <a:p>
-            <a:r>
-              <a:rPr lang="en-US" dirty="0"/>
-              <a:t>Hyperparameter tuning is back on the menu, boys!</a:t>
-            </a:r>
-          </a:p>
-          <a:p>
-            <a:pPr lvl="1"/>
-            <a:r>
-              <a:rPr lang="en-US" dirty="0"/>
-              <a:t>LSTM models can be determined via the </a:t>
-            </a:r>
-            <a:r>
-              <a:rPr lang="en-US" dirty="0" err="1"/>
-              <a:t>Keras</a:t>
-            </a:r>
-            <a:r>
-              <a:rPr lang="en-US" dirty="0"/>
-              <a:t> Tuner – layers, units, drop, other options… </a:t>
-            </a:r>
-          </a:p>
-          <a:p>
-            <a:pPr lvl="1"/>
-            <a:r>
-              <a:rPr lang="en-US" dirty="0"/>
-              <a:t>Bayesian or Hyperband may help with time, as might sampling (smartly) the data. </a:t>
-            </a:r>
-          </a:p>
-          <a:p>
-            <a:pPr lvl="1"/>
-            <a:r>
-              <a:rPr lang="en-US" dirty="0"/>
-              <a:t>LSTM models often employ a dropout for regularization, it performs well. </a:t>
-            </a:r>
-          </a:p>
-          <a:p>
-            <a:pPr lvl="1"/>
-            <a:r>
-              <a:rPr lang="en-US" dirty="0"/>
-              <a:t>Large numbers of epochs are often helpful, possibly with small batches (~8-96). </a:t>
-            </a:r>
-          </a:p>
-          <a:p>
-            <a:pPr lvl="1"/>
-            <a:endParaRPr lang="en-US" dirty="0"/>
-          </a:p>
-        </p:txBody>
-      </p:sp>
+            <a:endParaRPr lang="en-US"/>
+          </a:p>
+        </p:txBody>
+      </p:sp>
+      <p:pic>
+        <p:nvPicPr>
+          <p:cNvPr id="1026" name="Picture 2" descr="Long Short Term Memory: Deep Dive | by Anantech.ai | FAUN Publication">
+            <a:extLst>
+              <a:ext uri="{FF2B5EF4-FFF2-40B4-BE49-F238E27FC236}">
+                <a16:creationId xmlns:a16="http://schemas.microsoft.com/office/drawing/2014/main" id="{5AA00350-0C4E-614B-8A9D-75501702023C}"/>
+              </a:ext>
+            </a:extLst>
+          </p:cNvPr>
+          <p:cNvPicPr>
+            <a:picLocks noChangeAspect="1" noChangeArrowheads="1"/>
+          </p:cNvPicPr>
+          <p:nvPr/>
+        </p:nvPicPr>
+        <p:blipFill>
+          <a:blip r:embed="rId2">
+            <a:extLst>
+              <a:ext uri="{28A0092B-C50C-407E-A947-70E740481C1C}">
+                <a14:useLocalDpi xmlns:a14="http://schemas.microsoft.com/office/drawing/2010/main" val="0"/>
+              </a:ext>
+            </a:extLst>
+          </a:blip>
+          <a:srcRect/>
+          <a:stretch>
+            <a:fillRect/>
+          </a:stretch>
+        </p:blipFill>
+        <p:spPr bwMode="auto">
+          <a:xfrm>
+            <a:off x="1137146" y="-7531"/>
+            <a:ext cx="9917708" cy="6873062"/>
+          </a:xfrm>
+          <a:prstGeom prst="rect">
+            <a:avLst/>
+          </a:prstGeom>
+          <a:noFill/>
+          <a:extLst>
+            <a:ext uri="{909E8E84-426E-40DD-AFC4-6F175D3DCCD1}">
+              <a14:hiddenFill xmlns:a14="http://schemas.microsoft.com/office/drawing/2010/main">
+                <a:solidFill>
+                  <a:srgbClr val="FFFFFF"/>
+                </a:solidFill>
+              </a14:hiddenFill>
+            </a:ext>
+          </a:extLst>
+        </p:spPr>
+      </p:pic>
     </p:spTree>
     <p:extLst>
       <p:ext uri="{BB962C8B-B14F-4D97-AF65-F5344CB8AC3E}">
-        <p14:creationId xmlns:p14="http://schemas.microsoft.com/office/powerpoint/2010/main" val="3420062599"/>
+        <p14:creationId xmlns:p14="http://schemas.microsoft.com/office/powerpoint/2010/main" val="3752399771"/>
       </p:ext>
     </p:extLst>
   </p:cSld>
@@ -5669,7 +5846,7 @@
           <p:cNvPr id="2" name="Title 1">
             <a:extLst>
               <a:ext uri="{FF2B5EF4-FFF2-40B4-BE49-F238E27FC236}">
-                <a16:creationId xmlns:a16="http://schemas.microsoft.com/office/drawing/2014/main" id="{B1644658-23B7-83E0-DB4A-45308B985BC2}"/>
+                <a16:creationId xmlns:a16="http://schemas.microsoft.com/office/drawing/2014/main" id="{01B0476E-305A-DD3F-E0F9-DE354438E6DA}"/>
               </a:ext>
             </a:extLst>
           </p:cNvPr>
@@ -5687,7 +5864,7 @@
           <a:p>
             <a:r>
               <a:rPr lang="en-US" dirty="0"/>
-              <a:t>LSTM Model Structure</a:t>
+              <a:t>LSTM Data</a:t>
             </a:r>
           </a:p>
         </p:txBody>
@@ -5697,7 +5874,7 @@
           <p:cNvPr id="3" name="Content Placeholder 2">
             <a:extLst>
               <a:ext uri="{FF2B5EF4-FFF2-40B4-BE49-F238E27FC236}">
-                <a16:creationId xmlns:a16="http://schemas.microsoft.com/office/drawing/2014/main" id="{15F54A75-79DE-0A49-A8D0-0EEA01E8D8A5}"/>
+                <a16:creationId xmlns:a16="http://schemas.microsoft.com/office/drawing/2014/main" id="{07A3367A-475E-EF51-2887-DB0E810709A1}"/>
               </a:ext>
             </a:extLst>
           </p:cNvPr>
@@ -5708,22 +5885,128 @@
             <p:ph idx="1"/>
           </p:nvPr>
         </p:nvSpPr>
-        <p:spPr/>
+        <p:spPr>
+          <a:xfrm>
+            <a:off x="146305" y="1928192"/>
+            <a:ext cx="10908550" cy="4125290"/>
+          </a:xfrm>
+        </p:spPr>
         <p:txBody>
           <a:bodyPr/>
           <a:lstStyle/>
           <a:p>
             <a:r>
               <a:rPr lang="en-US" dirty="0"/>
-              <a:t>LSTM models generally follow the CNN pattern – recursion, flatten, dense. </a:t>
-            </a:r>
-          </a:p>
-        </p:txBody>
-      </p:sp>
+              <a:t>Using an LSTM model requires that we deal with some complex shapes in our data. </a:t>
+            </a:r>
+          </a:p>
+          <a:p>
+            <a:pPr lvl="1"/>
+            <a:r>
+              <a:rPr lang="en-US" dirty="0"/>
+              <a:t>Using “normal models”, each instance is one row of data. </a:t>
+            </a:r>
+          </a:p>
+          <a:p>
+            <a:pPr lvl="1"/>
+            <a:r>
+              <a:rPr lang="en-US" dirty="0"/>
+              <a:t>In an LSTM, each instance contains several past features and several future inputs. </a:t>
+            </a:r>
+          </a:p>
+          <a:p>
+            <a:r>
+              <a:rPr lang="en-US" dirty="0"/>
+              <a:t>The shape of the data going into the model will generally be:</a:t>
+            </a:r>
+          </a:p>
+          <a:p>
+            <a:pPr lvl="1"/>
+            <a:r>
+              <a:rPr lang="en-US" dirty="0"/>
+              <a:t>X data - (</a:t>
+            </a:r>
+            <a:r>
+              <a:rPr lang="en-US" dirty="0" err="1"/>
+              <a:t>Batch_size</a:t>
+            </a:r>
+            <a:r>
+              <a:rPr lang="en-US" dirty="0"/>
+              <a:t>, </a:t>
+            </a:r>
+            <a:r>
+              <a:rPr lang="en-US" dirty="0" err="1"/>
+              <a:t>length_of_lookback</a:t>
+            </a:r>
+            <a:r>
+              <a:rPr lang="en-US" dirty="0"/>
+              <a:t>, </a:t>
+            </a:r>
+            <a:r>
+              <a:rPr lang="en-US" dirty="0" err="1"/>
+              <a:t>number_of_features</a:t>
+            </a:r>
+            <a:r>
+              <a:rPr lang="en-US" dirty="0"/>
+              <a:t>). </a:t>
+            </a:r>
+          </a:p>
+          <a:p>
+            <a:pPr lvl="1"/>
+            <a:r>
+              <a:rPr lang="en-US" dirty="0"/>
+              <a:t>Y data – number of predictions ahead. </a:t>
+            </a:r>
+          </a:p>
+          <a:p>
+            <a:r>
+              <a:rPr lang="en-US" dirty="0"/>
+              <a:t>For most data, we’ll need to construct a dataset to look like this. </a:t>
+            </a:r>
+          </a:p>
+          <a:p>
+            <a:pPr lvl="1"/>
+            <a:r>
+              <a:rPr lang="en-US" dirty="0"/>
+              <a:t>We’ll probably need a function to take our data, loop through the rows, and assemble all values from different rows into multi-dimensional data for us. </a:t>
+            </a:r>
+          </a:p>
+        </p:txBody>
+      </p:sp>
+      <p:pic>
+        <p:nvPicPr>
+          <p:cNvPr id="4" name="Picture 3">
+            <a:extLst>
+              <a:ext uri="{FF2B5EF4-FFF2-40B4-BE49-F238E27FC236}">
+                <a16:creationId xmlns:a16="http://schemas.microsoft.com/office/drawing/2014/main" id="{71AAD8F2-03BE-BF7E-01CB-747D955602BF}"/>
+              </a:ext>
+            </a:extLst>
+          </p:cNvPr>
+          <p:cNvPicPr>
+            <a:picLocks noChangeAspect="1"/>
+          </p:cNvPicPr>
+          <p:nvPr/>
+        </p:nvPicPr>
+        <p:blipFill>
+          <a:blip r:embed="rId2"/>
+          <a:stretch>
+            <a:fillRect/>
+          </a:stretch>
+        </p:blipFill>
+        <p:spPr>
+          <a:xfrm>
+            <a:off x="8585628" y="2450592"/>
+            <a:ext cx="3606372" cy="2389632"/>
+          </a:xfrm>
+          <a:prstGeom prst="rect">
+            <a:avLst/>
+          </a:prstGeom>
+        </p:spPr>
+      </p:pic>
     </p:spTree>
     <p:extLst>
       <p:ext uri="{BB962C8B-B14F-4D97-AF65-F5344CB8AC3E}">
-        <p14:creationId xmlns:p14="http://schemas.microsoft.com/office/powerpoint/2010/main" val="1323152609"/>
+        <p14:creationId xmlns:p14="http://schemas.microsoft.com/office/powerpoint/2010/main" val="4152605430"/>
       </p:ext>
     </p:extLst>
   </p:cSld>
@@ -5755,7 +6038,7 @@
           <p:cNvPr id="2" name="Title 1">
             <a:extLst>
               <a:ext uri="{FF2B5EF4-FFF2-40B4-BE49-F238E27FC236}">
-                <a16:creationId xmlns:a16="http://schemas.microsoft.com/office/drawing/2014/main" id="{E5F0A867-99E2-904B-62B6-7C2A0C6D8D25}"/>
+                <a16:creationId xmlns:a16="http://schemas.microsoft.com/office/drawing/2014/main" id="{48427187-82E3-75C6-62F7-C45EE7E597E8}"/>
               </a:ext>
             </a:extLst>
           </p:cNvPr>
@@ -5771,10 +6054,7 @@
           <a:bodyPr/>
           <a:lstStyle/>
           <a:p>
-            <a:r>
-              <a:rPr lang="en-US" dirty="0"/>
-              <a:t>Being BI is in… if it Performs better</a:t>
-            </a:r>
+            <a:endParaRPr lang="en-US"/>
           </a:p>
         </p:txBody>
       </p:sp>
@@ -5783,7 +6063,7 @@
           <p:cNvPr id="3" name="Content Placeholder 2">
             <a:extLst>
               <a:ext uri="{FF2B5EF4-FFF2-40B4-BE49-F238E27FC236}">
-                <a16:creationId xmlns:a16="http://schemas.microsoft.com/office/drawing/2014/main" id="{1A9B5499-96C7-43AF-E68F-D8040AB79ECD}"/>
+                <a16:creationId xmlns:a16="http://schemas.microsoft.com/office/drawing/2014/main" id="{894BAB4C-C3A4-7859-C9BE-F7DA0B3EB2BD}"/>
               </a:ext>
             </a:extLst>
           </p:cNvPr>
@@ -5799,23 +6079,61 @@
           <a:bodyPr/>
           <a:lstStyle/>
           <a:p>
-            <a:r>
-              <a:rPr lang="en-US" dirty="0"/>
-              <a:t>Bidirectional LSTM layers feed the previous sequence bot forwards and backwards. </a:t>
-            </a:r>
-          </a:p>
-          <a:p>
-            <a:r>
-              <a:rPr lang="en-US" dirty="0"/>
-              <a:t>Common in NLP applications. </a:t>
-            </a:r>
-          </a:p>
-        </p:txBody>
-      </p:sp>
+            <a:endParaRPr lang="en-US"/>
+          </a:p>
+        </p:txBody>
+      </p:sp>
+      <p:pic>
+        <p:nvPicPr>
+          <p:cNvPr id="4098" name="Picture 2" descr="Using Recurrent Neural Networks in DL4J - Deeplearning4j: Open-source,  Distributed Deep Learning for the JVM">
+            <a:extLst>
+              <a:ext uri="{FF2B5EF4-FFF2-40B4-BE49-F238E27FC236}">
+                <a16:creationId xmlns:a16="http://schemas.microsoft.com/office/drawing/2014/main" id="{95D2A691-A70A-5847-D5CE-88AA544C4E0D}"/>
+              </a:ext>
+            </a:extLst>
+          </p:cNvPr>
+          <p:cNvPicPr>
+            <a:picLocks noChangeAspect="1" noChangeArrowheads="1"/>
+          </p:cNvPicPr>
+          <p:nvPr/>
+        </p:nvPicPr>
+        <p:blipFill>
+          <a:blip r:embed="rId2">
+            <a:extLst>
+              <a:ext uri="{28A0092B-C50C-407E-A947-70E740481C1C}">
+                <a14:useLocalDpi xmlns:a14="http://schemas.microsoft.com/office/drawing/2010/main" val="0"/>
+              </a:ext>
+            </a:extLst>
+          </a:blip>
+          <a:srcRect/>
+          <a:stretch>
+            <a:fillRect/>
+          </a:stretch>
+        </p:blipFill>
+        <p:spPr bwMode="auto">
+          <a:xfrm>
+            <a:off x="42619" y="417443"/>
+            <a:ext cx="12146718" cy="6042992"/>
+          </a:xfrm>
+          <a:prstGeom prst="rect">
+            <a:avLst/>
+          </a:prstGeom>
+          <a:noFill/>
+          <a:extLst>
+            <a:ext uri="{909E8E84-426E-40DD-AFC4-6F175D3DCCD1}">
+              <a14:hiddenFill xmlns:a14="http://schemas.microsoft.com/office/drawing/2010/main">
+                <a:solidFill>
+                  <a:srgbClr val="FFFFFF"/>
+                </a:solidFill>
+              </a14:hiddenFill>
+            </a:ext>
+          </a:extLst>
+        </p:spPr>
+      </p:pic>
     </p:spTree>
     <p:extLst>
       <p:ext uri="{BB962C8B-B14F-4D97-AF65-F5344CB8AC3E}">
-        <p14:creationId xmlns:p14="http://schemas.microsoft.com/office/powerpoint/2010/main" val="904097236"/>
+        <p14:creationId xmlns:p14="http://schemas.microsoft.com/office/powerpoint/2010/main" val="3529324004"/>
       </p:ext>
     </p:extLst>
   </p:cSld>
@@ -5847,7 +6165,7 @@
           <p:cNvPr id="2" name="Title 1">
             <a:extLst>
               <a:ext uri="{FF2B5EF4-FFF2-40B4-BE49-F238E27FC236}">
-                <a16:creationId xmlns:a16="http://schemas.microsoft.com/office/drawing/2014/main" id="{120A5EE1-4AAC-0801-3067-67CFEA11C12A}"/>
+                <a16:creationId xmlns:a16="http://schemas.microsoft.com/office/drawing/2014/main" id="{A332A7A8-F413-FD2C-185E-9B0663671132}"/>
               </a:ext>
             </a:extLst>
           </p:cNvPr>
@@ -5863,10 +6181,7 @@
           <a:bodyPr/>
           <a:lstStyle/>
           <a:p>
-            <a:r>
-              <a:rPr lang="en-US" dirty="0"/>
-              <a:t>Generative Models</a:t>
-            </a:r>
+            <a:endParaRPr lang="en-US"/>
           </a:p>
         </p:txBody>
       </p:sp>
@@ -5875,7 +6190,7 @@
           <p:cNvPr id="3" name="Content Placeholder 2">
             <a:extLst>
               <a:ext uri="{FF2B5EF4-FFF2-40B4-BE49-F238E27FC236}">
-                <a16:creationId xmlns:a16="http://schemas.microsoft.com/office/drawing/2014/main" id="{18B47CC8-CAB3-0B63-7176-21FD7965C010}"/>
+                <a16:creationId xmlns:a16="http://schemas.microsoft.com/office/drawing/2014/main" id="{591F4518-83BA-3072-0EDD-B7EC0EAC71BF}"/>
               </a:ext>
             </a:extLst>
           </p:cNvPr>
@@ -5886,74 +6201,66 @@
             <p:ph idx="1"/>
           </p:nvPr>
         </p:nvSpPr>
-        <p:spPr>
-          <a:xfrm>
-            <a:off x="1451579" y="2015732"/>
-            <a:ext cx="9603275" cy="4037749"/>
-          </a:xfrm>
-        </p:spPr>
+        <p:spPr/>
         <p:txBody>
           <a:bodyPr/>
           <a:lstStyle/>
           <a:p>
-            <a:r>
-              <a:rPr lang="en-US" dirty="0"/>
-              <a:t>LSTMs can be used to generate things, like text. </a:t>
-            </a:r>
-          </a:p>
-          <a:p>
-            <a:r>
-              <a:rPr lang="en-US" dirty="0"/>
-              <a:t>Text generation is simpler than it sounds at first glance. </a:t>
-            </a:r>
-          </a:p>
-          <a:p>
-            <a:pPr lvl="1"/>
-            <a:r>
-              <a:rPr lang="en-US" dirty="0"/>
-              <a:t>Train a model to be able to predict the next word (or token) from text. </a:t>
-            </a:r>
-          </a:p>
-          <a:p>
-            <a:pPr lvl="1"/>
-            <a:r>
-              <a:rPr lang="en-US" dirty="0"/>
-              <a:t>Generate text by taking in the previous text, and predict the next word.</a:t>
-            </a:r>
-          </a:p>
-          <a:p>
-            <a:pPr lvl="1"/>
-            <a:r>
-              <a:rPr lang="en-US" dirty="0"/>
-              <a:t>The ‘previous text’ + ‘predicted word’ is then the source for the next prediction. </a:t>
-            </a:r>
-          </a:p>
-          <a:p>
-            <a:r>
-              <a:rPr lang="en-US" dirty="0"/>
-              <a:t>We can treat it as 1 word tokens, large LLMs may have different splits – it varies. </a:t>
-            </a:r>
-          </a:p>
-          <a:p>
-            <a:pPr lvl="1"/>
-            <a:r>
-              <a:rPr lang="en-US" dirty="0"/>
-              <a:t>E.g. predict a root word, then the correct suffix: run to running or runner. </a:t>
-            </a:r>
-          </a:p>
-          <a:p>
-            <a:pPr lvl="1"/>
-            <a:r>
-              <a:rPr lang="en-US" dirty="0"/>
-              <a:t>2+ grams for thinks like ‘downhill skiing’ and ‘oven glove’. </a:t>
-            </a:r>
-          </a:p>
-        </p:txBody>
-      </p:sp>
+            <a:endParaRPr lang="en-US"/>
+          </a:p>
+        </p:txBody>
+      </p:sp>
+      <p:pic>
+        <p:nvPicPr>
+          <p:cNvPr id="5122" name="Picture 2" descr="LSTM 의 Input Shape정리 | HK Playground">
+            <a:extLst>
+              <a:ext uri="{FF2B5EF4-FFF2-40B4-BE49-F238E27FC236}">
+                <a16:creationId xmlns:a16="http://schemas.microsoft.com/office/drawing/2014/main" id="{FC2573BC-F6CC-4D53-56B4-EB623D5297D9}"/>
+              </a:ext>
+            </a:extLst>
+          </p:cNvPr>
+          <p:cNvPicPr>
+            <a:picLocks noChangeAspect="1" noChangeArrowheads="1"/>
+          </p:cNvPicPr>
+          <p:nvPr/>
+        </p:nvPicPr>
+        <p:blipFill>
+          <a:blip r:embed="rId2">
+            <a:extLst>
+              <a:ext uri="{28A0092B-C50C-407E-A947-70E740481C1C}">
+                <a14:useLocalDpi xmlns:a14="http://schemas.microsoft.com/office/drawing/2010/main" val="0"/>
+              </a:ext>
+            </a:extLst>
+          </a:blip>
+          <a:srcRect/>
+          <a:stretch>
+            <a:fillRect/>
+          </a:stretch>
+        </p:blipFill>
+        <p:spPr bwMode="auto">
+          <a:xfrm>
+            <a:off x="1520825" y="0"/>
+            <a:ext cx="9148763" cy="6858000"/>
+          </a:xfrm>
+          <a:prstGeom prst="rect">
+            <a:avLst/>
+          </a:prstGeom>
+          <a:noFill/>
+          <a:extLst>
+            <a:ext uri="{909E8E84-426E-40DD-AFC4-6F175D3DCCD1}">
+              <a14:hiddenFill xmlns:a14="http://schemas.microsoft.com/office/drawing/2010/main">
+                <a:solidFill>
+                  <a:srgbClr val="FFFFFF"/>
+                </a:solidFill>
+              </a14:hiddenFill>
+            </a:ext>
+          </a:extLst>
+        </p:spPr>
+      </p:pic>
     </p:spTree>
     <p:extLst>
       <p:ext uri="{BB962C8B-B14F-4D97-AF65-F5344CB8AC3E}">
-        <p14:creationId xmlns:p14="http://schemas.microsoft.com/office/powerpoint/2010/main" val="185559048"/>
+        <p14:creationId xmlns:p14="http://schemas.microsoft.com/office/powerpoint/2010/main" val="3473695901"/>
       </p:ext>
     </p:extLst>
   </p:cSld>
@@ -5985,6 +6292,549 @@
           <p:cNvPr id="2" name="Title 1">
             <a:extLst>
               <a:ext uri="{FF2B5EF4-FFF2-40B4-BE49-F238E27FC236}">
+                <a16:creationId xmlns:a16="http://schemas.microsoft.com/office/drawing/2014/main" id="{12DD7079-E5A6-8B4B-2E3A-6A256485AE3A}"/>
+              </a:ext>
+            </a:extLst>
+          </p:cNvPr>
+          <p:cNvSpPr>
+            <a:spLocks noGrp="1"/>
+          </p:cNvSpPr>
+          <p:nvPr>
+            <p:ph type="title"/>
+          </p:nvPr>
+        </p:nvSpPr>
+        <p:spPr/>
+        <p:txBody>
+          <a:bodyPr/>
+          <a:lstStyle/>
+          <a:p>
+            <a:r>
+              <a:rPr lang="en-US" dirty="0"/>
+              <a:t>LSTM in </a:t>
+            </a:r>
+            <a:r>
+              <a:rPr lang="en-US" dirty="0" err="1"/>
+              <a:t>Keras</a:t>
+            </a:r>
+            <a:endParaRPr lang="en-US" dirty="0"/>
+          </a:p>
+        </p:txBody>
+      </p:sp>
+      <p:sp>
+        <p:nvSpPr>
+          <p:cNvPr id="3" name="Content Placeholder 2">
+            <a:extLst>
+              <a:ext uri="{FF2B5EF4-FFF2-40B4-BE49-F238E27FC236}">
+                <a16:creationId xmlns:a16="http://schemas.microsoft.com/office/drawing/2014/main" id="{726A5917-F007-5AAD-8DC6-F1C390315EF7}"/>
+              </a:ext>
+            </a:extLst>
+          </p:cNvPr>
+          <p:cNvSpPr>
+            <a:spLocks noGrp="1"/>
+          </p:cNvSpPr>
+          <p:nvPr>
+            <p:ph idx="1"/>
+          </p:nvPr>
+        </p:nvSpPr>
+        <p:spPr>
+          <a:xfrm>
+            <a:off x="1451579" y="2015732"/>
+            <a:ext cx="9603275" cy="4037749"/>
+          </a:xfrm>
+        </p:spPr>
+        <p:txBody>
+          <a:bodyPr/>
+          <a:lstStyle/>
+          <a:p>
+            <a:r>
+              <a:rPr lang="en-US" dirty="0"/>
+              <a:t>LSTM layers can be added just like any other layer. </a:t>
+            </a:r>
+          </a:p>
+          <a:p>
+            <a:r>
+              <a:rPr lang="en-US" dirty="0"/>
+              <a:t>When there’s more than one LSTM layer, we need to enable ‘</a:t>
+            </a:r>
+            <a:r>
+              <a:rPr lang="en-US" dirty="0" err="1"/>
+              <a:t>return_sequences</a:t>
+            </a:r>
+            <a:r>
+              <a:rPr lang="en-US" dirty="0"/>
+              <a:t>’. </a:t>
+            </a:r>
+          </a:p>
+          <a:p>
+            <a:r>
+              <a:rPr lang="en-US" dirty="0"/>
+              <a:t>The output normally has one node per prediction, no activation. </a:t>
+            </a:r>
+          </a:p>
+          <a:p>
+            <a:r>
+              <a:rPr lang="en-US" dirty="0"/>
+              <a:t>Making multiple predictions into the future is one place where custom loss is useful. </a:t>
+            </a:r>
+          </a:p>
+          <a:p>
+            <a:pPr lvl="1"/>
+            <a:r>
+              <a:rPr lang="en-US" dirty="0"/>
+              <a:t>Could weight the value of errors for the next prediction vs the one 10 instances later. </a:t>
+            </a:r>
+          </a:p>
+          <a:p>
+            <a:pPr lvl="1"/>
+            <a:r>
+              <a:rPr lang="en-US" dirty="0"/>
+              <a:t>Differing considerations could make accuracy at different time steps matter more. </a:t>
+            </a:r>
+          </a:p>
+          <a:p>
+            <a:r>
+              <a:rPr lang="en-US" dirty="0"/>
+              <a:t>LSTM layers are often/usually paired with a dropout. </a:t>
+            </a:r>
+          </a:p>
+          <a:p>
+            <a:pPr lvl="1"/>
+            <a:r>
+              <a:rPr lang="en-US" dirty="0"/>
+              <a:t>We can add it as a parameter to the layer directly. </a:t>
+            </a:r>
+          </a:p>
+          <a:p>
+            <a:endParaRPr lang="en-US" dirty="0"/>
+          </a:p>
+        </p:txBody>
+      </p:sp>
+    </p:spTree>
+    <p:extLst>
+      <p:ext uri="{BB962C8B-B14F-4D97-AF65-F5344CB8AC3E}">
+        <p14:creationId xmlns:p14="http://schemas.microsoft.com/office/powerpoint/2010/main" val="2048138297"/>
+      </p:ext>
+    </p:extLst>
+  </p:cSld>
+  <p:clrMapOvr>
+    <a:masterClrMapping/>
+  </p:clrMapOvr>
+</p:sld>
+</file>
+
+<file path=ppt/slides/slide25.xml><?xml version="1.0" encoding="utf-8"?>
+<p:sld xmlns:a="http://schemas.openxmlformats.org/drawingml/2006/main" xmlns:r="http://schemas.openxmlformats.org/officeDocument/2006/relationships" xmlns:p="http://schemas.openxmlformats.org/presentationml/2006/main">
+  <p:cSld>
+    <p:spTree>
+      <p:nvGrpSpPr>
+        <p:cNvPr id="1" name=""/>
+        <p:cNvGrpSpPr/>
+        <p:nvPr/>
+      </p:nvGrpSpPr>
+      <p:grpSpPr>
+        <a:xfrm>
+          <a:off x="0" y="0"/>
+          <a:ext cx="0" cy="0"/>
+          <a:chOff x="0" y="0"/>
+          <a:chExt cx="0" cy="0"/>
+        </a:xfrm>
+      </p:grpSpPr>
+      <p:sp>
+        <p:nvSpPr>
+          <p:cNvPr id="2" name="Title 1">
+            <a:extLst>
+              <a:ext uri="{FF2B5EF4-FFF2-40B4-BE49-F238E27FC236}">
+                <a16:creationId xmlns:a16="http://schemas.microsoft.com/office/drawing/2014/main" id="{B513A983-1BC8-44D9-F818-1A4BB2795E1D}"/>
+              </a:ext>
+            </a:extLst>
+          </p:cNvPr>
+          <p:cNvSpPr>
+            <a:spLocks noGrp="1"/>
+          </p:cNvSpPr>
+          <p:nvPr>
+            <p:ph type="title"/>
+          </p:nvPr>
+        </p:nvSpPr>
+        <p:spPr/>
+        <p:txBody>
+          <a:bodyPr/>
+          <a:lstStyle/>
+          <a:p>
+            <a:r>
+              <a:rPr lang="en-US" dirty="0"/>
+              <a:t>Tuning LSTM Models</a:t>
+            </a:r>
+          </a:p>
+        </p:txBody>
+      </p:sp>
+      <p:sp>
+        <p:nvSpPr>
+          <p:cNvPr id="3" name="Content Placeholder 2">
+            <a:extLst>
+              <a:ext uri="{FF2B5EF4-FFF2-40B4-BE49-F238E27FC236}">
+                <a16:creationId xmlns:a16="http://schemas.microsoft.com/office/drawing/2014/main" id="{F3E514EB-A4D9-7797-8DF4-F086374E3729}"/>
+              </a:ext>
+            </a:extLst>
+          </p:cNvPr>
+          <p:cNvSpPr>
+            <a:spLocks noGrp="1"/>
+          </p:cNvSpPr>
+          <p:nvPr>
+            <p:ph idx="1"/>
+          </p:nvPr>
+        </p:nvSpPr>
+        <p:spPr>
+          <a:xfrm>
+            <a:off x="1451579" y="1853754"/>
+            <a:ext cx="9603275" cy="4199727"/>
+          </a:xfrm>
+        </p:spPr>
+        <p:txBody>
+          <a:bodyPr/>
+          <a:lstStyle/>
+          <a:p>
+            <a:r>
+              <a:rPr lang="en-US" dirty="0"/>
+              <a:t>Like other models, we generally want to have a larger model for a larger problem. </a:t>
+            </a:r>
+          </a:p>
+          <a:p>
+            <a:pPr lvl="1"/>
+            <a:r>
+              <a:rPr lang="en-US" dirty="0"/>
+              <a:t>Estimate - Units = samples in training data / ((# input neurons + # output neurons) * alpha)</a:t>
+            </a:r>
+          </a:p>
+          <a:p>
+            <a:pPr lvl="1"/>
+            <a:r>
+              <a:rPr lang="en-US" dirty="0"/>
+              <a:t>Unstructured problems are more likely to benefit from more layers, each with fewer units. </a:t>
+            </a:r>
+          </a:p>
+          <a:p>
+            <a:pPr lvl="1"/>
+            <a:r>
+              <a:rPr lang="en-US" dirty="0"/>
+              <a:t>Structured problems (sales or stock prices) may benefit from fewer, larger layers. </a:t>
+            </a:r>
+          </a:p>
+          <a:p>
+            <a:r>
+              <a:rPr lang="en-US" dirty="0"/>
+              <a:t>Hyperparameter tuning is back on the menu, boys!</a:t>
+            </a:r>
+          </a:p>
+          <a:p>
+            <a:pPr lvl="1"/>
+            <a:r>
+              <a:rPr lang="en-US" dirty="0"/>
+              <a:t>LSTM models can be determined via the </a:t>
+            </a:r>
+            <a:r>
+              <a:rPr lang="en-US" dirty="0" err="1"/>
+              <a:t>Keras</a:t>
+            </a:r>
+            <a:r>
+              <a:rPr lang="en-US" dirty="0"/>
+              <a:t> Tuner – layers, units, drop, other options… </a:t>
+            </a:r>
+          </a:p>
+          <a:p>
+            <a:pPr lvl="1"/>
+            <a:r>
+              <a:rPr lang="en-US" dirty="0"/>
+              <a:t>Bayesian or Hyperband may help with time, as might sampling (smartly) the data. </a:t>
+            </a:r>
+          </a:p>
+          <a:p>
+            <a:pPr lvl="1"/>
+            <a:r>
+              <a:rPr lang="en-US" dirty="0"/>
+              <a:t>LSTM models often employ a dropout for regularization, it performs well. </a:t>
+            </a:r>
+          </a:p>
+          <a:p>
+            <a:pPr lvl="1"/>
+            <a:r>
+              <a:rPr lang="en-US" dirty="0"/>
+              <a:t>Large numbers of epochs are often helpful, possibly with small batches (~8-96). </a:t>
+            </a:r>
+          </a:p>
+          <a:p>
+            <a:pPr lvl="2"/>
+            <a:r>
+              <a:rPr lang="en-US" dirty="0"/>
+              <a:t>Batch size is more important than average here, small batches may be good, but slow training. </a:t>
+            </a:r>
+          </a:p>
+        </p:txBody>
+      </p:sp>
+    </p:spTree>
+    <p:extLst>
+      <p:ext uri="{BB962C8B-B14F-4D97-AF65-F5344CB8AC3E}">
+        <p14:creationId xmlns:p14="http://schemas.microsoft.com/office/powerpoint/2010/main" val="3420062599"/>
+      </p:ext>
+    </p:extLst>
+  </p:cSld>
+  <p:clrMapOvr>
+    <a:masterClrMapping/>
+  </p:clrMapOvr>
+</p:sld>
+</file>
+
+<file path=ppt/slides/slide26.xml><?xml version="1.0" encoding="utf-8"?>
+<p:sld xmlns:a="http://schemas.openxmlformats.org/drawingml/2006/main" xmlns:r="http://schemas.openxmlformats.org/officeDocument/2006/relationships" xmlns:p="http://schemas.openxmlformats.org/presentationml/2006/main" show="0">
+  <p:cSld>
+    <p:spTree>
+      <p:nvGrpSpPr>
+        <p:cNvPr id="1" name=""/>
+        <p:cNvGrpSpPr/>
+        <p:nvPr/>
+      </p:nvGrpSpPr>
+      <p:grpSpPr>
+        <a:xfrm>
+          <a:off x="0" y="0"/>
+          <a:ext cx="0" cy="0"/>
+          <a:chOff x="0" y="0"/>
+          <a:chExt cx="0" cy="0"/>
+        </a:xfrm>
+      </p:grpSpPr>
+      <p:sp>
+        <p:nvSpPr>
+          <p:cNvPr id="2" name="Title 1">
+            <a:extLst>
+              <a:ext uri="{FF2B5EF4-FFF2-40B4-BE49-F238E27FC236}">
+                <a16:creationId xmlns:a16="http://schemas.microsoft.com/office/drawing/2014/main" id="{E5F0A867-99E2-904B-62B6-7C2A0C6D8D25}"/>
+              </a:ext>
+            </a:extLst>
+          </p:cNvPr>
+          <p:cNvSpPr>
+            <a:spLocks noGrp="1"/>
+          </p:cNvSpPr>
+          <p:nvPr>
+            <p:ph type="title"/>
+          </p:nvPr>
+        </p:nvSpPr>
+        <p:spPr/>
+        <p:txBody>
+          <a:bodyPr/>
+          <a:lstStyle/>
+          <a:p>
+            <a:r>
+              <a:rPr lang="en-US" dirty="0"/>
+              <a:t>Being BI is in… if it Performs better</a:t>
+            </a:r>
+          </a:p>
+        </p:txBody>
+      </p:sp>
+      <p:sp>
+        <p:nvSpPr>
+          <p:cNvPr id="3" name="Content Placeholder 2">
+            <a:extLst>
+              <a:ext uri="{FF2B5EF4-FFF2-40B4-BE49-F238E27FC236}">
+                <a16:creationId xmlns:a16="http://schemas.microsoft.com/office/drawing/2014/main" id="{1A9B5499-96C7-43AF-E68F-D8040AB79ECD}"/>
+              </a:ext>
+            </a:extLst>
+          </p:cNvPr>
+          <p:cNvSpPr>
+            <a:spLocks noGrp="1"/>
+          </p:cNvSpPr>
+          <p:nvPr>
+            <p:ph idx="1"/>
+          </p:nvPr>
+        </p:nvSpPr>
+        <p:spPr/>
+        <p:txBody>
+          <a:bodyPr/>
+          <a:lstStyle/>
+          <a:p>
+            <a:r>
+              <a:rPr lang="en-US" dirty="0"/>
+              <a:t>Bidirectional LSTM layers feed the previous sequence bot forwards and backwards. </a:t>
+            </a:r>
+          </a:p>
+          <a:p>
+            <a:r>
+              <a:rPr lang="en-US" dirty="0"/>
+              <a:t>Common in NLP applications. </a:t>
+            </a:r>
+          </a:p>
+        </p:txBody>
+      </p:sp>
+    </p:spTree>
+    <p:extLst>
+      <p:ext uri="{BB962C8B-B14F-4D97-AF65-F5344CB8AC3E}">
+        <p14:creationId xmlns:p14="http://schemas.microsoft.com/office/powerpoint/2010/main" val="904097236"/>
+      </p:ext>
+    </p:extLst>
+  </p:cSld>
+  <p:clrMapOvr>
+    <a:masterClrMapping/>
+  </p:clrMapOvr>
+</p:sld>
+</file>
+
+<file path=ppt/slides/slide27.xml><?xml version="1.0" encoding="utf-8"?>
+<p:sld xmlns:a="http://schemas.openxmlformats.org/drawingml/2006/main" xmlns:r="http://schemas.openxmlformats.org/officeDocument/2006/relationships" xmlns:p="http://schemas.openxmlformats.org/presentationml/2006/main" show="0">
+  <p:cSld>
+    <p:spTree>
+      <p:nvGrpSpPr>
+        <p:cNvPr id="1" name=""/>
+        <p:cNvGrpSpPr/>
+        <p:nvPr/>
+      </p:nvGrpSpPr>
+      <p:grpSpPr>
+        <a:xfrm>
+          <a:off x="0" y="0"/>
+          <a:ext cx="0" cy="0"/>
+          <a:chOff x="0" y="0"/>
+          <a:chExt cx="0" cy="0"/>
+        </a:xfrm>
+      </p:grpSpPr>
+      <p:sp>
+        <p:nvSpPr>
+          <p:cNvPr id="2" name="Title 1">
+            <a:extLst>
+              <a:ext uri="{FF2B5EF4-FFF2-40B4-BE49-F238E27FC236}">
+                <a16:creationId xmlns:a16="http://schemas.microsoft.com/office/drawing/2014/main" id="{120A5EE1-4AAC-0801-3067-67CFEA11C12A}"/>
+              </a:ext>
+            </a:extLst>
+          </p:cNvPr>
+          <p:cNvSpPr>
+            <a:spLocks noGrp="1"/>
+          </p:cNvSpPr>
+          <p:nvPr>
+            <p:ph type="title"/>
+          </p:nvPr>
+        </p:nvSpPr>
+        <p:spPr/>
+        <p:txBody>
+          <a:bodyPr/>
+          <a:lstStyle/>
+          <a:p>
+            <a:r>
+              <a:rPr lang="en-US" dirty="0"/>
+              <a:t>Generative Models</a:t>
+            </a:r>
+          </a:p>
+        </p:txBody>
+      </p:sp>
+      <p:sp>
+        <p:nvSpPr>
+          <p:cNvPr id="3" name="Content Placeholder 2">
+            <a:extLst>
+              <a:ext uri="{FF2B5EF4-FFF2-40B4-BE49-F238E27FC236}">
+                <a16:creationId xmlns:a16="http://schemas.microsoft.com/office/drawing/2014/main" id="{18B47CC8-CAB3-0B63-7176-21FD7965C010}"/>
+              </a:ext>
+            </a:extLst>
+          </p:cNvPr>
+          <p:cNvSpPr>
+            <a:spLocks noGrp="1"/>
+          </p:cNvSpPr>
+          <p:nvPr>
+            <p:ph idx="1"/>
+          </p:nvPr>
+        </p:nvSpPr>
+        <p:spPr>
+          <a:xfrm>
+            <a:off x="1451579" y="2015732"/>
+            <a:ext cx="9603275" cy="4037749"/>
+          </a:xfrm>
+        </p:spPr>
+        <p:txBody>
+          <a:bodyPr/>
+          <a:lstStyle/>
+          <a:p>
+            <a:r>
+              <a:rPr lang="en-US" dirty="0"/>
+              <a:t>LSTMs can be used to generate things, like text. </a:t>
+            </a:r>
+          </a:p>
+          <a:p>
+            <a:r>
+              <a:rPr lang="en-US" dirty="0"/>
+              <a:t>Text generation is simpler than it sounds at first glance. </a:t>
+            </a:r>
+          </a:p>
+          <a:p>
+            <a:pPr lvl="1"/>
+            <a:r>
+              <a:rPr lang="en-US" dirty="0"/>
+              <a:t>Train a model to be able to predict the next word (or token) from text. </a:t>
+            </a:r>
+          </a:p>
+          <a:p>
+            <a:pPr lvl="1"/>
+            <a:r>
+              <a:rPr lang="en-US" dirty="0"/>
+              <a:t>Generate text by taking in the previous text, and predict the next word.</a:t>
+            </a:r>
+          </a:p>
+          <a:p>
+            <a:pPr lvl="1"/>
+            <a:r>
+              <a:rPr lang="en-US" dirty="0"/>
+              <a:t>The ‘previous text’ + ‘predicted word’ is then the source for the next prediction. </a:t>
+            </a:r>
+          </a:p>
+          <a:p>
+            <a:r>
+              <a:rPr lang="en-US" dirty="0"/>
+              <a:t>We can treat it as 1 word tokens, large LLMs may have different splits – it varies. </a:t>
+            </a:r>
+          </a:p>
+          <a:p>
+            <a:pPr lvl="1"/>
+            <a:r>
+              <a:rPr lang="en-US" dirty="0"/>
+              <a:t>E.g. predict a root word, then the correct suffix: run to running or runner. </a:t>
+            </a:r>
+          </a:p>
+          <a:p>
+            <a:pPr lvl="1"/>
+            <a:r>
+              <a:rPr lang="en-US" dirty="0"/>
+              <a:t>2+ grams for thinks like ‘downhill skiing’ and ‘oven glove’. </a:t>
+            </a:r>
+          </a:p>
+        </p:txBody>
+      </p:sp>
+    </p:spTree>
+    <p:extLst>
+      <p:ext uri="{BB962C8B-B14F-4D97-AF65-F5344CB8AC3E}">
+        <p14:creationId xmlns:p14="http://schemas.microsoft.com/office/powerpoint/2010/main" val="185559048"/>
+      </p:ext>
+    </p:extLst>
+  </p:cSld>
+  <p:clrMapOvr>
+    <a:masterClrMapping/>
+  </p:clrMapOvr>
+</p:sld>
+</file>
+
+<file path=ppt/slides/slide28.xml><?xml version="1.0" encoding="utf-8"?>
+<p:sld xmlns:a="http://schemas.openxmlformats.org/drawingml/2006/main" xmlns:r="http://schemas.openxmlformats.org/officeDocument/2006/relationships" xmlns:p="http://schemas.openxmlformats.org/presentationml/2006/main" show="0">
+  <p:cSld>
+    <p:spTree>
+      <p:nvGrpSpPr>
+        <p:cNvPr id="1" name=""/>
+        <p:cNvGrpSpPr/>
+        <p:nvPr/>
+      </p:nvGrpSpPr>
+      <p:grpSpPr>
+        <a:xfrm>
+          <a:off x="0" y="0"/>
+          <a:ext cx="0" cy="0"/>
+          <a:chOff x="0" y="0"/>
+          <a:chExt cx="0" cy="0"/>
+        </a:xfrm>
+      </p:grpSpPr>
+      <p:sp>
+        <p:nvSpPr>
+          <p:cNvPr id="2" name="Title 1">
+            <a:extLst>
+              <a:ext uri="{FF2B5EF4-FFF2-40B4-BE49-F238E27FC236}">
                 <a16:creationId xmlns:a16="http://schemas.microsoft.com/office/drawing/2014/main" id="{2F1078A6-AE76-455E-16FF-DBE689E24AC9}"/>
               </a:ext>
             </a:extLst>
@@ -6115,7 +6965,7 @@
 </p:sld>
 </file>
 
-<file path=ppt/slides/slide25.xml><?xml version="1.0" encoding="utf-8"?>
+<file path=ppt/slides/slide29.xml><?xml version="1.0" encoding="utf-8"?>
 <p:sld xmlns:a="http://schemas.openxmlformats.org/drawingml/2006/main" xmlns:r="http://schemas.openxmlformats.org/officeDocument/2006/relationships" xmlns:p="http://schemas.openxmlformats.org/presentationml/2006/main">
   <p:cSld>
     <p:spTree>
@@ -7021,15 +7871,114 @@
             <p:ph idx="1"/>
           </p:nvPr>
         </p:nvSpPr>
-        <p:spPr/>
+        <p:spPr>
+          <a:xfrm>
+            <a:off x="1451579" y="1853754"/>
+            <a:ext cx="7777765" cy="4199727"/>
+          </a:xfrm>
+        </p:spPr>
         <p:txBody>
           <a:bodyPr/>
           <a:lstStyle/>
           <a:p>
-            <a:endParaRPr lang="en-US"/>
-          </a:p>
-        </p:txBody>
-      </p:sp>
+            <a:r>
+              <a:rPr lang="en-US" dirty="0"/>
+              <a:t>The basic idea of an RNN is that there is some sort of State that holds memory. </a:t>
+            </a:r>
+          </a:p>
+          <a:p>
+            <a:pPr lvl="1"/>
+            <a:r>
+              <a:rPr lang="en-US" dirty="0"/>
+              <a:t>The network can have information from earlier held in its state. </a:t>
+            </a:r>
+          </a:p>
+          <a:p>
+            <a:pPr lvl="1"/>
+            <a:r>
+              <a:rPr lang="en-US" dirty="0"/>
+              <a:t>The new record can bring in its features (as normal). </a:t>
+            </a:r>
+          </a:p>
+          <a:p>
+            <a:pPr lvl="1"/>
+            <a:r>
+              <a:rPr lang="en-US" dirty="0"/>
+              <a:t>The model can use both to make a prediction. </a:t>
+            </a:r>
+          </a:p>
+          <a:p>
+            <a:r>
+              <a:rPr lang="en-US" dirty="0"/>
+              <a:t>We refer to this as a ‘unit’ in a RNN layer. </a:t>
+            </a:r>
+          </a:p>
+          <a:p>
+            <a:pPr lvl="1"/>
+            <a:r>
+              <a:rPr lang="en-US" dirty="0"/>
+              <a:t>Roughly equivalent to a neuron, though more complex and we have fewer.</a:t>
+            </a:r>
+          </a:p>
+          <a:p>
+            <a:r>
+              <a:rPr lang="en-US" dirty="0"/>
+              <a:t>The top line is the state, that is what is passed on from before. </a:t>
+            </a:r>
+          </a:p>
+          <a:p>
+            <a:r>
+              <a:rPr lang="en-US" dirty="0"/>
+              <a:t>The bottom line is the feature set for this record. </a:t>
+            </a:r>
+          </a:p>
+        </p:txBody>
+      </p:sp>
+      <p:pic>
+        <p:nvPicPr>
+          <p:cNvPr id="10242" name="Picture 2" descr="Compare the different Sequence models (RNN, LSTM, GRU, and Transformers) -  AIML.com">
+            <a:extLst>
+              <a:ext uri="{FF2B5EF4-FFF2-40B4-BE49-F238E27FC236}">
+                <a16:creationId xmlns:a16="http://schemas.microsoft.com/office/drawing/2014/main" id="{EF21BFE3-E2E4-D530-BC92-85B021C01446}"/>
+              </a:ext>
+            </a:extLst>
+          </p:cNvPr>
+          <p:cNvPicPr>
+            <a:picLocks noChangeAspect="1" noChangeArrowheads="1"/>
+          </p:cNvPicPr>
+          <p:nvPr/>
+        </p:nvPicPr>
+        <p:blipFill rotWithShape="1">
+          <a:blip r:embed="rId2">
+            <a:extLst>
+              <a:ext uri="{28A0092B-C50C-407E-A947-70E740481C1C}">
+                <a14:useLocalDpi xmlns:a14="http://schemas.microsoft.com/office/drawing/2010/main" val="0"/>
+              </a:ext>
+            </a:extLst>
+          </a:blip>
+          <a:srcRect r="75700"/>
+          <a:stretch/>
+        </p:blipFill>
+        <p:spPr bwMode="auto">
+          <a:xfrm>
+            <a:off x="9229344" y="1853754"/>
+            <a:ext cx="2962656" cy="4919663"/>
+          </a:xfrm>
+          <a:prstGeom prst="rect">
+            <a:avLst/>
+          </a:prstGeom>
+          <a:noFill/>
+          <a:extLst>
+            <a:ext uri="{909E8E84-426E-40DD-AFC4-6F175D3DCCD1}">
+              <a14:hiddenFill xmlns:a14="http://schemas.microsoft.com/office/drawing/2010/main">
+                <a:solidFill>
+                  <a:srgbClr val="FFFFFF"/>
+                </a:solidFill>
+              </a14:hiddenFill>
+            </a:ext>
+          </a:extLst>
+        </p:spPr>
+      </p:pic>
     </p:spTree>
     <p:extLst>
       <p:ext uri="{BB962C8B-B14F-4D97-AF65-F5344CB8AC3E}">
@@ -7065,7 +8014,7 @@
           <p:cNvPr id="2" name="Title 1">
             <a:extLst>
               <a:ext uri="{FF2B5EF4-FFF2-40B4-BE49-F238E27FC236}">
-                <a16:creationId xmlns:a16="http://schemas.microsoft.com/office/drawing/2014/main" id="{D566D637-0104-B464-1650-69AA9AA62959}"/>
+                <a16:creationId xmlns:a16="http://schemas.microsoft.com/office/drawing/2014/main" id="{CFE1CBB8-AAF2-A049-EDE6-A21D9BD71033}"/>
               </a:ext>
             </a:extLst>
           </p:cNvPr>
@@ -7076,44 +8025,115 @@
             <p:ph type="title"/>
           </p:nvPr>
         </p:nvSpPr>
-        <p:spPr/>
+        <p:spPr>
+          <a:xfrm>
+            <a:off x="1451579" y="1"/>
+            <a:ext cx="9603275" cy="489519"/>
+          </a:xfrm>
+        </p:spPr>
+        <p:txBody>
+          <a:bodyPr>
+            <a:normAutofit fontScale="90000"/>
+          </a:bodyPr>
+          <a:lstStyle/>
+          <a:p>
+            <a:r>
+              <a:rPr lang="en-US" dirty="0"/>
+              <a:t>Applications</a:t>
+            </a:r>
+          </a:p>
+        </p:txBody>
+      </p:sp>
+      <p:sp>
+        <p:nvSpPr>
+          <p:cNvPr id="3" name="Content Placeholder 2">
+            <a:extLst>
+              <a:ext uri="{FF2B5EF4-FFF2-40B4-BE49-F238E27FC236}">
+                <a16:creationId xmlns:a16="http://schemas.microsoft.com/office/drawing/2014/main" id="{37690937-1AFD-18B7-0CF4-714B567F1B47}"/>
+              </a:ext>
+            </a:extLst>
+          </p:cNvPr>
+          <p:cNvSpPr>
+            <a:spLocks noGrp="1"/>
+          </p:cNvSpPr>
+          <p:nvPr>
+            <p:ph idx="1"/>
+          </p:nvPr>
+        </p:nvSpPr>
+        <p:spPr>
+          <a:xfrm>
+            <a:off x="1451579" y="489521"/>
+            <a:ext cx="9603275" cy="1339280"/>
+          </a:xfrm>
+        </p:spPr>
         <p:txBody>
           <a:bodyPr/>
           <a:lstStyle/>
           <a:p>
-            <a:endParaRPr lang="en-US" dirty="0"/>
-          </a:p>
-        </p:txBody>
-      </p:sp>
-      <p:sp>
-        <p:nvSpPr>
-          <p:cNvPr id="3" name="Content Placeholder 2">
+            <a:r>
+              <a:rPr lang="en-US" dirty="0"/>
+              <a:t>The ability to keep state allows for RNNs to excel any time we have a sequence. </a:t>
+            </a:r>
+          </a:p>
+          <a:p>
+            <a:r>
+              <a:rPr lang="en-US" dirty="0"/>
+              <a:t>We can have arbitrary number of input and output lengths. </a:t>
+            </a:r>
+          </a:p>
+        </p:txBody>
+      </p:sp>
+      <p:pic>
+        <p:nvPicPr>
+          <p:cNvPr id="11266" name="Picture 2" descr="TensorFlow Types Of RNN Javatpoint, 46% OFF">
             <a:extLst>
               <a:ext uri="{FF2B5EF4-FFF2-40B4-BE49-F238E27FC236}">
-                <a16:creationId xmlns:a16="http://schemas.microsoft.com/office/drawing/2014/main" id="{0D9C6F81-4B62-E27C-4D46-2C0AFA3D7D1E}"/>
+                <a16:creationId xmlns:a16="http://schemas.microsoft.com/office/drawing/2014/main" id="{B862FCF1-01C6-300D-1F54-1F5B34DD77C0}"/>
               </a:ext>
             </a:extLst>
           </p:cNvPr>
-          <p:cNvSpPr>
-            <a:spLocks noGrp="1"/>
-          </p:cNvSpPr>
-          <p:nvPr>
-            <p:ph idx="1"/>
-          </p:nvPr>
-        </p:nvSpPr>
-        <p:spPr/>
-        <p:txBody>
-          <a:bodyPr/>
-          <a:lstStyle/>
-          <a:p>
-            <a:endParaRPr lang="en-US"/>
-          </a:p>
-        </p:txBody>
-      </p:sp>
+          <p:cNvPicPr>
+            <a:picLocks noChangeAspect="1" noChangeArrowheads="1"/>
+          </p:cNvPicPr>
+          <p:nvPr/>
+        </p:nvPicPr>
+        <p:blipFill>
+          <a:blip r:embed="rId2">
+            <a:extLst>
+              <a:ext uri="{28A0092B-C50C-407E-A947-70E740481C1C}">
+                <a14:useLocalDpi xmlns:a14="http://schemas.microsoft.com/office/drawing/2010/main" val="0"/>
+              </a:ext>
+            </a:extLst>
+          </a:blip>
+          <a:srcRect/>
+          <a:stretch>
+            <a:fillRect/>
+          </a:stretch>
+        </p:blipFill>
+        <p:spPr bwMode="auto">
+          <a:xfrm>
+            <a:off x="678301" y="1828801"/>
+            <a:ext cx="10835398" cy="5100256"/>
+          </a:xfrm>
+          <a:prstGeom prst="rect">
+            <a:avLst/>
+          </a:prstGeom>
+          <a:noFill/>
+          <a:extLst>
+            <a:ext uri="{909E8E84-426E-40DD-AFC4-6F175D3DCCD1}">
+              <a14:hiddenFill xmlns:a14="http://schemas.microsoft.com/office/drawing/2010/main">
+                <a:solidFill>
+                  <a:srgbClr val="FFFFFF"/>
+                </a:solidFill>
+              </a14:hiddenFill>
+            </a:ext>
+          </a:extLst>
+        </p:spPr>
+      </p:pic>
     </p:spTree>
     <p:extLst>
       <p:ext uri="{BB962C8B-B14F-4D97-AF65-F5344CB8AC3E}">
-        <p14:creationId xmlns:p14="http://schemas.microsoft.com/office/powerpoint/2010/main" val="3368922919"/>
+        <p14:creationId xmlns:p14="http://schemas.microsoft.com/office/powerpoint/2010/main" val="1230763844"/>
       </p:ext>
     </p:extLst>
   </p:cSld>
@@ -7145,6 +8165,86 @@
           <p:cNvPr id="2" name="Title 1">
             <a:extLst>
               <a:ext uri="{FF2B5EF4-FFF2-40B4-BE49-F238E27FC236}">
+                <a16:creationId xmlns:a16="http://schemas.microsoft.com/office/drawing/2014/main" id="{D566D637-0104-B464-1650-69AA9AA62959}"/>
+              </a:ext>
+            </a:extLst>
+          </p:cNvPr>
+          <p:cNvSpPr>
+            <a:spLocks noGrp="1"/>
+          </p:cNvSpPr>
+          <p:nvPr>
+            <p:ph type="title"/>
+          </p:nvPr>
+        </p:nvSpPr>
+        <p:spPr/>
+        <p:txBody>
+          <a:bodyPr/>
+          <a:lstStyle/>
+          <a:p>
+            <a:endParaRPr lang="en-US" dirty="0"/>
+          </a:p>
+        </p:txBody>
+      </p:sp>
+      <p:sp>
+        <p:nvSpPr>
+          <p:cNvPr id="3" name="Content Placeholder 2">
+            <a:extLst>
+              <a:ext uri="{FF2B5EF4-FFF2-40B4-BE49-F238E27FC236}">
+                <a16:creationId xmlns:a16="http://schemas.microsoft.com/office/drawing/2014/main" id="{0D9C6F81-4B62-E27C-4D46-2C0AFA3D7D1E}"/>
+              </a:ext>
+            </a:extLst>
+          </p:cNvPr>
+          <p:cNvSpPr>
+            <a:spLocks noGrp="1"/>
+          </p:cNvSpPr>
+          <p:nvPr>
+            <p:ph idx="1"/>
+          </p:nvPr>
+        </p:nvSpPr>
+        <p:spPr/>
+        <p:txBody>
+          <a:bodyPr/>
+          <a:lstStyle/>
+          <a:p>
+            <a:endParaRPr lang="en-US"/>
+          </a:p>
+        </p:txBody>
+      </p:sp>
+    </p:spTree>
+    <p:extLst>
+      <p:ext uri="{BB962C8B-B14F-4D97-AF65-F5344CB8AC3E}">
+        <p14:creationId xmlns:p14="http://schemas.microsoft.com/office/powerpoint/2010/main" val="3368922919"/>
+      </p:ext>
+    </p:extLst>
+  </p:cSld>
+  <p:clrMapOvr>
+    <a:masterClrMapping/>
+  </p:clrMapOvr>
+</p:sld>
+</file>
+
+<file path=ppt/slides/slide8.xml><?xml version="1.0" encoding="utf-8"?>
+<p:sld xmlns:a="http://schemas.openxmlformats.org/drawingml/2006/main" xmlns:r="http://schemas.openxmlformats.org/officeDocument/2006/relationships" xmlns:p="http://schemas.openxmlformats.org/presentationml/2006/main" show="0">
+  <p:cSld>
+    <p:spTree>
+      <p:nvGrpSpPr>
+        <p:cNvPr id="1" name=""/>
+        <p:cNvGrpSpPr/>
+        <p:nvPr/>
+      </p:nvGrpSpPr>
+      <p:grpSpPr>
+        <a:xfrm>
+          <a:off x="0" y="0"/>
+          <a:ext cx="0" cy="0"/>
+          <a:chOff x="0" y="0"/>
+          <a:chExt cx="0" cy="0"/>
+        </a:xfrm>
+      </p:grpSpPr>
+      <p:sp>
+        <p:nvSpPr>
+          <p:cNvPr id="2" name="Title 1">
+            <a:extLst>
+              <a:ext uri="{FF2B5EF4-FFF2-40B4-BE49-F238E27FC236}">
                 <a16:creationId xmlns:a16="http://schemas.microsoft.com/office/drawing/2014/main" id="{BC984981-B975-3959-EF48-AB4698A476EB}"/>
               </a:ext>
             </a:extLst>
@@ -7250,7 +8350,7 @@
 </p:sld>
 </file>
 
-<file path=ppt/slides/slide8.xml><?xml version="1.0" encoding="utf-8"?>
+<file path=ppt/slides/slide9.xml><?xml version="1.0" encoding="utf-8"?>
 <p:sld xmlns:a="http://schemas.openxmlformats.org/drawingml/2006/main" xmlns:r="http://schemas.openxmlformats.org/officeDocument/2006/relationships" xmlns:p="http://schemas.openxmlformats.org/presentationml/2006/main">
   <p:cSld>
     <p:bg>
@@ -7345,7 +8445,7 @@
         <p:spPr>
           <a:xfrm>
             <a:off x="211023" y="2015734"/>
-            <a:ext cx="6809511" cy="4267835"/>
+            <a:ext cx="6809511" cy="4037747"/>
           </a:xfrm>
         </p:spPr>
         <p:txBody>
@@ -7407,14 +8507,6 @@
               <a:rPr lang="en-US" dirty="0"/>
               <a:t>As gradients get extremely small, learning updates stop.</a:t>
             </a:r>
-          </a:p>
-          <a:p>
-            <a:pPr>
-              <a:lnSpc>
-                <a:spcPct val="110000"/>
-              </a:lnSpc>
-            </a:pPr>
-            <a:endParaRPr lang="en-US" dirty="0"/>
           </a:p>
           <a:p>
             <a:pPr>
@@ -7479,162 +8571,6 @@
     <p:extLst>
       <p:ext uri="{BB962C8B-B14F-4D97-AF65-F5344CB8AC3E}">
         <p14:creationId xmlns:p14="http://schemas.microsoft.com/office/powerpoint/2010/main" val="723991813"/>
-      </p:ext>
-    </p:extLst>
-  </p:cSld>
-  <p:clrMapOvr>
-    <a:masterClrMapping/>
-  </p:clrMapOvr>
-</p:sld>
-</file>
-
-<file path=ppt/slides/slide9.xml><?xml version="1.0" encoding="utf-8"?>
-<p:sld xmlns:a="http://schemas.openxmlformats.org/drawingml/2006/main" xmlns:r="http://schemas.openxmlformats.org/officeDocument/2006/relationships" xmlns:p="http://schemas.openxmlformats.org/presentationml/2006/main">
-  <p:cSld>
-    <p:spTree>
-      <p:nvGrpSpPr>
-        <p:cNvPr id="1" name=""/>
-        <p:cNvGrpSpPr/>
-        <p:nvPr/>
-      </p:nvGrpSpPr>
-      <p:grpSpPr>
-        <a:xfrm>
-          <a:off x="0" y="0"/>
-          <a:ext cx="0" cy="0"/>
-          <a:chOff x="0" y="0"/>
-          <a:chExt cx="0" cy="0"/>
-        </a:xfrm>
-      </p:grpSpPr>
-      <p:sp>
-        <p:nvSpPr>
-          <p:cNvPr id="2" name="Title 1">
-            <a:extLst>
-              <a:ext uri="{FF2B5EF4-FFF2-40B4-BE49-F238E27FC236}">
-                <a16:creationId xmlns:a16="http://schemas.microsoft.com/office/drawing/2014/main" id="{DCEA25D7-B275-8C46-BDC5-2257486457A2}"/>
-              </a:ext>
-            </a:extLst>
-          </p:cNvPr>
-          <p:cNvSpPr>
-            <a:spLocks noGrp="1"/>
-          </p:cNvSpPr>
-          <p:nvPr>
-            <p:ph type="title"/>
-          </p:nvPr>
-        </p:nvSpPr>
-        <p:spPr/>
-        <p:txBody>
-          <a:bodyPr/>
-          <a:lstStyle/>
-          <a:p>
-            <a:r>
-              <a:rPr lang="en-US" dirty="0"/>
-              <a:t>Long Short-Term Memory</a:t>
-            </a:r>
-          </a:p>
-        </p:txBody>
-      </p:sp>
-      <p:sp>
-        <p:nvSpPr>
-          <p:cNvPr id="3" name="Content Placeholder 2">
-            <a:extLst>
-              <a:ext uri="{FF2B5EF4-FFF2-40B4-BE49-F238E27FC236}">
-                <a16:creationId xmlns:a16="http://schemas.microsoft.com/office/drawing/2014/main" id="{A8AE9C63-4627-0143-8679-7D0454698F6A}"/>
-              </a:ext>
-            </a:extLst>
-          </p:cNvPr>
-          <p:cNvSpPr>
-            <a:spLocks noGrp="1"/>
-          </p:cNvSpPr>
-          <p:nvPr>
-            <p:ph idx="1"/>
-          </p:nvPr>
-        </p:nvSpPr>
-        <p:spPr>
-          <a:xfrm>
-            <a:off x="1451579" y="1853754"/>
-            <a:ext cx="10411236" cy="4199727"/>
-          </a:xfrm>
-        </p:spPr>
-        <p:txBody>
-          <a:bodyPr>
-            <a:normAutofit lnSpcReduction="10000"/>
-          </a:bodyPr>
-          <a:lstStyle/>
-          <a:p>
-            <a:r>
-              <a:rPr lang="en-US" dirty="0"/>
-              <a:t>LSTM models are a commonly used type of RNN. </a:t>
-            </a:r>
-          </a:p>
-          <a:p>
-            <a:r>
-              <a:rPr lang="en-US" dirty="0"/>
-              <a:t>LSTMs can avoid the gradient issues. </a:t>
-            </a:r>
-          </a:p>
-          <a:p>
-            <a:r>
-              <a:rPr lang="en-US" dirty="0"/>
-              <a:t>LSTMs retain a bunch of data – their long memory. </a:t>
-            </a:r>
-          </a:p>
-          <a:p>
-            <a:pPr lvl="1"/>
-            <a:r>
-              <a:rPr lang="en-US" dirty="0"/>
-              <a:t>“Look back” period of N previous records. </a:t>
-            </a:r>
-          </a:p>
-          <a:p>
-            <a:r>
-              <a:rPr lang="en-US" dirty="0"/>
-              <a:t>At a basic level, the output of an LSTM at a particular point in time is dependent on three things:</a:t>
-            </a:r>
-          </a:p>
-          <a:p>
-            <a:pPr lvl="1"/>
-            <a:r>
-              <a:rPr lang="en-US" dirty="0"/>
-              <a:t>The current long-term memory of the network — known as the cell state.</a:t>
-            </a:r>
-          </a:p>
-          <a:p>
-            <a:pPr lvl="1"/>
-            <a:r>
-              <a:rPr lang="en-US" dirty="0"/>
-              <a:t>The output at the previous point in time — known as the previous hidden state.</a:t>
-            </a:r>
-          </a:p>
-          <a:p>
-            <a:pPr lvl="1"/>
-            <a:r>
-              <a:rPr lang="en-US" dirty="0"/>
-              <a:t>The input data at the current time step.</a:t>
-            </a:r>
-          </a:p>
-          <a:p>
-            <a:r>
-              <a:rPr lang="en-US" dirty="0"/>
-              <a:t>https://</a:t>
-            </a:r>
-            <a:r>
-              <a:rPr lang="en-US" dirty="0" err="1"/>
-              <a:t>towardsdatascience.com</a:t>
-            </a:r>
-            <a:r>
-              <a:rPr lang="en-US" dirty="0"/>
-              <a:t>/illustrated-guide-to-lstms-and-gru-s-a-step-by-step-explanation-44e9eb85bf21</a:t>
-            </a:r>
-          </a:p>
-          <a:p>
-            <a:endParaRPr lang="en-US" dirty="0"/>
-          </a:p>
-        </p:txBody>
-      </p:sp>
-    </p:spTree>
-    <p:extLst>
-      <p:ext uri="{BB962C8B-B14F-4D97-AF65-F5344CB8AC3E}">
-        <p14:creationId xmlns:p14="http://schemas.microsoft.com/office/powerpoint/2010/main" val="3118498386"/>
       </p:ext>
     </p:extLst>
   </p:cSld>

--- a/reference_content/Slides/rnn_lstm.pptx
+++ b/reference_content/Slides/rnn_lstm.pptx
@@ -6565,8 +6565,13 @@
             <a:pPr lvl="2"/>
             <a:r>
               <a:rPr lang="en-US" dirty="0"/>
-              <a:t>Batch size is more important than average here, small batches may be good, but slow training. </a:t>
-            </a:r>
+              <a:t>Think – update model every day vs every </a:t>
+            </a:r>
+            <a:r>
+              <a:rPr lang="en-US"/>
+              <a:t>100 days. </a:t>
+            </a:r>
+            <a:endParaRPr lang="en-US" dirty="0"/>
           </a:p>
         </p:txBody>
       </p:sp>
